--- a/presentations/Text classification for Digital Humanities data overview.pptx
+++ b/presentations/Text classification for Digital Humanities data overview.pptx
@@ -61,7 +61,7 @@
       </p:grpSpPr>
       <p:sp>
         <p:nvSpPr>
-          <p:cNvPr id="26" name="PlaceHolder 1"/>
+          <p:cNvPr id="23" name="PlaceHolder 1"/>
           <p:cNvSpPr>
             <a:spLocks noGrp="1"/>
           </p:cNvSpPr>
@@ -71,8 +71,8 @@
         </p:nvSpPr>
         <p:spPr>
           <a:xfrm>
-            <a:off x="838080" y="365040"/>
-            <a:ext cx="10515240" cy="1325160"/>
+            <a:off x="609480" y="273600"/>
+            <a:ext cx="10972440" cy="1144800"/>
           </a:xfrm>
           <a:prstGeom prst="rect">
             <a:avLst/>
@@ -81,18 +81,16 @@
         <p:txBody>
           <a:bodyPr lIns="0" rIns="0" tIns="0" bIns="0" anchor="ctr"/>
           <a:p>
-            <a:endParaRPr b="0" lang="de-DE" sz="1800" spc="-1" strike="noStrike">
-              <a:solidFill>
-                <a:srgbClr val="000000"/>
-              </a:solidFill>
-              <a:latin typeface="Calibri"/>
-            </a:endParaRPr>
-          </a:p>
-        </p:txBody>
-      </p:sp>
-      <p:sp>
-        <p:nvSpPr>
-          <p:cNvPr id="27" name="PlaceHolder 2"/>
+            <a:pPr algn="ctr"/>
+            <a:endParaRPr b="0" lang="en-US" sz="4400" spc="-1" strike="noStrike">
+              <a:latin typeface="Arial"/>
+            </a:endParaRPr>
+          </a:p>
+        </p:txBody>
+      </p:sp>
+      <p:sp>
+        <p:nvSpPr>
+          <p:cNvPr id="24" name="PlaceHolder 2"/>
           <p:cNvSpPr>
             <a:spLocks noGrp="1"/>
           </p:cNvSpPr>
@@ -102,8 +100,8 @@
         </p:nvSpPr>
         <p:spPr>
           <a:xfrm>
-            <a:off x="838080" y="1825560"/>
-            <a:ext cx="10515240" cy="2075040"/>
+            <a:off x="609480" y="1604520"/>
+            <a:ext cx="10972440" cy="1896840"/>
           </a:xfrm>
           <a:prstGeom prst="rect">
             <a:avLst/>
@@ -114,18 +112,15 @@
             <a:normAutofit/>
           </a:bodyPr>
           <a:p>
-            <a:endParaRPr b="0" lang="de-DE" sz="2800" spc="-1" strike="noStrike">
-              <a:solidFill>
-                <a:srgbClr val="000000"/>
-              </a:solidFill>
-              <a:latin typeface="Calibri"/>
-            </a:endParaRPr>
-          </a:p>
-        </p:txBody>
-      </p:sp>
-      <p:sp>
-        <p:nvSpPr>
-          <p:cNvPr id="28" name="PlaceHolder 3"/>
+            <a:endParaRPr b="0" lang="en-US" sz="3200" spc="-1" strike="noStrike">
+              <a:latin typeface="Arial"/>
+            </a:endParaRPr>
+          </a:p>
+        </p:txBody>
+      </p:sp>
+      <p:sp>
+        <p:nvSpPr>
+          <p:cNvPr id="25" name="PlaceHolder 3"/>
           <p:cNvSpPr>
             <a:spLocks noGrp="1"/>
           </p:cNvSpPr>
@@ -135,8 +130,8 @@
         </p:nvSpPr>
         <p:spPr>
           <a:xfrm>
-            <a:off x="838080" y="4098240"/>
-            <a:ext cx="10515240" cy="2075040"/>
+            <a:off x="609480" y="3682080"/>
+            <a:ext cx="10972440" cy="1896840"/>
           </a:xfrm>
           <a:prstGeom prst="rect">
             <a:avLst/>
@@ -147,11 +142,8 @@
             <a:normAutofit/>
           </a:bodyPr>
           <a:p>
-            <a:endParaRPr b="0" lang="de-DE" sz="2800" spc="-1" strike="noStrike">
-              <a:solidFill>
-                <a:srgbClr val="000000"/>
-              </a:solidFill>
-              <a:latin typeface="Calibri"/>
+            <a:endParaRPr b="0" lang="en-US" sz="3200" spc="-1" strike="noStrike">
+              <a:latin typeface="Arial"/>
             </a:endParaRPr>
           </a:p>
         </p:txBody>
@@ -180,7 +172,7 @@
       </p:grpSpPr>
       <p:sp>
         <p:nvSpPr>
-          <p:cNvPr id="29" name="PlaceHolder 1"/>
+          <p:cNvPr id="26" name="PlaceHolder 1"/>
           <p:cNvSpPr>
             <a:spLocks noGrp="1"/>
           </p:cNvSpPr>
@@ -190,8 +182,8 @@
         </p:nvSpPr>
         <p:spPr>
           <a:xfrm>
-            <a:off x="838080" y="365040"/>
-            <a:ext cx="10515240" cy="1325160"/>
+            <a:off x="609480" y="273600"/>
+            <a:ext cx="10972440" cy="1144800"/>
           </a:xfrm>
           <a:prstGeom prst="rect">
             <a:avLst/>
@@ -200,18 +192,16 @@
         <p:txBody>
           <a:bodyPr lIns="0" rIns="0" tIns="0" bIns="0" anchor="ctr"/>
           <a:p>
-            <a:endParaRPr b="0" lang="de-DE" sz="1800" spc="-1" strike="noStrike">
-              <a:solidFill>
-                <a:srgbClr val="000000"/>
-              </a:solidFill>
-              <a:latin typeface="Calibri"/>
-            </a:endParaRPr>
-          </a:p>
-        </p:txBody>
-      </p:sp>
-      <p:sp>
-        <p:nvSpPr>
-          <p:cNvPr id="30" name="PlaceHolder 2"/>
+            <a:pPr algn="ctr"/>
+            <a:endParaRPr b="0" lang="en-US" sz="4400" spc="-1" strike="noStrike">
+              <a:latin typeface="Arial"/>
+            </a:endParaRPr>
+          </a:p>
+        </p:txBody>
+      </p:sp>
+      <p:sp>
+        <p:nvSpPr>
+          <p:cNvPr id="27" name="PlaceHolder 2"/>
           <p:cNvSpPr>
             <a:spLocks noGrp="1"/>
           </p:cNvSpPr>
@@ -221,8 +211,8 @@
         </p:nvSpPr>
         <p:spPr>
           <a:xfrm>
-            <a:off x="838080" y="1825560"/>
-            <a:ext cx="5131080" cy="2075040"/>
+            <a:off x="609480" y="1604520"/>
+            <a:ext cx="5354280" cy="1896840"/>
           </a:xfrm>
           <a:prstGeom prst="rect">
             <a:avLst/>
@@ -233,18 +223,15 @@
             <a:normAutofit/>
           </a:bodyPr>
           <a:p>
-            <a:endParaRPr b="0" lang="de-DE" sz="2800" spc="-1" strike="noStrike">
-              <a:solidFill>
-                <a:srgbClr val="000000"/>
-              </a:solidFill>
-              <a:latin typeface="Calibri"/>
-            </a:endParaRPr>
-          </a:p>
-        </p:txBody>
-      </p:sp>
-      <p:sp>
-        <p:nvSpPr>
-          <p:cNvPr id="31" name="PlaceHolder 3"/>
+            <a:endParaRPr b="0" lang="en-US" sz="3200" spc="-1" strike="noStrike">
+              <a:latin typeface="Arial"/>
+            </a:endParaRPr>
+          </a:p>
+        </p:txBody>
+      </p:sp>
+      <p:sp>
+        <p:nvSpPr>
+          <p:cNvPr id="28" name="PlaceHolder 3"/>
           <p:cNvSpPr>
             <a:spLocks noGrp="1"/>
           </p:cNvSpPr>
@@ -254,8 +241,8 @@
         </p:nvSpPr>
         <p:spPr>
           <a:xfrm>
-            <a:off x="6226200" y="1825560"/>
-            <a:ext cx="5131080" cy="2075040"/>
+            <a:off x="6231960" y="1604520"/>
+            <a:ext cx="5354280" cy="1896840"/>
           </a:xfrm>
           <a:prstGeom prst="rect">
             <a:avLst/>
@@ -266,18 +253,15 @@
             <a:normAutofit/>
           </a:bodyPr>
           <a:p>
-            <a:endParaRPr b="0" lang="de-DE" sz="2800" spc="-1" strike="noStrike">
-              <a:solidFill>
-                <a:srgbClr val="000000"/>
-              </a:solidFill>
-              <a:latin typeface="Calibri"/>
-            </a:endParaRPr>
-          </a:p>
-        </p:txBody>
-      </p:sp>
-      <p:sp>
-        <p:nvSpPr>
-          <p:cNvPr id="32" name="PlaceHolder 4"/>
+            <a:endParaRPr b="0" lang="en-US" sz="3200" spc="-1" strike="noStrike">
+              <a:latin typeface="Arial"/>
+            </a:endParaRPr>
+          </a:p>
+        </p:txBody>
+      </p:sp>
+      <p:sp>
+        <p:nvSpPr>
+          <p:cNvPr id="29" name="PlaceHolder 4"/>
           <p:cNvSpPr>
             <a:spLocks noGrp="1"/>
           </p:cNvSpPr>
@@ -287,8 +271,8 @@
         </p:nvSpPr>
         <p:spPr>
           <a:xfrm>
-            <a:off x="838080" y="4098240"/>
-            <a:ext cx="5131080" cy="2075040"/>
+            <a:off x="609480" y="3682080"/>
+            <a:ext cx="5354280" cy="1896840"/>
           </a:xfrm>
           <a:prstGeom prst="rect">
             <a:avLst/>
@@ -299,18 +283,15 @@
             <a:normAutofit/>
           </a:bodyPr>
           <a:p>
-            <a:endParaRPr b="0" lang="de-DE" sz="2800" spc="-1" strike="noStrike">
-              <a:solidFill>
-                <a:srgbClr val="000000"/>
-              </a:solidFill>
-              <a:latin typeface="Calibri"/>
-            </a:endParaRPr>
-          </a:p>
-        </p:txBody>
-      </p:sp>
-      <p:sp>
-        <p:nvSpPr>
-          <p:cNvPr id="33" name="PlaceHolder 5"/>
+            <a:endParaRPr b="0" lang="en-US" sz="3200" spc="-1" strike="noStrike">
+              <a:latin typeface="Arial"/>
+            </a:endParaRPr>
+          </a:p>
+        </p:txBody>
+      </p:sp>
+      <p:sp>
+        <p:nvSpPr>
+          <p:cNvPr id="30" name="PlaceHolder 5"/>
           <p:cNvSpPr>
             <a:spLocks noGrp="1"/>
           </p:cNvSpPr>
@@ -320,8 +301,8 @@
         </p:nvSpPr>
         <p:spPr>
           <a:xfrm>
-            <a:off x="6226200" y="4098240"/>
-            <a:ext cx="5131080" cy="2075040"/>
+            <a:off x="6231960" y="3682080"/>
+            <a:ext cx="5354280" cy="1896840"/>
           </a:xfrm>
           <a:prstGeom prst="rect">
             <a:avLst/>
@@ -332,11 +313,8 @@
             <a:normAutofit/>
           </a:bodyPr>
           <a:p>
-            <a:endParaRPr b="0" lang="de-DE" sz="2800" spc="-1" strike="noStrike">
-              <a:solidFill>
-                <a:srgbClr val="000000"/>
-              </a:solidFill>
-              <a:latin typeface="Calibri"/>
+            <a:endParaRPr b="0" lang="en-US" sz="3200" spc="-1" strike="noStrike">
+              <a:latin typeface="Arial"/>
             </a:endParaRPr>
           </a:p>
         </p:txBody>
@@ -365,7 +343,7 @@
       </p:grpSpPr>
       <p:sp>
         <p:nvSpPr>
-          <p:cNvPr id="34" name="PlaceHolder 1"/>
+          <p:cNvPr id="31" name="PlaceHolder 1"/>
           <p:cNvSpPr>
             <a:spLocks noGrp="1"/>
           </p:cNvSpPr>
@@ -375,8 +353,8 @@
         </p:nvSpPr>
         <p:spPr>
           <a:xfrm>
-            <a:off x="838080" y="365040"/>
-            <a:ext cx="10515240" cy="1325160"/>
+            <a:off x="609480" y="273600"/>
+            <a:ext cx="10972440" cy="1144800"/>
           </a:xfrm>
           <a:prstGeom prst="rect">
             <a:avLst/>
@@ -385,18 +363,16 @@
         <p:txBody>
           <a:bodyPr lIns="0" rIns="0" tIns="0" bIns="0" anchor="ctr"/>
           <a:p>
-            <a:endParaRPr b="0" lang="de-DE" sz="1800" spc="-1" strike="noStrike">
-              <a:solidFill>
-                <a:srgbClr val="000000"/>
-              </a:solidFill>
-              <a:latin typeface="Calibri"/>
-            </a:endParaRPr>
-          </a:p>
-        </p:txBody>
-      </p:sp>
-      <p:sp>
-        <p:nvSpPr>
-          <p:cNvPr id="35" name="PlaceHolder 2"/>
+            <a:pPr algn="ctr"/>
+            <a:endParaRPr b="0" lang="en-US" sz="4400" spc="-1" strike="noStrike">
+              <a:latin typeface="Arial"/>
+            </a:endParaRPr>
+          </a:p>
+        </p:txBody>
+      </p:sp>
+      <p:sp>
+        <p:nvSpPr>
+          <p:cNvPr id="32" name="PlaceHolder 2"/>
           <p:cNvSpPr>
             <a:spLocks noGrp="1"/>
           </p:cNvSpPr>
@@ -406,8 +382,8 @@
         </p:nvSpPr>
         <p:spPr>
           <a:xfrm>
-            <a:off x="838080" y="1825560"/>
-            <a:ext cx="3385800" cy="2075040"/>
+            <a:off x="609480" y="1604520"/>
+            <a:ext cx="3533040" cy="1896840"/>
           </a:xfrm>
           <a:prstGeom prst="rect">
             <a:avLst/>
@@ -418,18 +394,15 @@
             <a:normAutofit/>
           </a:bodyPr>
           <a:p>
-            <a:endParaRPr b="0" lang="de-DE" sz="2800" spc="-1" strike="noStrike">
-              <a:solidFill>
-                <a:srgbClr val="000000"/>
-              </a:solidFill>
-              <a:latin typeface="Calibri"/>
-            </a:endParaRPr>
-          </a:p>
-        </p:txBody>
-      </p:sp>
-      <p:sp>
-        <p:nvSpPr>
-          <p:cNvPr id="36" name="PlaceHolder 3"/>
+            <a:endParaRPr b="0" lang="en-US" sz="3200" spc="-1" strike="noStrike">
+              <a:latin typeface="Arial"/>
+            </a:endParaRPr>
+          </a:p>
+        </p:txBody>
+      </p:sp>
+      <p:sp>
+        <p:nvSpPr>
+          <p:cNvPr id="33" name="PlaceHolder 3"/>
           <p:cNvSpPr>
             <a:spLocks noGrp="1"/>
           </p:cNvSpPr>
@@ -439,8 +412,8 @@
         </p:nvSpPr>
         <p:spPr>
           <a:xfrm>
-            <a:off x="4393440" y="1825560"/>
-            <a:ext cx="3385800" cy="2075040"/>
+            <a:off x="4319640" y="1604520"/>
+            <a:ext cx="3533040" cy="1896840"/>
           </a:xfrm>
           <a:prstGeom prst="rect">
             <a:avLst/>
@@ -451,18 +424,15 @@
             <a:normAutofit/>
           </a:bodyPr>
           <a:p>
-            <a:endParaRPr b="0" lang="de-DE" sz="2800" spc="-1" strike="noStrike">
-              <a:solidFill>
-                <a:srgbClr val="000000"/>
-              </a:solidFill>
-              <a:latin typeface="Calibri"/>
-            </a:endParaRPr>
-          </a:p>
-        </p:txBody>
-      </p:sp>
-      <p:sp>
-        <p:nvSpPr>
-          <p:cNvPr id="37" name="PlaceHolder 4"/>
+            <a:endParaRPr b="0" lang="en-US" sz="3200" spc="-1" strike="noStrike">
+              <a:latin typeface="Arial"/>
+            </a:endParaRPr>
+          </a:p>
+        </p:txBody>
+      </p:sp>
+      <p:sp>
+        <p:nvSpPr>
+          <p:cNvPr id="34" name="PlaceHolder 4"/>
           <p:cNvSpPr>
             <a:spLocks noGrp="1"/>
           </p:cNvSpPr>
@@ -472,8 +442,8 @@
         </p:nvSpPr>
         <p:spPr>
           <a:xfrm>
-            <a:off x="7949160" y="1825560"/>
-            <a:ext cx="3385800" cy="2075040"/>
+            <a:off x="8029800" y="1604520"/>
+            <a:ext cx="3533040" cy="1896840"/>
           </a:xfrm>
           <a:prstGeom prst="rect">
             <a:avLst/>
@@ -484,18 +454,15 @@
             <a:normAutofit/>
           </a:bodyPr>
           <a:p>
-            <a:endParaRPr b="0" lang="de-DE" sz="2800" spc="-1" strike="noStrike">
-              <a:solidFill>
-                <a:srgbClr val="000000"/>
-              </a:solidFill>
-              <a:latin typeface="Calibri"/>
-            </a:endParaRPr>
-          </a:p>
-        </p:txBody>
-      </p:sp>
-      <p:sp>
-        <p:nvSpPr>
-          <p:cNvPr id="38" name="PlaceHolder 5"/>
+            <a:endParaRPr b="0" lang="en-US" sz="3200" spc="-1" strike="noStrike">
+              <a:latin typeface="Arial"/>
+            </a:endParaRPr>
+          </a:p>
+        </p:txBody>
+      </p:sp>
+      <p:sp>
+        <p:nvSpPr>
+          <p:cNvPr id="35" name="PlaceHolder 5"/>
           <p:cNvSpPr>
             <a:spLocks noGrp="1"/>
           </p:cNvSpPr>
@@ -505,8 +472,8 @@
         </p:nvSpPr>
         <p:spPr>
           <a:xfrm>
-            <a:off x="838080" y="4098240"/>
-            <a:ext cx="3385800" cy="2075040"/>
+            <a:off x="609480" y="3682080"/>
+            <a:ext cx="3533040" cy="1896840"/>
           </a:xfrm>
           <a:prstGeom prst="rect">
             <a:avLst/>
@@ -517,18 +484,15 @@
             <a:normAutofit/>
           </a:bodyPr>
           <a:p>
-            <a:endParaRPr b="0" lang="de-DE" sz="2800" spc="-1" strike="noStrike">
-              <a:solidFill>
-                <a:srgbClr val="000000"/>
-              </a:solidFill>
-              <a:latin typeface="Calibri"/>
-            </a:endParaRPr>
-          </a:p>
-        </p:txBody>
-      </p:sp>
-      <p:sp>
-        <p:nvSpPr>
-          <p:cNvPr id="39" name="PlaceHolder 6"/>
+            <a:endParaRPr b="0" lang="en-US" sz="3200" spc="-1" strike="noStrike">
+              <a:latin typeface="Arial"/>
+            </a:endParaRPr>
+          </a:p>
+        </p:txBody>
+      </p:sp>
+      <p:sp>
+        <p:nvSpPr>
+          <p:cNvPr id="36" name="PlaceHolder 6"/>
           <p:cNvSpPr>
             <a:spLocks noGrp="1"/>
           </p:cNvSpPr>
@@ -538,8 +502,8 @@
         </p:nvSpPr>
         <p:spPr>
           <a:xfrm>
-            <a:off x="4393440" y="4098240"/>
-            <a:ext cx="3385800" cy="2075040"/>
+            <a:off x="4319640" y="3682080"/>
+            <a:ext cx="3533040" cy="1896840"/>
           </a:xfrm>
           <a:prstGeom prst="rect">
             <a:avLst/>
@@ -550,18 +514,15 @@
             <a:normAutofit/>
           </a:bodyPr>
           <a:p>
-            <a:endParaRPr b="0" lang="de-DE" sz="2800" spc="-1" strike="noStrike">
-              <a:solidFill>
-                <a:srgbClr val="000000"/>
-              </a:solidFill>
-              <a:latin typeface="Calibri"/>
-            </a:endParaRPr>
-          </a:p>
-        </p:txBody>
-      </p:sp>
-      <p:sp>
-        <p:nvSpPr>
-          <p:cNvPr id="40" name="PlaceHolder 7"/>
+            <a:endParaRPr b="0" lang="en-US" sz="3200" spc="-1" strike="noStrike">
+              <a:latin typeface="Arial"/>
+            </a:endParaRPr>
+          </a:p>
+        </p:txBody>
+      </p:sp>
+      <p:sp>
+        <p:nvSpPr>
+          <p:cNvPr id="37" name="PlaceHolder 7"/>
           <p:cNvSpPr>
             <a:spLocks noGrp="1"/>
           </p:cNvSpPr>
@@ -571,8 +532,8 @@
         </p:nvSpPr>
         <p:spPr>
           <a:xfrm>
-            <a:off x="7949160" y="4098240"/>
-            <a:ext cx="3385800" cy="2075040"/>
+            <a:off x="8029800" y="3682080"/>
+            <a:ext cx="3533040" cy="1896840"/>
           </a:xfrm>
           <a:prstGeom prst="rect">
             <a:avLst/>
@@ -583,11 +544,8 @@
             <a:normAutofit/>
           </a:bodyPr>
           <a:p>
-            <a:endParaRPr b="0" lang="de-DE" sz="2800" spc="-1" strike="noStrike">
-              <a:solidFill>
-                <a:srgbClr val="000000"/>
-              </a:solidFill>
-              <a:latin typeface="Calibri"/>
+            <a:endParaRPr b="0" lang="en-US" sz="3200" spc="-1" strike="noStrike">
+              <a:latin typeface="Arial"/>
             </a:endParaRPr>
           </a:p>
         </p:txBody>
@@ -638,7 +596,7 @@
       </p:grpSpPr>
       <p:sp>
         <p:nvSpPr>
-          <p:cNvPr id="46" name="PlaceHolder 1"/>
+          <p:cNvPr id="40" name="PlaceHolder 1"/>
           <p:cNvSpPr>
             <a:spLocks noGrp="1"/>
           </p:cNvSpPr>
@@ -648,8 +606,8 @@
         </p:nvSpPr>
         <p:spPr>
           <a:xfrm>
-            <a:off x="838080" y="365040"/>
-            <a:ext cx="10515240" cy="1325160"/>
+            <a:off x="609480" y="273600"/>
+            <a:ext cx="10972440" cy="1144800"/>
           </a:xfrm>
           <a:prstGeom prst="rect">
             <a:avLst/>
@@ -658,18 +616,16 @@
         <p:txBody>
           <a:bodyPr lIns="0" rIns="0" tIns="0" bIns="0" anchor="ctr"/>
           <a:p>
-            <a:endParaRPr b="0" lang="de-DE" sz="1800" spc="-1" strike="noStrike">
-              <a:solidFill>
-                <a:srgbClr val="000000"/>
-              </a:solidFill>
-              <a:latin typeface="Calibri"/>
-            </a:endParaRPr>
-          </a:p>
-        </p:txBody>
-      </p:sp>
-      <p:sp>
-        <p:nvSpPr>
-          <p:cNvPr id="47" name="PlaceHolder 2"/>
+            <a:pPr algn="ctr"/>
+            <a:endParaRPr b="0" lang="en-US" sz="4400" spc="-1" strike="noStrike">
+              <a:latin typeface="Arial"/>
+            </a:endParaRPr>
+          </a:p>
+        </p:txBody>
+      </p:sp>
+      <p:sp>
+        <p:nvSpPr>
+          <p:cNvPr id="41" name="PlaceHolder 2"/>
           <p:cNvSpPr>
             <a:spLocks noGrp="1"/>
           </p:cNvSpPr>
@@ -679,8 +635,8 @@
         </p:nvSpPr>
         <p:spPr>
           <a:xfrm>
-            <a:off x="838080" y="1825560"/>
-            <a:ext cx="10515240" cy="4350960"/>
+            <a:off x="609480" y="1604520"/>
+            <a:ext cx="10972440" cy="3977280"/>
           </a:xfrm>
           <a:prstGeom prst="rect">
             <a:avLst/>
@@ -720,7 +676,7 @@
       </p:grpSpPr>
       <p:sp>
         <p:nvSpPr>
-          <p:cNvPr id="48" name="PlaceHolder 1"/>
+          <p:cNvPr id="42" name="PlaceHolder 1"/>
           <p:cNvSpPr>
             <a:spLocks noGrp="1"/>
           </p:cNvSpPr>
@@ -730,8 +686,8 @@
         </p:nvSpPr>
         <p:spPr>
           <a:xfrm>
-            <a:off x="838080" y="365040"/>
-            <a:ext cx="10515240" cy="1325160"/>
+            <a:off x="609480" y="273600"/>
+            <a:ext cx="10972440" cy="1144800"/>
           </a:xfrm>
           <a:prstGeom prst="rect">
             <a:avLst/>
@@ -740,18 +696,16 @@
         <p:txBody>
           <a:bodyPr lIns="0" rIns="0" tIns="0" bIns="0" anchor="ctr"/>
           <a:p>
-            <a:endParaRPr b="0" lang="de-DE" sz="1800" spc="-1" strike="noStrike">
-              <a:solidFill>
-                <a:srgbClr val="000000"/>
-              </a:solidFill>
-              <a:latin typeface="Calibri"/>
-            </a:endParaRPr>
-          </a:p>
-        </p:txBody>
-      </p:sp>
-      <p:sp>
-        <p:nvSpPr>
-          <p:cNvPr id="49" name="PlaceHolder 2"/>
+            <a:pPr algn="ctr"/>
+            <a:endParaRPr b="0" lang="en-US" sz="4400" spc="-1" strike="noStrike">
+              <a:latin typeface="Arial"/>
+            </a:endParaRPr>
+          </a:p>
+        </p:txBody>
+      </p:sp>
+      <p:sp>
+        <p:nvSpPr>
+          <p:cNvPr id="43" name="PlaceHolder 2"/>
           <p:cNvSpPr>
             <a:spLocks noGrp="1"/>
           </p:cNvSpPr>
@@ -761,8 +715,8 @@
         </p:nvSpPr>
         <p:spPr>
           <a:xfrm>
-            <a:off x="838080" y="1825560"/>
-            <a:ext cx="10515240" cy="4350960"/>
+            <a:off x="609480" y="1604520"/>
+            <a:ext cx="10972440" cy="3977280"/>
           </a:xfrm>
           <a:prstGeom prst="rect">
             <a:avLst/>
@@ -773,11 +727,8 @@
             <a:normAutofit/>
           </a:bodyPr>
           <a:p>
-            <a:endParaRPr b="0" lang="de-DE" sz="2800" spc="-1" strike="noStrike">
-              <a:solidFill>
-                <a:srgbClr val="000000"/>
-              </a:solidFill>
-              <a:latin typeface="Calibri"/>
+            <a:endParaRPr b="0" lang="en-US" sz="3200" spc="-1" strike="noStrike">
+              <a:latin typeface="Arial"/>
             </a:endParaRPr>
           </a:p>
         </p:txBody>
@@ -806,7 +757,7 @@
       </p:grpSpPr>
       <p:sp>
         <p:nvSpPr>
-          <p:cNvPr id="50" name="PlaceHolder 1"/>
+          <p:cNvPr id="44" name="PlaceHolder 1"/>
           <p:cNvSpPr>
             <a:spLocks noGrp="1"/>
           </p:cNvSpPr>
@@ -816,8 +767,8 @@
         </p:nvSpPr>
         <p:spPr>
           <a:xfrm>
-            <a:off x="838080" y="365040"/>
-            <a:ext cx="10515240" cy="1325160"/>
+            <a:off x="609480" y="273600"/>
+            <a:ext cx="10972440" cy="1144800"/>
           </a:xfrm>
           <a:prstGeom prst="rect">
             <a:avLst/>
@@ -826,18 +777,16 @@
         <p:txBody>
           <a:bodyPr lIns="0" rIns="0" tIns="0" bIns="0" anchor="ctr"/>
           <a:p>
-            <a:endParaRPr b="0" lang="de-DE" sz="1800" spc="-1" strike="noStrike">
-              <a:solidFill>
-                <a:srgbClr val="000000"/>
-              </a:solidFill>
-              <a:latin typeface="Calibri"/>
-            </a:endParaRPr>
-          </a:p>
-        </p:txBody>
-      </p:sp>
-      <p:sp>
-        <p:nvSpPr>
-          <p:cNvPr id="51" name="PlaceHolder 2"/>
+            <a:pPr algn="ctr"/>
+            <a:endParaRPr b="0" lang="en-US" sz="4400" spc="-1" strike="noStrike">
+              <a:latin typeface="Arial"/>
+            </a:endParaRPr>
+          </a:p>
+        </p:txBody>
+      </p:sp>
+      <p:sp>
+        <p:nvSpPr>
+          <p:cNvPr id="45" name="PlaceHolder 2"/>
           <p:cNvSpPr>
             <a:spLocks noGrp="1"/>
           </p:cNvSpPr>
@@ -847,8 +796,8 @@
         </p:nvSpPr>
         <p:spPr>
           <a:xfrm>
-            <a:off x="838080" y="1825560"/>
-            <a:ext cx="5131080" cy="4350960"/>
+            <a:off x="609480" y="1604520"/>
+            <a:ext cx="5354280" cy="3977280"/>
           </a:xfrm>
           <a:prstGeom prst="rect">
             <a:avLst/>
@@ -859,18 +808,15 @@
             <a:normAutofit/>
           </a:bodyPr>
           <a:p>
-            <a:endParaRPr b="0" lang="de-DE" sz="2800" spc="-1" strike="noStrike">
-              <a:solidFill>
-                <a:srgbClr val="000000"/>
-              </a:solidFill>
-              <a:latin typeface="Calibri"/>
-            </a:endParaRPr>
-          </a:p>
-        </p:txBody>
-      </p:sp>
-      <p:sp>
-        <p:nvSpPr>
-          <p:cNvPr id="52" name="PlaceHolder 3"/>
+            <a:endParaRPr b="0" lang="en-US" sz="3200" spc="-1" strike="noStrike">
+              <a:latin typeface="Arial"/>
+            </a:endParaRPr>
+          </a:p>
+        </p:txBody>
+      </p:sp>
+      <p:sp>
+        <p:nvSpPr>
+          <p:cNvPr id="46" name="PlaceHolder 3"/>
           <p:cNvSpPr>
             <a:spLocks noGrp="1"/>
           </p:cNvSpPr>
@@ -880,8 +826,8 @@
         </p:nvSpPr>
         <p:spPr>
           <a:xfrm>
-            <a:off x="6226200" y="1825560"/>
-            <a:ext cx="5131080" cy="4350960"/>
+            <a:off x="6231960" y="1604520"/>
+            <a:ext cx="5354280" cy="3977280"/>
           </a:xfrm>
           <a:prstGeom prst="rect">
             <a:avLst/>
@@ -892,11 +838,8 @@
             <a:normAutofit/>
           </a:bodyPr>
           <a:p>
-            <a:endParaRPr b="0" lang="de-DE" sz="2800" spc="-1" strike="noStrike">
-              <a:solidFill>
-                <a:srgbClr val="000000"/>
-              </a:solidFill>
-              <a:latin typeface="Calibri"/>
+            <a:endParaRPr b="0" lang="en-US" sz="3200" spc="-1" strike="noStrike">
+              <a:latin typeface="Arial"/>
             </a:endParaRPr>
           </a:p>
         </p:txBody>
@@ -925,7 +868,7 @@
       </p:grpSpPr>
       <p:sp>
         <p:nvSpPr>
-          <p:cNvPr id="53" name="PlaceHolder 1"/>
+          <p:cNvPr id="47" name="PlaceHolder 1"/>
           <p:cNvSpPr>
             <a:spLocks noGrp="1"/>
           </p:cNvSpPr>
@@ -935,8 +878,8 @@
         </p:nvSpPr>
         <p:spPr>
           <a:xfrm>
-            <a:off x="838080" y="365040"/>
-            <a:ext cx="10515240" cy="1325160"/>
+            <a:off x="609480" y="273600"/>
+            <a:ext cx="10972440" cy="1144800"/>
           </a:xfrm>
           <a:prstGeom prst="rect">
             <a:avLst/>
@@ -945,11 +888,9 @@
         <p:txBody>
           <a:bodyPr lIns="0" rIns="0" tIns="0" bIns="0" anchor="ctr"/>
           <a:p>
-            <a:endParaRPr b="0" lang="de-DE" sz="1800" spc="-1" strike="noStrike">
-              <a:solidFill>
-                <a:srgbClr val="000000"/>
-              </a:solidFill>
-              <a:latin typeface="Calibri"/>
+            <a:pPr algn="ctr"/>
+            <a:endParaRPr b="0" lang="en-US" sz="4400" spc="-1" strike="noStrike">
+              <a:latin typeface="Arial"/>
             </a:endParaRPr>
           </a:p>
         </p:txBody>
@@ -978,7 +919,7 @@
       </p:grpSpPr>
       <p:sp>
         <p:nvSpPr>
-          <p:cNvPr id="54" name="PlaceHolder 1"/>
+          <p:cNvPr id="48" name="PlaceHolder 1"/>
           <p:cNvSpPr>
             <a:spLocks noGrp="1"/>
           </p:cNvSpPr>
@@ -988,8 +929,8 @@
         </p:nvSpPr>
         <p:spPr>
           <a:xfrm>
-            <a:off x="838080" y="365040"/>
-            <a:ext cx="10515240" cy="6144120"/>
+            <a:off x="609480" y="273600"/>
+            <a:ext cx="10972440" cy="5307840"/>
           </a:xfrm>
           <a:prstGeom prst="rect">
             <a:avLst/>
@@ -1029,7 +970,7 @@
       </p:grpSpPr>
       <p:sp>
         <p:nvSpPr>
-          <p:cNvPr id="55" name="PlaceHolder 1"/>
+          <p:cNvPr id="49" name="PlaceHolder 1"/>
           <p:cNvSpPr>
             <a:spLocks noGrp="1"/>
           </p:cNvSpPr>
@@ -1039,8 +980,8 @@
         </p:nvSpPr>
         <p:spPr>
           <a:xfrm>
-            <a:off x="838080" y="365040"/>
-            <a:ext cx="10515240" cy="1325160"/>
+            <a:off x="609480" y="273600"/>
+            <a:ext cx="10972440" cy="1144800"/>
           </a:xfrm>
           <a:prstGeom prst="rect">
             <a:avLst/>
@@ -1049,18 +990,16 @@
         <p:txBody>
           <a:bodyPr lIns="0" rIns="0" tIns="0" bIns="0" anchor="ctr"/>
           <a:p>
-            <a:endParaRPr b="0" lang="de-DE" sz="1800" spc="-1" strike="noStrike">
-              <a:solidFill>
-                <a:srgbClr val="000000"/>
-              </a:solidFill>
-              <a:latin typeface="Calibri"/>
-            </a:endParaRPr>
-          </a:p>
-        </p:txBody>
-      </p:sp>
-      <p:sp>
-        <p:nvSpPr>
-          <p:cNvPr id="56" name="PlaceHolder 2"/>
+            <a:pPr algn="ctr"/>
+            <a:endParaRPr b="0" lang="en-US" sz="4400" spc="-1" strike="noStrike">
+              <a:latin typeface="Arial"/>
+            </a:endParaRPr>
+          </a:p>
+        </p:txBody>
+      </p:sp>
+      <p:sp>
+        <p:nvSpPr>
+          <p:cNvPr id="50" name="PlaceHolder 2"/>
           <p:cNvSpPr>
             <a:spLocks noGrp="1"/>
           </p:cNvSpPr>
@@ -1070,8 +1009,8 @@
         </p:nvSpPr>
         <p:spPr>
           <a:xfrm>
-            <a:off x="838080" y="1825560"/>
-            <a:ext cx="5131080" cy="2075040"/>
+            <a:off x="609480" y="1604520"/>
+            <a:ext cx="5354280" cy="1896840"/>
           </a:xfrm>
           <a:prstGeom prst="rect">
             <a:avLst/>
@@ -1082,18 +1021,15 @@
             <a:normAutofit/>
           </a:bodyPr>
           <a:p>
-            <a:endParaRPr b="0" lang="de-DE" sz="2800" spc="-1" strike="noStrike">
-              <a:solidFill>
-                <a:srgbClr val="000000"/>
-              </a:solidFill>
-              <a:latin typeface="Calibri"/>
-            </a:endParaRPr>
-          </a:p>
-        </p:txBody>
-      </p:sp>
-      <p:sp>
-        <p:nvSpPr>
-          <p:cNvPr id="57" name="PlaceHolder 3"/>
+            <a:endParaRPr b="0" lang="en-US" sz="3200" spc="-1" strike="noStrike">
+              <a:latin typeface="Arial"/>
+            </a:endParaRPr>
+          </a:p>
+        </p:txBody>
+      </p:sp>
+      <p:sp>
+        <p:nvSpPr>
+          <p:cNvPr id="51" name="PlaceHolder 3"/>
           <p:cNvSpPr>
             <a:spLocks noGrp="1"/>
           </p:cNvSpPr>
@@ -1103,8 +1039,8 @@
         </p:nvSpPr>
         <p:spPr>
           <a:xfrm>
-            <a:off x="6226200" y="1825560"/>
-            <a:ext cx="5131080" cy="4350960"/>
+            <a:off x="6231960" y="1604520"/>
+            <a:ext cx="5354280" cy="3977280"/>
           </a:xfrm>
           <a:prstGeom prst="rect">
             <a:avLst/>
@@ -1115,18 +1051,15 @@
             <a:normAutofit/>
           </a:bodyPr>
           <a:p>
-            <a:endParaRPr b="0" lang="de-DE" sz="2800" spc="-1" strike="noStrike">
-              <a:solidFill>
-                <a:srgbClr val="000000"/>
-              </a:solidFill>
-              <a:latin typeface="Calibri"/>
-            </a:endParaRPr>
-          </a:p>
-        </p:txBody>
-      </p:sp>
-      <p:sp>
-        <p:nvSpPr>
-          <p:cNvPr id="58" name="PlaceHolder 4"/>
+            <a:endParaRPr b="0" lang="en-US" sz="3200" spc="-1" strike="noStrike">
+              <a:latin typeface="Arial"/>
+            </a:endParaRPr>
+          </a:p>
+        </p:txBody>
+      </p:sp>
+      <p:sp>
+        <p:nvSpPr>
+          <p:cNvPr id="52" name="PlaceHolder 4"/>
           <p:cNvSpPr>
             <a:spLocks noGrp="1"/>
           </p:cNvSpPr>
@@ -1136,8 +1069,8 @@
         </p:nvSpPr>
         <p:spPr>
           <a:xfrm>
-            <a:off x="838080" y="4098240"/>
-            <a:ext cx="5131080" cy="2075040"/>
+            <a:off x="609480" y="3682080"/>
+            <a:ext cx="5354280" cy="1896840"/>
           </a:xfrm>
           <a:prstGeom prst="rect">
             <a:avLst/>
@@ -1148,11 +1081,8 @@
             <a:normAutofit/>
           </a:bodyPr>
           <a:p>
-            <a:endParaRPr b="0" lang="de-DE" sz="2800" spc="-1" strike="noStrike">
-              <a:solidFill>
-                <a:srgbClr val="000000"/>
-              </a:solidFill>
-              <a:latin typeface="Calibri"/>
+            <a:endParaRPr b="0" lang="en-US" sz="3200" spc="-1" strike="noStrike">
+              <a:latin typeface="Arial"/>
             </a:endParaRPr>
           </a:p>
         </p:txBody>
@@ -1181,7 +1111,7 @@
       </p:grpSpPr>
       <p:sp>
         <p:nvSpPr>
-          <p:cNvPr id="5" name="PlaceHolder 1"/>
+          <p:cNvPr id="2" name="PlaceHolder 1"/>
           <p:cNvSpPr>
             <a:spLocks noGrp="1"/>
           </p:cNvSpPr>
@@ -1191,8 +1121,8 @@
         </p:nvSpPr>
         <p:spPr>
           <a:xfrm>
-            <a:off x="838080" y="365040"/>
-            <a:ext cx="10515240" cy="1325160"/>
+            <a:off x="609480" y="273600"/>
+            <a:ext cx="10972440" cy="1144800"/>
           </a:xfrm>
           <a:prstGeom prst="rect">
             <a:avLst/>
@@ -1201,18 +1131,16 @@
         <p:txBody>
           <a:bodyPr lIns="0" rIns="0" tIns="0" bIns="0" anchor="ctr"/>
           <a:p>
-            <a:endParaRPr b="0" lang="de-DE" sz="1800" spc="-1" strike="noStrike">
-              <a:solidFill>
-                <a:srgbClr val="000000"/>
-              </a:solidFill>
-              <a:latin typeface="Calibri"/>
-            </a:endParaRPr>
-          </a:p>
-        </p:txBody>
-      </p:sp>
-      <p:sp>
-        <p:nvSpPr>
-          <p:cNvPr id="6" name="PlaceHolder 2"/>
+            <a:pPr algn="ctr"/>
+            <a:endParaRPr b="0" lang="en-US" sz="4400" spc="-1" strike="noStrike">
+              <a:latin typeface="Arial"/>
+            </a:endParaRPr>
+          </a:p>
+        </p:txBody>
+      </p:sp>
+      <p:sp>
+        <p:nvSpPr>
+          <p:cNvPr id="3" name="PlaceHolder 2"/>
           <p:cNvSpPr>
             <a:spLocks noGrp="1"/>
           </p:cNvSpPr>
@@ -1222,8 +1150,8 @@
         </p:nvSpPr>
         <p:spPr>
           <a:xfrm>
-            <a:off x="838080" y="1825560"/>
-            <a:ext cx="10515240" cy="4350960"/>
+            <a:off x="609480" y="1604520"/>
+            <a:ext cx="10972440" cy="3977280"/>
           </a:xfrm>
           <a:prstGeom prst="rect">
             <a:avLst/>
@@ -1263,7 +1191,7 @@
       </p:grpSpPr>
       <p:sp>
         <p:nvSpPr>
-          <p:cNvPr id="59" name="PlaceHolder 1"/>
+          <p:cNvPr id="53" name="PlaceHolder 1"/>
           <p:cNvSpPr>
             <a:spLocks noGrp="1"/>
           </p:cNvSpPr>
@@ -1273,8 +1201,8 @@
         </p:nvSpPr>
         <p:spPr>
           <a:xfrm>
-            <a:off x="838080" y="365040"/>
-            <a:ext cx="10515240" cy="1325160"/>
+            <a:off x="609480" y="273600"/>
+            <a:ext cx="10972440" cy="1144800"/>
           </a:xfrm>
           <a:prstGeom prst="rect">
             <a:avLst/>
@@ -1283,18 +1211,16 @@
         <p:txBody>
           <a:bodyPr lIns="0" rIns="0" tIns="0" bIns="0" anchor="ctr"/>
           <a:p>
-            <a:endParaRPr b="0" lang="de-DE" sz="1800" spc="-1" strike="noStrike">
-              <a:solidFill>
-                <a:srgbClr val="000000"/>
-              </a:solidFill>
-              <a:latin typeface="Calibri"/>
-            </a:endParaRPr>
-          </a:p>
-        </p:txBody>
-      </p:sp>
-      <p:sp>
-        <p:nvSpPr>
-          <p:cNvPr id="60" name="PlaceHolder 2"/>
+            <a:pPr algn="ctr"/>
+            <a:endParaRPr b="0" lang="en-US" sz="4400" spc="-1" strike="noStrike">
+              <a:latin typeface="Arial"/>
+            </a:endParaRPr>
+          </a:p>
+        </p:txBody>
+      </p:sp>
+      <p:sp>
+        <p:nvSpPr>
+          <p:cNvPr id="54" name="PlaceHolder 2"/>
           <p:cNvSpPr>
             <a:spLocks noGrp="1"/>
           </p:cNvSpPr>
@@ -1304,8 +1230,8 @@
         </p:nvSpPr>
         <p:spPr>
           <a:xfrm>
-            <a:off x="838080" y="1825560"/>
-            <a:ext cx="5131080" cy="4350960"/>
+            <a:off x="609480" y="1604520"/>
+            <a:ext cx="5354280" cy="3977280"/>
           </a:xfrm>
           <a:prstGeom prst="rect">
             <a:avLst/>
@@ -1316,18 +1242,15 @@
             <a:normAutofit/>
           </a:bodyPr>
           <a:p>
-            <a:endParaRPr b="0" lang="de-DE" sz="2800" spc="-1" strike="noStrike">
-              <a:solidFill>
-                <a:srgbClr val="000000"/>
-              </a:solidFill>
-              <a:latin typeface="Calibri"/>
-            </a:endParaRPr>
-          </a:p>
-        </p:txBody>
-      </p:sp>
-      <p:sp>
-        <p:nvSpPr>
-          <p:cNvPr id="61" name="PlaceHolder 3"/>
+            <a:endParaRPr b="0" lang="en-US" sz="3200" spc="-1" strike="noStrike">
+              <a:latin typeface="Arial"/>
+            </a:endParaRPr>
+          </a:p>
+        </p:txBody>
+      </p:sp>
+      <p:sp>
+        <p:nvSpPr>
+          <p:cNvPr id="55" name="PlaceHolder 3"/>
           <p:cNvSpPr>
             <a:spLocks noGrp="1"/>
           </p:cNvSpPr>
@@ -1337,8 +1260,8 @@
         </p:nvSpPr>
         <p:spPr>
           <a:xfrm>
-            <a:off x="6226200" y="1825560"/>
-            <a:ext cx="5131080" cy="2075040"/>
+            <a:off x="6231960" y="1604520"/>
+            <a:ext cx="5354280" cy="1896840"/>
           </a:xfrm>
           <a:prstGeom prst="rect">
             <a:avLst/>
@@ -1349,18 +1272,15 @@
             <a:normAutofit/>
           </a:bodyPr>
           <a:p>
-            <a:endParaRPr b="0" lang="de-DE" sz="2800" spc="-1" strike="noStrike">
-              <a:solidFill>
-                <a:srgbClr val="000000"/>
-              </a:solidFill>
-              <a:latin typeface="Calibri"/>
-            </a:endParaRPr>
-          </a:p>
-        </p:txBody>
-      </p:sp>
-      <p:sp>
-        <p:nvSpPr>
-          <p:cNvPr id="62" name="PlaceHolder 4"/>
+            <a:endParaRPr b="0" lang="en-US" sz="3200" spc="-1" strike="noStrike">
+              <a:latin typeface="Arial"/>
+            </a:endParaRPr>
+          </a:p>
+        </p:txBody>
+      </p:sp>
+      <p:sp>
+        <p:nvSpPr>
+          <p:cNvPr id="56" name="PlaceHolder 4"/>
           <p:cNvSpPr>
             <a:spLocks noGrp="1"/>
           </p:cNvSpPr>
@@ -1370,8 +1290,8 @@
         </p:nvSpPr>
         <p:spPr>
           <a:xfrm>
-            <a:off x="6226200" y="4098240"/>
-            <a:ext cx="5131080" cy="2075040"/>
+            <a:off x="6231960" y="3682080"/>
+            <a:ext cx="5354280" cy="1896840"/>
           </a:xfrm>
           <a:prstGeom prst="rect">
             <a:avLst/>
@@ -1382,11 +1302,8 @@
             <a:normAutofit/>
           </a:bodyPr>
           <a:p>
-            <a:endParaRPr b="0" lang="de-DE" sz="2800" spc="-1" strike="noStrike">
-              <a:solidFill>
-                <a:srgbClr val="000000"/>
-              </a:solidFill>
-              <a:latin typeface="Calibri"/>
+            <a:endParaRPr b="0" lang="en-US" sz="3200" spc="-1" strike="noStrike">
+              <a:latin typeface="Arial"/>
             </a:endParaRPr>
           </a:p>
         </p:txBody>
@@ -1415,7 +1332,7 @@
       </p:grpSpPr>
       <p:sp>
         <p:nvSpPr>
-          <p:cNvPr id="63" name="PlaceHolder 1"/>
+          <p:cNvPr id="57" name="PlaceHolder 1"/>
           <p:cNvSpPr>
             <a:spLocks noGrp="1"/>
           </p:cNvSpPr>
@@ -1425,8 +1342,8 @@
         </p:nvSpPr>
         <p:spPr>
           <a:xfrm>
-            <a:off x="838080" y="365040"/>
-            <a:ext cx="10515240" cy="1325160"/>
+            <a:off x="609480" y="273600"/>
+            <a:ext cx="10972440" cy="1144800"/>
           </a:xfrm>
           <a:prstGeom prst="rect">
             <a:avLst/>
@@ -1435,18 +1352,16 @@
         <p:txBody>
           <a:bodyPr lIns="0" rIns="0" tIns="0" bIns="0" anchor="ctr"/>
           <a:p>
-            <a:endParaRPr b="0" lang="de-DE" sz="1800" spc="-1" strike="noStrike">
-              <a:solidFill>
-                <a:srgbClr val="000000"/>
-              </a:solidFill>
-              <a:latin typeface="Calibri"/>
-            </a:endParaRPr>
-          </a:p>
-        </p:txBody>
-      </p:sp>
-      <p:sp>
-        <p:nvSpPr>
-          <p:cNvPr id="64" name="PlaceHolder 2"/>
+            <a:pPr algn="ctr"/>
+            <a:endParaRPr b="0" lang="en-US" sz="4400" spc="-1" strike="noStrike">
+              <a:latin typeface="Arial"/>
+            </a:endParaRPr>
+          </a:p>
+        </p:txBody>
+      </p:sp>
+      <p:sp>
+        <p:nvSpPr>
+          <p:cNvPr id="58" name="PlaceHolder 2"/>
           <p:cNvSpPr>
             <a:spLocks noGrp="1"/>
           </p:cNvSpPr>
@@ -1456,8 +1371,8 @@
         </p:nvSpPr>
         <p:spPr>
           <a:xfrm>
-            <a:off x="838080" y="1825560"/>
-            <a:ext cx="5131080" cy="2075040"/>
+            <a:off x="609480" y="1604520"/>
+            <a:ext cx="5354280" cy="1896840"/>
           </a:xfrm>
           <a:prstGeom prst="rect">
             <a:avLst/>
@@ -1468,18 +1383,15 @@
             <a:normAutofit/>
           </a:bodyPr>
           <a:p>
-            <a:endParaRPr b="0" lang="de-DE" sz="2800" spc="-1" strike="noStrike">
-              <a:solidFill>
-                <a:srgbClr val="000000"/>
-              </a:solidFill>
-              <a:latin typeface="Calibri"/>
-            </a:endParaRPr>
-          </a:p>
-        </p:txBody>
-      </p:sp>
-      <p:sp>
-        <p:nvSpPr>
-          <p:cNvPr id="65" name="PlaceHolder 3"/>
+            <a:endParaRPr b="0" lang="en-US" sz="3200" spc="-1" strike="noStrike">
+              <a:latin typeface="Arial"/>
+            </a:endParaRPr>
+          </a:p>
+        </p:txBody>
+      </p:sp>
+      <p:sp>
+        <p:nvSpPr>
+          <p:cNvPr id="59" name="PlaceHolder 3"/>
           <p:cNvSpPr>
             <a:spLocks noGrp="1"/>
           </p:cNvSpPr>
@@ -1489,8 +1401,8 @@
         </p:nvSpPr>
         <p:spPr>
           <a:xfrm>
-            <a:off x="6226200" y="1825560"/>
-            <a:ext cx="5131080" cy="2075040"/>
+            <a:off x="6231960" y="1604520"/>
+            <a:ext cx="5354280" cy="1896840"/>
           </a:xfrm>
           <a:prstGeom prst="rect">
             <a:avLst/>
@@ -1501,18 +1413,15 @@
             <a:normAutofit/>
           </a:bodyPr>
           <a:p>
-            <a:endParaRPr b="0" lang="de-DE" sz="2800" spc="-1" strike="noStrike">
-              <a:solidFill>
-                <a:srgbClr val="000000"/>
-              </a:solidFill>
-              <a:latin typeface="Calibri"/>
-            </a:endParaRPr>
-          </a:p>
-        </p:txBody>
-      </p:sp>
-      <p:sp>
-        <p:nvSpPr>
-          <p:cNvPr id="66" name="PlaceHolder 4"/>
+            <a:endParaRPr b="0" lang="en-US" sz="3200" spc="-1" strike="noStrike">
+              <a:latin typeface="Arial"/>
+            </a:endParaRPr>
+          </a:p>
+        </p:txBody>
+      </p:sp>
+      <p:sp>
+        <p:nvSpPr>
+          <p:cNvPr id="60" name="PlaceHolder 4"/>
           <p:cNvSpPr>
             <a:spLocks noGrp="1"/>
           </p:cNvSpPr>
@@ -1522,8 +1431,8 @@
         </p:nvSpPr>
         <p:spPr>
           <a:xfrm>
-            <a:off x="838080" y="4098240"/>
-            <a:ext cx="10515240" cy="2075040"/>
+            <a:off x="609480" y="3682080"/>
+            <a:ext cx="10972440" cy="1896840"/>
           </a:xfrm>
           <a:prstGeom prst="rect">
             <a:avLst/>
@@ -1534,11 +1443,8 @@
             <a:normAutofit/>
           </a:bodyPr>
           <a:p>
-            <a:endParaRPr b="0" lang="de-DE" sz="2800" spc="-1" strike="noStrike">
-              <a:solidFill>
-                <a:srgbClr val="000000"/>
-              </a:solidFill>
-              <a:latin typeface="Calibri"/>
+            <a:endParaRPr b="0" lang="en-US" sz="3200" spc="-1" strike="noStrike">
+              <a:latin typeface="Arial"/>
             </a:endParaRPr>
           </a:p>
         </p:txBody>
@@ -1567,7 +1473,7 @@
       </p:grpSpPr>
       <p:sp>
         <p:nvSpPr>
-          <p:cNvPr id="67" name="PlaceHolder 1"/>
+          <p:cNvPr id="61" name="PlaceHolder 1"/>
           <p:cNvSpPr>
             <a:spLocks noGrp="1"/>
           </p:cNvSpPr>
@@ -1577,8 +1483,8 @@
         </p:nvSpPr>
         <p:spPr>
           <a:xfrm>
-            <a:off x="838080" y="365040"/>
-            <a:ext cx="10515240" cy="1325160"/>
+            <a:off x="609480" y="273600"/>
+            <a:ext cx="10972440" cy="1144800"/>
           </a:xfrm>
           <a:prstGeom prst="rect">
             <a:avLst/>
@@ -1587,18 +1493,16 @@
         <p:txBody>
           <a:bodyPr lIns="0" rIns="0" tIns="0" bIns="0" anchor="ctr"/>
           <a:p>
-            <a:endParaRPr b="0" lang="de-DE" sz="1800" spc="-1" strike="noStrike">
-              <a:solidFill>
-                <a:srgbClr val="000000"/>
-              </a:solidFill>
-              <a:latin typeface="Calibri"/>
-            </a:endParaRPr>
-          </a:p>
-        </p:txBody>
-      </p:sp>
-      <p:sp>
-        <p:nvSpPr>
-          <p:cNvPr id="68" name="PlaceHolder 2"/>
+            <a:pPr algn="ctr"/>
+            <a:endParaRPr b="0" lang="en-US" sz="4400" spc="-1" strike="noStrike">
+              <a:latin typeface="Arial"/>
+            </a:endParaRPr>
+          </a:p>
+        </p:txBody>
+      </p:sp>
+      <p:sp>
+        <p:nvSpPr>
+          <p:cNvPr id="62" name="PlaceHolder 2"/>
           <p:cNvSpPr>
             <a:spLocks noGrp="1"/>
           </p:cNvSpPr>
@@ -1608,8 +1512,8 @@
         </p:nvSpPr>
         <p:spPr>
           <a:xfrm>
-            <a:off x="838080" y="1825560"/>
-            <a:ext cx="10515240" cy="2075040"/>
+            <a:off x="609480" y="1604520"/>
+            <a:ext cx="10972440" cy="1896840"/>
           </a:xfrm>
           <a:prstGeom prst="rect">
             <a:avLst/>
@@ -1620,18 +1524,15 @@
             <a:normAutofit/>
           </a:bodyPr>
           <a:p>
-            <a:endParaRPr b="0" lang="de-DE" sz="2800" spc="-1" strike="noStrike">
-              <a:solidFill>
-                <a:srgbClr val="000000"/>
-              </a:solidFill>
-              <a:latin typeface="Calibri"/>
-            </a:endParaRPr>
-          </a:p>
-        </p:txBody>
-      </p:sp>
-      <p:sp>
-        <p:nvSpPr>
-          <p:cNvPr id="69" name="PlaceHolder 3"/>
+            <a:endParaRPr b="0" lang="en-US" sz="3200" spc="-1" strike="noStrike">
+              <a:latin typeface="Arial"/>
+            </a:endParaRPr>
+          </a:p>
+        </p:txBody>
+      </p:sp>
+      <p:sp>
+        <p:nvSpPr>
+          <p:cNvPr id="63" name="PlaceHolder 3"/>
           <p:cNvSpPr>
             <a:spLocks noGrp="1"/>
           </p:cNvSpPr>
@@ -1641,8 +1542,8 @@
         </p:nvSpPr>
         <p:spPr>
           <a:xfrm>
-            <a:off x="838080" y="4098240"/>
-            <a:ext cx="10515240" cy="2075040"/>
+            <a:off x="609480" y="3682080"/>
+            <a:ext cx="10972440" cy="1896840"/>
           </a:xfrm>
           <a:prstGeom prst="rect">
             <a:avLst/>
@@ -1653,11 +1554,8 @@
             <a:normAutofit/>
           </a:bodyPr>
           <a:p>
-            <a:endParaRPr b="0" lang="de-DE" sz="2800" spc="-1" strike="noStrike">
-              <a:solidFill>
-                <a:srgbClr val="000000"/>
-              </a:solidFill>
-              <a:latin typeface="Calibri"/>
+            <a:endParaRPr b="0" lang="en-US" sz="3200" spc="-1" strike="noStrike">
+              <a:latin typeface="Arial"/>
             </a:endParaRPr>
           </a:p>
         </p:txBody>
@@ -1686,7 +1584,7 @@
       </p:grpSpPr>
       <p:sp>
         <p:nvSpPr>
-          <p:cNvPr id="70" name="PlaceHolder 1"/>
+          <p:cNvPr id="64" name="PlaceHolder 1"/>
           <p:cNvSpPr>
             <a:spLocks noGrp="1"/>
           </p:cNvSpPr>
@@ -1696,8 +1594,8 @@
         </p:nvSpPr>
         <p:spPr>
           <a:xfrm>
-            <a:off x="838080" y="365040"/>
-            <a:ext cx="10515240" cy="1325160"/>
+            <a:off x="609480" y="273600"/>
+            <a:ext cx="10972440" cy="1144800"/>
           </a:xfrm>
           <a:prstGeom prst="rect">
             <a:avLst/>
@@ -1706,18 +1604,16 @@
         <p:txBody>
           <a:bodyPr lIns="0" rIns="0" tIns="0" bIns="0" anchor="ctr"/>
           <a:p>
-            <a:endParaRPr b="0" lang="de-DE" sz="1800" spc="-1" strike="noStrike">
-              <a:solidFill>
-                <a:srgbClr val="000000"/>
-              </a:solidFill>
-              <a:latin typeface="Calibri"/>
-            </a:endParaRPr>
-          </a:p>
-        </p:txBody>
-      </p:sp>
-      <p:sp>
-        <p:nvSpPr>
-          <p:cNvPr id="71" name="PlaceHolder 2"/>
+            <a:pPr algn="ctr"/>
+            <a:endParaRPr b="0" lang="en-US" sz="4400" spc="-1" strike="noStrike">
+              <a:latin typeface="Arial"/>
+            </a:endParaRPr>
+          </a:p>
+        </p:txBody>
+      </p:sp>
+      <p:sp>
+        <p:nvSpPr>
+          <p:cNvPr id="65" name="PlaceHolder 2"/>
           <p:cNvSpPr>
             <a:spLocks noGrp="1"/>
           </p:cNvSpPr>
@@ -1727,8 +1623,8 @@
         </p:nvSpPr>
         <p:spPr>
           <a:xfrm>
-            <a:off x="838080" y="1825560"/>
-            <a:ext cx="5131080" cy="2075040"/>
+            <a:off x="609480" y="1604520"/>
+            <a:ext cx="5354280" cy="1896840"/>
           </a:xfrm>
           <a:prstGeom prst="rect">
             <a:avLst/>
@@ -1739,18 +1635,15 @@
             <a:normAutofit/>
           </a:bodyPr>
           <a:p>
-            <a:endParaRPr b="0" lang="de-DE" sz="2800" spc="-1" strike="noStrike">
-              <a:solidFill>
-                <a:srgbClr val="000000"/>
-              </a:solidFill>
-              <a:latin typeface="Calibri"/>
-            </a:endParaRPr>
-          </a:p>
-        </p:txBody>
-      </p:sp>
-      <p:sp>
-        <p:nvSpPr>
-          <p:cNvPr id="72" name="PlaceHolder 3"/>
+            <a:endParaRPr b="0" lang="en-US" sz="3200" spc="-1" strike="noStrike">
+              <a:latin typeface="Arial"/>
+            </a:endParaRPr>
+          </a:p>
+        </p:txBody>
+      </p:sp>
+      <p:sp>
+        <p:nvSpPr>
+          <p:cNvPr id="66" name="PlaceHolder 3"/>
           <p:cNvSpPr>
             <a:spLocks noGrp="1"/>
           </p:cNvSpPr>
@@ -1760,8 +1653,8 @@
         </p:nvSpPr>
         <p:spPr>
           <a:xfrm>
-            <a:off x="6226200" y="1825560"/>
-            <a:ext cx="5131080" cy="2075040"/>
+            <a:off x="6231960" y="1604520"/>
+            <a:ext cx="5354280" cy="1896840"/>
           </a:xfrm>
           <a:prstGeom prst="rect">
             <a:avLst/>
@@ -1772,18 +1665,15 @@
             <a:normAutofit/>
           </a:bodyPr>
           <a:p>
-            <a:endParaRPr b="0" lang="de-DE" sz="2800" spc="-1" strike="noStrike">
-              <a:solidFill>
-                <a:srgbClr val="000000"/>
-              </a:solidFill>
-              <a:latin typeface="Calibri"/>
-            </a:endParaRPr>
-          </a:p>
-        </p:txBody>
-      </p:sp>
-      <p:sp>
-        <p:nvSpPr>
-          <p:cNvPr id="73" name="PlaceHolder 4"/>
+            <a:endParaRPr b="0" lang="en-US" sz="3200" spc="-1" strike="noStrike">
+              <a:latin typeface="Arial"/>
+            </a:endParaRPr>
+          </a:p>
+        </p:txBody>
+      </p:sp>
+      <p:sp>
+        <p:nvSpPr>
+          <p:cNvPr id="67" name="PlaceHolder 4"/>
           <p:cNvSpPr>
             <a:spLocks noGrp="1"/>
           </p:cNvSpPr>
@@ -1793,8 +1683,8 @@
         </p:nvSpPr>
         <p:spPr>
           <a:xfrm>
-            <a:off x="838080" y="4098240"/>
-            <a:ext cx="5131080" cy="2075040"/>
+            <a:off x="609480" y="3682080"/>
+            <a:ext cx="5354280" cy="1896840"/>
           </a:xfrm>
           <a:prstGeom prst="rect">
             <a:avLst/>
@@ -1805,18 +1695,15 @@
             <a:normAutofit/>
           </a:bodyPr>
           <a:p>
-            <a:endParaRPr b="0" lang="de-DE" sz="2800" spc="-1" strike="noStrike">
-              <a:solidFill>
-                <a:srgbClr val="000000"/>
-              </a:solidFill>
-              <a:latin typeface="Calibri"/>
-            </a:endParaRPr>
-          </a:p>
-        </p:txBody>
-      </p:sp>
-      <p:sp>
-        <p:nvSpPr>
-          <p:cNvPr id="74" name="PlaceHolder 5"/>
+            <a:endParaRPr b="0" lang="en-US" sz="3200" spc="-1" strike="noStrike">
+              <a:latin typeface="Arial"/>
+            </a:endParaRPr>
+          </a:p>
+        </p:txBody>
+      </p:sp>
+      <p:sp>
+        <p:nvSpPr>
+          <p:cNvPr id="68" name="PlaceHolder 5"/>
           <p:cNvSpPr>
             <a:spLocks noGrp="1"/>
           </p:cNvSpPr>
@@ -1826,8 +1713,8 @@
         </p:nvSpPr>
         <p:spPr>
           <a:xfrm>
-            <a:off x="6226200" y="4098240"/>
-            <a:ext cx="5131080" cy="2075040"/>
+            <a:off x="6231960" y="3682080"/>
+            <a:ext cx="5354280" cy="1896840"/>
           </a:xfrm>
           <a:prstGeom prst="rect">
             <a:avLst/>
@@ -1838,11 +1725,8 @@
             <a:normAutofit/>
           </a:bodyPr>
           <a:p>
-            <a:endParaRPr b="0" lang="de-DE" sz="2800" spc="-1" strike="noStrike">
-              <a:solidFill>
-                <a:srgbClr val="000000"/>
-              </a:solidFill>
-              <a:latin typeface="Calibri"/>
+            <a:endParaRPr b="0" lang="en-US" sz="3200" spc="-1" strike="noStrike">
+              <a:latin typeface="Arial"/>
             </a:endParaRPr>
           </a:p>
         </p:txBody>
@@ -1871,7 +1755,7 @@
       </p:grpSpPr>
       <p:sp>
         <p:nvSpPr>
-          <p:cNvPr id="75" name="PlaceHolder 1"/>
+          <p:cNvPr id="69" name="PlaceHolder 1"/>
           <p:cNvSpPr>
             <a:spLocks noGrp="1"/>
           </p:cNvSpPr>
@@ -1881,8 +1765,8 @@
         </p:nvSpPr>
         <p:spPr>
           <a:xfrm>
-            <a:off x="838080" y="365040"/>
-            <a:ext cx="10515240" cy="1325160"/>
+            <a:off x="609480" y="273600"/>
+            <a:ext cx="10972440" cy="1144800"/>
           </a:xfrm>
           <a:prstGeom prst="rect">
             <a:avLst/>
@@ -1891,18 +1775,16 @@
         <p:txBody>
           <a:bodyPr lIns="0" rIns="0" tIns="0" bIns="0" anchor="ctr"/>
           <a:p>
-            <a:endParaRPr b="0" lang="de-DE" sz="1800" spc="-1" strike="noStrike">
-              <a:solidFill>
-                <a:srgbClr val="000000"/>
-              </a:solidFill>
-              <a:latin typeface="Calibri"/>
-            </a:endParaRPr>
-          </a:p>
-        </p:txBody>
-      </p:sp>
-      <p:sp>
-        <p:nvSpPr>
-          <p:cNvPr id="76" name="PlaceHolder 2"/>
+            <a:pPr algn="ctr"/>
+            <a:endParaRPr b="0" lang="en-US" sz="4400" spc="-1" strike="noStrike">
+              <a:latin typeface="Arial"/>
+            </a:endParaRPr>
+          </a:p>
+        </p:txBody>
+      </p:sp>
+      <p:sp>
+        <p:nvSpPr>
+          <p:cNvPr id="70" name="PlaceHolder 2"/>
           <p:cNvSpPr>
             <a:spLocks noGrp="1"/>
           </p:cNvSpPr>
@@ -1912,8 +1794,8 @@
         </p:nvSpPr>
         <p:spPr>
           <a:xfrm>
-            <a:off x="838080" y="1825560"/>
-            <a:ext cx="3385800" cy="2075040"/>
+            <a:off x="609480" y="1604520"/>
+            <a:ext cx="3533040" cy="1896840"/>
           </a:xfrm>
           <a:prstGeom prst="rect">
             <a:avLst/>
@@ -1924,18 +1806,15 @@
             <a:normAutofit/>
           </a:bodyPr>
           <a:p>
-            <a:endParaRPr b="0" lang="de-DE" sz="2800" spc="-1" strike="noStrike">
-              <a:solidFill>
-                <a:srgbClr val="000000"/>
-              </a:solidFill>
-              <a:latin typeface="Calibri"/>
-            </a:endParaRPr>
-          </a:p>
-        </p:txBody>
-      </p:sp>
-      <p:sp>
-        <p:nvSpPr>
-          <p:cNvPr id="77" name="PlaceHolder 3"/>
+            <a:endParaRPr b="0" lang="en-US" sz="3200" spc="-1" strike="noStrike">
+              <a:latin typeface="Arial"/>
+            </a:endParaRPr>
+          </a:p>
+        </p:txBody>
+      </p:sp>
+      <p:sp>
+        <p:nvSpPr>
+          <p:cNvPr id="71" name="PlaceHolder 3"/>
           <p:cNvSpPr>
             <a:spLocks noGrp="1"/>
           </p:cNvSpPr>
@@ -1945,8 +1824,8 @@
         </p:nvSpPr>
         <p:spPr>
           <a:xfrm>
-            <a:off x="4393440" y="1825560"/>
-            <a:ext cx="3385800" cy="2075040"/>
+            <a:off x="4319640" y="1604520"/>
+            <a:ext cx="3533040" cy="1896840"/>
           </a:xfrm>
           <a:prstGeom prst="rect">
             <a:avLst/>
@@ -1957,18 +1836,15 @@
             <a:normAutofit/>
           </a:bodyPr>
           <a:p>
-            <a:endParaRPr b="0" lang="de-DE" sz="2800" spc="-1" strike="noStrike">
-              <a:solidFill>
-                <a:srgbClr val="000000"/>
-              </a:solidFill>
-              <a:latin typeface="Calibri"/>
-            </a:endParaRPr>
-          </a:p>
-        </p:txBody>
-      </p:sp>
-      <p:sp>
-        <p:nvSpPr>
-          <p:cNvPr id="78" name="PlaceHolder 4"/>
+            <a:endParaRPr b="0" lang="en-US" sz="3200" spc="-1" strike="noStrike">
+              <a:latin typeface="Arial"/>
+            </a:endParaRPr>
+          </a:p>
+        </p:txBody>
+      </p:sp>
+      <p:sp>
+        <p:nvSpPr>
+          <p:cNvPr id="72" name="PlaceHolder 4"/>
           <p:cNvSpPr>
             <a:spLocks noGrp="1"/>
           </p:cNvSpPr>
@@ -1978,8 +1854,8 @@
         </p:nvSpPr>
         <p:spPr>
           <a:xfrm>
-            <a:off x="7949160" y="1825560"/>
-            <a:ext cx="3385800" cy="2075040"/>
+            <a:off x="8029800" y="1604520"/>
+            <a:ext cx="3533040" cy="1896840"/>
           </a:xfrm>
           <a:prstGeom prst="rect">
             <a:avLst/>
@@ -1990,18 +1866,15 @@
             <a:normAutofit/>
           </a:bodyPr>
           <a:p>
-            <a:endParaRPr b="0" lang="de-DE" sz="2800" spc="-1" strike="noStrike">
-              <a:solidFill>
-                <a:srgbClr val="000000"/>
-              </a:solidFill>
-              <a:latin typeface="Calibri"/>
-            </a:endParaRPr>
-          </a:p>
-        </p:txBody>
-      </p:sp>
-      <p:sp>
-        <p:nvSpPr>
-          <p:cNvPr id="79" name="PlaceHolder 5"/>
+            <a:endParaRPr b="0" lang="en-US" sz="3200" spc="-1" strike="noStrike">
+              <a:latin typeface="Arial"/>
+            </a:endParaRPr>
+          </a:p>
+        </p:txBody>
+      </p:sp>
+      <p:sp>
+        <p:nvSpPr>
+          <p:cNvPr id="73" name="PlaceHolder 5"/>
           <p:cNvSpPr>
             <a:spLocks noGrp="1"/>
           </p:cNvSpPr>
@@ -2011,8 +1884,8 @@
         </p:nvSpPr>
         <p:spPr>
           <a:xfrm>
-            <a:off x="838080" y="4098240"/>
-            <a:ext cx="3385800" cy="2075040"/>
+            <a:off x="609480" y="3682080"/>
+            <a:ext cx="3533040" cy="1896840"/>
           </a:xfrm>
           <a:prstGeom prst="rect">
             <a:avLst/>
@@ -2023,18 +1896,15 @@
             <a:normAutofit/>
           </a:bodyPr>
           <a:p>
-            <a:endParaRPr b="0" lang="de-DE" sz="2800" spc="-1" strike="noStrike">
-              <a:solidFill>
-                <a:srgbClr val="000000"/>
-              </a:solidFill>
-              <a:latin typeface="Calibri"/>
-            </a:endParaRPr>
-          </a:p>
-        </p:txBody>
-      </p:sp>
-      <p:sp>
-        <p:nvSpPr>
-          <p:cNvPr id="80" name="PlaceHolder 6"/>
+            <a:endParaRPr b="0" lang="en-US" sz="3200" spc="-1" strike="noStrike">
+              <a:latin typeface="Arial"/>
+            </a:endParaRPr>
+          </a:p>
+        </p:txBody>
+      </p:sp>
+      <p:sp>
+        <p:nvSpPr>
+          <p:cNvPr id="74" name="PlaceHolder 6"/>
           <p:cNvSpPr>
             <a:spLocks noGrp="1"/>
           </p:cNvSpPr>
@@ -2044,8 +1914,8 @@
         </p:nvSpPr>
         <p:spPr>
           <a:xfrm>
-            <a:off x="4393440" y="4098240"/>
-            <a:ext cx="3385800" cy="2075040"/>
+            <a:off x="4319640" y="3682080"/>
+            <a:ext cx="3533040" cy="1896840"/>
           </a:xfrm>
           <a:prstGeom prst="rect">
             <a:avLst/>
@@ -2056,18 +1926,15 @@
             <a:normAutofit/>
           </a:bodyPr>
           <a:p>
-            <a:endParaRPr b="0" lang="de-DE" sz="2800" spc="-1" strike="noStrike">
-              <a:solidFill>
-                <a:srgbClr val="000000"/>
-              </a:solidFill>
-              <a:latin typeface="Calibri"/>
-            </a:endParaRPr>
-          </a:p>
-        </p:txBody>
-      </p:sp>
-      <p:sp>
-        <p:nvSpPr>
-          <p:cNvPr id="81" name="PlaceHolder 7"/>
+            <a:endParaRPr b="0" lang="en-US" sz="3200" spc="-1" strike="noStrike">
+              <a:latin typeface="Arial"/>
+            </a:endParaRPr>
+          </a:p>
+        </p:txBody>
+      </p:sp>
+      <p:sp>
+        <p:nvSpPr>
+          <p:cNvPr id="75" name="PlaceHolder 7"/>
           <p:cNvSpPr>
             <a:spLocks noGrp="1"/>
           </p:cNvSpPr>
@@ -2077,8 +1944,8 @@
         </p:nvSpPr>
         <p:spPr>
           <a:xfrm>
-            <a:off x="7949160" y="4098240"/>
-            <a:ext cx="3385800" cy="2075040"/>
+            <a:off x="8029800" y="3682080"/>
+            <a:ext cx="3533040" cy="1896840"/>
           </a:xfrm>
           <a:prstGeom prst="rect">
             <a:avLst/>
@@ -2089,11 +1956,8 @@
             <a:normAutofit/>
           </a:bodyPr>
           <a:p>
-            <a:endParaRPr b="0" lang="de-DE" sz="2800" spc="-1" strike="noStrike">
-              <a:solidFill>
-                <a:srgbClr val="000000"/>
-              </a:solidFill>
-              <a:latin typeface="Calibri"/>
+            <a:endParaRPr b="0" lang="en-US" sz="3200" spc="-1" strike="noStrike">
+              <a:latin typeface="Arial"/>
             </a:endParaRPr>
           </a:p>
         </p:txBody>
@@ -2144,7 +2008,7 @@
       </p:grpSpPr>
       <p:sp>
         <p:nvSpPr>
-          <p:cNvPr id="87" name="PlaceHolder 1"/>
+          <p:cNvPr id="78" name="PlaceHolder 1"/>
           <p:cNvSpPr>
             <a:spLocks noGrp="1"/>
           </p:cNvSpPr>
@@ -2154,8 +2018,8 @@
         </p:nvSpPr>
         <p:spPr>
           <a:xfrm>
-            <a:off x="838080" y="365040"/>
-            <a:ext cx="10515240" cy="1325160"/>
+            <a:off x="609480" y="273600"/>
+            <a:ext cx="10972440" cy="1144800"/>
           </a:xfrm>
           <a:prstGeom prst="rect">
             <a:avLst/>
@@ -2164,18 +2028,16 @@
         <p:txBody>
           <a:bodyPr lIns="0" rIns="0" tIns="0" bIns="0" anchor="ctr"/>
           <a:p>
-            <a:endParaRPr b="0" lang="de-DE" sz="1800" spc="-1" strike="noStrike">
-              <a:solidFill>
-                <a:srgbClr val="000000"/>
-              </a:solidFill>
-              <a:latin typeface="Calibri"/>
-            </a:endParaRPr>
-          </a:p>
-        </p:txBody>
-      </p:sp>
-      <p:sp>
-        <p:nvSpPr>
-          <p:cNvPr id="88" name="PlaceHolder 2"/>
+            <a:pPr algn="ctr"/>
+            <a:endParaRPr b="0" lang="en-US" sz="4400" spc="-1" strike="noStrike">
+              <a:latin typeface="Arial"/>
+            </a:endParaRPr>
+          </a:p>
+        </p:txBody>
+      </p:sp>
+      <p:sp>
+        <p:nvSpPr>
+          <p:cNvPr id="79" name="PlaceHolder 2"/>
           <p:cNvSpPr>
             <a:spLocks noGrp="1"/>
           </p:cNvSpPr>
@@ -2185,8 +2047,8 @@
         </p:nvSpPr>
         <p:spPr>
           <a:xfrm>
-            <a:off x="838080" y="1825560"/>
-            <a:ext cx="10515240" cy="4350960"/>
+            <a:off x="609480" y="1604520"/>
+            <a:ext cx="10972440" cy="3977280"/>
           </a:xfrm>
           <a:prstGeom prst="rect">
             <a:avLst/>
@@ -2226,7 +2088,7 @@
       </p:grpSpPr>
       <p:sp>
         <p:nvSpPr>
-          <p:cNvPr id="89" name="PlaceHolder 1"/>
+          <p:cNvPr id="80" name="PlaceHolder 1"/>
           <p:cNvSpPr>
             <a:spLocks noGrp="1"/>
           </p:cNvSpPr>
@@ -2236,8 +2098,8 @@
         </p:nvSpPr>
         <p:spPr>
           <a:xfrm>
-            <a:off x="838080" y="365040"/>
-            <a:ext cx="10515240" cy="1325160"/>
+            <a:off x="609480" y="273600"/>
+            <a:ext cx="10972440" cy="1144800"/>
           </a:xfrm>
           <a:prstGeom prst="rect">
             <a:avLst/>
@@ -2246,18 +2108,16 @@
         <p:txBody>
           <a:bodyPr lIns="0" rIns="0" tIns="0" bIns="0" anchor="ctr"/>
           <a:p>
-            <a:endParaRPr b="0" lang="de-DE" sz="1800" spc="-1" strike="noStrike">
-              <a:solidFill>
-                <a:srgbClr val="000000"/>
-              </a:solidFill>
-              <a:latin typeface="Calibri"/>
-            </a:endParaRPr>
-          </a:p>
-        </p:txBody>
-      </p:sp>
-      <p:sp>
-        <p:nvSpPr>
-          <p:cNvPr id="90" name="PlaceHolder 2"/>
+            <a:pPr algn="ctr"/>
+            <a:endParaRPr b="0" lang="en-US" sz="4400" spc="-1" strike="noStrike">
+              <a:latin typeface="Arial"/>
+            </a:endParaRPr>
+          </a:p>
+        </p:txBody>
+      </p:sp>
+      <p:sp>
+        <p:nvSpPr>
+          <p:cNvPr id="81" name="PlaceHolder 2"/>
           <p:cNvSpPr>
             <a:spLocks noGrp="1"/>
           </p:cNvSpPr>
@@ -2267,8 +2127,8 @@
         </p:nvSpPr>
         <p:spPr>
           <a:xfrm>
-            <a:off x="838080" y="1825560"/>
-            <a:ext cx="10515240" cy="4350960"/>
+            <a:off x="609480" y="1604520"/>
+            <a:ext cx="10972440" cy="3977280"/>
           </a:xfrm>
           <a:prstGeom prst="rect">
             <a:avLst/>
@@ -2279,11 +2139,8 @@
             <a:normAutofit/>
           </a:bodyPr>
           <a:p>
-            <a:endParaRPr b="0" lang="de-DE" sz="2800" spc="-1" strike="noStrike">
-              <a:solidFill>
-                <a:srgbClr val="000000"/>
-              </a:solidFill>
-              <a:latin typeface="Calibri"/>
+            <a:endParaRPr b="0" lang="en-US" sz="3200" spc="-1" strike="noStrike">
+              <a:latin typeface="Arial"/>
             </a:endParaRPr>
           </a:p>
         </p:txBody>
@@ -2312,7 +2169,7 @@
       </p:grpSpPr>
       <p:sp>
         <p:nvSpPr>
-          <p:cNvPr id="91" name="PlaceHolder 1"/>
+          <p:cNvPr id="82" name="PlaceHolder 1"/>
           <p:cNvSpPr>
             <a:spLocks noGrp="1"/>
           </p:cNvSpPr>
@@ -2322,8 +2179,8 @@
         </p:nvSpPr>
         <p:spPr>
           <a:xfrm>
-            <a:off x="838080" y="365040"/>
-            <a:ext cx="10515240" cy="1325160"/>
+            <a:off x="609480" y="273600"/>
+            <a:ext cx="10972440" cy="1144800"/>
           </a:xfrm>
           <a:prstGeom prst="rect">
             <a:avLst/>
@@ -2332,18 +2189,16 @@
         <p:txBody>
           <a:bodyPr lIns="0" rIns="0" tIns="0" bIns="0" anchor="ctr"/>
           <a:p>
-            <a:endParaRPr b="0" lang="de-DE" sz="1800" spc="-1" strike="noStrike">
-              <a:solidFill>
-                <a:srgbClr val="000000"/>
-              </a:solidFill>
-              <a:latin typeface="Calibri"/>
-            </a:endParaRPr>
-          </a:p>
-        </p:txBody>
-      </p:sp>
-      <p:sp>
-        <p:nvSpPr>
-          <p:cNvPr id="92" name="PlaceHolder 2"/>
+            <a:pPr algn="ctr"/>
+            <a:endParaRPr b="0" lang="en-US" sz="4400" spc="-1" strike="noStrike">
+              <a:latin typeface="Arial"/>
+            </a:endParaRPr>
+          </a:p>
+        </p:txBody>
+      </p:sp>
+      <p:sp>
+        <p:nvSpPr>
+          <p:cNvPr id="83" name="PlaceHolder 2"/>
           <p:cNvSpPr>
             <a:spLocks noGrp="1"/>
           </p:cNvSpPr>
@@ -2353,8 +2208,8 @@
         </p:nvSpPr>
         <p:spPr>
           <a:xfrm>
-            <a:off x="838080" y="1825560"/>
-            <a:ext cx="5131080" cy="4350960"/>
+            <a:off x="609480" y="1604520"/>
+            <a:ext cx="5354280" cy="3977280"/>
           </a:xfrm>
           <a:prstGeom prst="rect">
             <a:avLst/>
@@ -2365,18 +2220,15 @@
             <a:normAutofit/>
           </a:bodyPr>
           <a:p>
-            <a:endParaRPr b="0" lang="de-DE" sz="2800" spc="-1" strike="noStrike">
-              <a:solidFill>
-                <a:srgbClr val="000000"/>
-              </a:solidFill>
-              <a:latin typeface="Calibri"/>
-            </a:endParaRPr>
-          </a:p>
-        </p:txBody>
-      </p:sp>
-      <p:sp>
-        <p:nvSpPr>
-          <p:cNvPr id="93" name="PlaceHolder 3"/>
+            <a:endParaRPr b="0" lang="en-US" sz="3200" spc="-1" strike="noStrike">
+              <a:latin typeface="Arial"/>
+            </a:endParaRPr>
+          </a:p>
+        </p:txBody>
+      </p:sp>
+      <p:sp>
+        <p:nvSpPr>
+          <p:cNvPr id="84" name="PlaceHolder 3"/>
           <p:cNvSpPr>
             <a:spLocks noGrp="1"/>
           </p:cNvSpPr>
@@ -2386,8 +2238,8 @@
         </p:nvSpPr>
         <p:spPr>
           <a:xfrm>
-            <a:off x="6226200" y="1825560"/>
-            <a:ext cx="5131080" cy="4350960"/>
+            <a:off x="6231960" y="1604520"/>
+            <a:ext cx="5354280" cy="3977280"/>
           </a:xfrm>
           <a:prstGeom prst="rect">
             <a:avLst/>
@@ -2398,11 +2250,8 @@
             <a:normAutofit/>
           </a:bodyPr>
           <a:p>
-            <a:endParaRPr b="0" lang="de-DE" sz="2800" spc="-1" strike="noStrike">
-              <a:solidFill>
-                <a:srgbClr val="000000"/>
-              </a:solidFill>
-              <a:latin typeface="Calibri"/>
+            <a:endParaRPr b="0" lang="en-US" sz="3200" spc="-1" strike="noStrike">
+              <a:latin typeface="Arial"/>
             </a:endParaRPr>
           </a:p>
         </p:txBody>
@@ -2431,7 +2280,7 @@
       </p:grpSpPr>
       <p:sp>
         <p:nvSpPr>
-          <p:cNvPr id="94" name="PlaceHolder 1"/>
+          <p:cNvPr id="85" name="PlaceHolder 1"/>
           <p:cNvSpPr>
             <a:spLocks noGrp="1"/>
           </p:cNvSpPr>
@@ -2441,8 +2290,8 @@
         </p:nvSpPr>
         <p:spPr>
           <a:xfrm>
-            <a:off x="838080" y="365040"/>
-            <a:ext cx="10515240" cy="1325160"/>
+            <a:off x="609480" y="273600"/>
+            <a:ext cx="10972440" cy="1144800"/>
           </a:xfrm>
           <a:prstGeom prst="rect">
             <a:avLst/>
@@ -2451,11 +2300,9 @@
         <p:txBody>
           <a:bodyPr lIns="0" rIns="0" tIns="0" bIns="0" anchor="ctr"/>
           <a:p>
-            <a:endParaRPr b="0" lang="de-DE" sz="1800" spc="-1" strike="noStrike">
-              <a:solidFill>
-                <a:srgbClr val="000000"/>
-              </a:solidFill>
-              <a:latin typeface="Calibri"/>
+            <a:pPr algn="ctr"/>
+            <a:endParaRPr b="0" lang="en-US" sz="4400" spc="-1" strike="noStrike">
+              <a:latin typeface="Arial"/>
             </a:endParaRPr>
           </a:p>
         </p:txBody>
@@ -2484,7 +2331,7 @@
       </p:grpSpPr>
       <p:sp>
         <p:nvSpPr>
-          <p:cNvPr id="7" name="PlaceHolder 1"/>
+          <p:cNvPr id="4" name="PlaceHolder 1"/>
           <p:cNvSpPr>
             <a:spLocks noGrp="1"/>
           </p:cNvSpPr>
@@ -2494,8 +2341,8 @@
         </p:nvSpPr>
         <p:spPr>
           <a:xfrm>
-            <a:off x="838080" y="365040"/>
-            <a:ext cx="10515240" cy="1325160"/>
+            <a:off x="609480" y="273600"/>
+            <a:ext cx="10972440" cy="1144800"/>
           </a:xfrm>
           <a:prstGeom prst="rect">
             <a:avLst/>
@@ -2504,18 +2351,16 @@
         <p:txBody>
           <a:bodyPr lIns="0" rIns="0" tIns="0" bIns="0" anchor="ctr"/>
           <a:p>
-            <a:endParaRPr b="0" lang="de-DE" sz="1800" spc="-1" strike="noStrike">
-              <a:solidFill>
-                <a:srgbClr val="000000"/>
-              </a:solidFill>
-              <a:latin typeface="Calibri"/>
-            </a:endParaRPr>
-          </a:p>
-        </p:txBody>
-      </p:sp>
-      <p:sp>
-        <p:nvSpPr>
-          <p:cNvPr id="8" name="PlaceHolder 2"/>
+            <a:pPr algn="ctr"/>
+            <a:endParaRPr b="0" lang="en-US" sz="4400" spc="-1" strike="noStrike">
+              <a:latin typeface="Arial"/>
+            </a:endParaRPr>
+          </a:p>
+        </p:txBody>
+      </p:sp>
+      <p:sp>
+        <p:nvSpPr>
+          <p:cNvPr id="5" name="PlaceHolder 2"/>
           <p:cNvSpPr>
             <a:spLocks noGrp="1"/>
           </p:cNvSpPr>
@@ -2525,8 +2370,8 @@
         </p:nvSpPr>
         <p:spPr>
           <a:xfrm>
-            <a:off x="838080" y="1825560"/>
-            <a:ext cx="10515240" cy="4350960"/>
+            <a:off x="609480" y="1604520"/>
+            <a:ext cx="10972440" cy="3977280"/>
           </a:xfrm>
           <a:prstGeom prst="rect">
             <a:avLst/>
@@ -2537,11 +2382,8 @@
             <a:normAutofit/>
           </a:bodyPr>
           <a:p>
-            <a:endParaRPr b="0" lang="de-DE" sz="2800" spc="-1" strike="noStrike">
-              <a:solidFill>
-                <a:srgbClr val="000000"/>
-              </a:solidFill>
-              <a:latin typeface="Calibri"/>
+            <a:endParaRPr b="0" lang="en-US" sz="3200" spc="-1" strike="noStrike">
+              <a:latin typeface="Arial"/>
             </a:endParaRPr>
           </a:p>
         </p:txBody>
@@ -2570,7 +2412,7 @@
       </p:grpSpPr>
       <p:sp>
         <p:nvSpPr>
-          <p:cNvPr id="95" name="PlaceHolder 1"/>
+          <p:cNvPr id="86" name="PlaceHolder 1"/>
           <p:cNvSpPr>
             <a:spLocks noGrp="1"/>
           </p:cNvSpPr>
@@ -2580,8 +2422,8 @@
         </p:nvSpPr>
         <p:spPr>
           <a:xfrm>
-            <a:off x="838080" y="365040"/>
-            <a:ext cx="10515240" cy="6144120"/>
+            <a:off x="609480" y="273600"/>
+            <a:ext cx="10972440" cy="5307840"/>
           </a:xfrm>
           <a:prstGeom prst="rect">
             <a:avLst/>
@@ -2621,7 +2463,7 @@
       </p:grpSpPr>
       <p:sp>
         <p:nvSpPr>
-          <p:cNvPr id="96" name="PlaceHolder 1"/>
+          <p:cNvPr id="87" name="PlaceHolder 1"/>
           <p:cNvSpPr>
             <a:spLocks noGrp="1"/>
           </p:cNvSpPr>
@@ -2631,8 +2473,8 @@
         </p:nvSpPr>
         <p:spPr>
           <a:xfrm>
-            <a:off x="838080" y="365040"/>
-            <a:ext cx="10515240" cy="1325160"/>
+            <a:off x="609480" y="273600"/>
+            <a:ext cx="10972440" cy="1144800"/>
           </a:xfrm>
           <a:prstGeom prst="rect">
             <a:avLst/>
@@ -2641,18 +2483,16 @@
         <p:txBody>
           <a:bodyPr lIns="0" rIns="0" tIns="0" bIns="0" anchor="ctr"/>
           <a:p>
-            <a:endParaRPr b="0" lang="de-DE" sz="1800" spc="-1" strike="noStrike">
-              <a:solidFill>
-                <a:srgbClr val="000000"/>
-              </a:solidFill>
-              <a:latin typeface="Calibri"/>
-            </a:endParaRPr>
-          </a:p>
-        </p:txBody>
-      </p:sp>
-      <p:sp>
-        <p:nvSpPr>
-          <p:cNvPr id="97" name="PlaceHolder 2"/>
+            <a:pPr algn="ctr"/>
+            <a:endParaRPr b="0" lang="en-US" sz="4400" spc="-1" strike="noStrike">
+              <a:latin typeface="Arial"/>
+            </a:endParaRPr>
+          </a:p>
+        </p:txBody>
+      </p:sp>
+      <p:sp>
+        <p:nvSpPr>
+          <p:cNvPr id="88" name="PlaceHolder 2"/>
           <p:cNvSpPr>
             <a:spLocks noGrp="1"/>
           </p:cNvSpPr>
@@ -2662,8 +2502,8 @@
         </p:nvSpPr>
         <p:spPr>
           <a:xfrm>
-            <a:off x="838080" y="1825560"/>
-            <a:ext cx="5131080" cy="2075040"/>
+            <a:off x="609480" y="1604520"/>
+            <a:ext cx="5354280" cy="1896840"/>
           </a:xfrm>
           <a:prstGeom prst="rect">
             <a:avLst/>
@@ -2674,18 +2514,15 @@
             <a:normAutofit/>
           </a:bodyPr>
           <a:p>
-            <a:endParaRPr b="0" lang="de-DE" sz="2800" spc="-1" strike="noStrike">
-              <a:solidFill>
-                <a:srgbClr val="000000"/>
-              </a:solidFill>
-              <a:latin typeface="Calibri"/>
-            </a:endParaRPr>
-          </a:p>
-        </p:txBody>
-      </p:sp>
-      <p:sp>
-        <p:nvSpPr>
-          <p:cNvPr id="98" name="PlaceHolder 3"/>
+            <a:endParaRPr b="0" lang="en-US" sz="3200" spc="-1" strike="noStrike">
+              <a:latin typeface="Arial"/>
+            </a:endParaRPr>
+          </a:p>
+        </p:txBody>
+      </p:sp>
+      <p:sp>
+        <p:nvSpPr>
+          <p:cNvPr id="89" name="PlaceHolder 3"/>
           <p:cNvSpPr>
             <a:spLocks noGrp="1"/>
           </p:cNvSpPr>
@@ -2695,8 +2532,8 @@
         </p:nvSpPr>
         <p:spPr>
           <a:xfrm>
-            <a:off x="6226200" y="1825560"/>
-            <a:ext cx="5131080" cy="4350960"/>
+            <a:off x="6231960" y="1604520"/>
+            <a:ext cx="5354280" cy="3977280"/>
           </a:xfrm>
           <a:prstGeom prst="rect">
             <a:avLst/>
@@ -2707,18 +2544,15 @@
             <a:normAutofit/>
           </a:bodyPr>
           <a:p>
-            <a:endParaRPr b="0" lang="de-DE" sz="2800" spc="-1" strike="noStrike">
-              <a:solidFill>
-                <a:srgbClr val="000000"/>
-              </a:solidFill>
-              <a:latin typeface="Calibri"/>
-            </a:endParaRPr>
-          </a:p>
-        </p:txBody>
-      </p:sp>
-      <p:sp>
-        <p:nvSpPr>
-          <p:cNvPr id="99" name="PlaceHolder 4"/>
+            <a:endParaRPr b="0" lang="en-US" sz="3200" spc="-1" strike="noStrike">
+              <a:latin typeface="Arial"/>
+            </a:endParaRPr>
+          </a:p>
+        </p:txBody>
+      </p:sp>
+      <p:sp>
+        <p:nvSpPr>
+          <p:cNvPr id="90" name="PlaceHolder 4"/>
           <p:cNvSpPr>
             <a:spLocks noGrp="1"/>
           </p:cNvSpPr>
@@ -2728,8 +2562,8 @@
         </p:nvSpPr>
         <p:spPr>
           <a:xfrm>
-            <a:off x="838080" y="4098240"/>
-            <a:ext cx="5131080" cy="2075040"/>
+            <a:off x="609480" y="3682080"/>
+            <a:ext cx="5354280" cy="1896840"/>
           </a:xfrm>
           <a:prstGeom prst="rect">
             <a:avLst/>
@@ -2740,11 +2574,8 @@
             <a:normAutofit/>
           </a:bodyPr>
           <a:p>
-            <a:endParaRPr b="0" lang="de-DE" sz="2800" spc="-1" strike="noStrike">
-              <a:solidFill>
-                <a:srgbClr val="000000"/>
-              </a:solidFill>
-              <a:latin typeface="Calibri"/>
+            <a:endParaRPr b="0" lang="en-US" sz="3200" spc="-1" strike="noStrike">
+              <a:latin typeface="Arial"/>
             </a:endParaRPr>
           </a:p>
         </p:txBody>
@@ -2773,7 +2604,7 @@
       </p:grpSpPr>
       <p:sp>
         <p:nvSpPr>
-          <p:cNvPr id="100" name="PlaceHolder 1"/>
+          <p:cNvPr id="91" name="PlaceHolder 1"/>
           <p:cNvSpPr>
             <a:spLocks noGrp="1"/>
           </p:cNvSpPr>
@@ -2783,8 +2614,8 @@
         </p:nvSpPr>
         <p:spPr>
           <a:xfrm>
-            <a:off x="838080" y="365040"/>
-            <a:ext cx="10515240" cy="1325160"/>
+            <a:off x="609480" y="273600"/>
+            <a:ext cx="10972440" cy="1144800"/>
           </a:xfrm>
           <a:prstGeom prst="rect">
             <a:avLst/>
@@ -2793,18 +2624,16 @@
         <p:txBody>
           <a:bodyPr lIns="0" rIns="0" tIns="0" bIns="0" anchor="ctr"/>
           <a:p>
-            <a:endParaRPr b="0" lang="de-DE" sz="1800" spc="-1" strike="noStrike">
-              <a:solidFill>
-                <a:srgbClr val="000000"/>
-              </a:solidFill>
-              <a:latin typeface="Calibri"/>
-            </a:endParaRPr>
-          </a:p>
-        </p:txBody>
-      </p:sp>
-      <p:sp>
-        <p:nvSpPr>
-          <p:cNvPr id="101" name="PlaceHolder 2"/>
+            <a:pPr algn="ctr"/>
+            <a:endParaRPr b="0" lang="en-US" sz="4400" spc="-1" strike="noStrike">
+              <a:latin typeface="Arial"/>
+            </a:endParaRPr>
+          </a:p>
+        </p:txBody>
+      </p:sp>
+      <p:sp>
+        <p:nvSpPr>
+          <p:cNvPr id="92" name="PlaceHolder 2"/>
           <p:cNvSpPr>
             <a:spLocks noGrp="1"/>
           </p:cNvSpPr>
@@ -2814,8 +2643,8 @@
         </p:nvSpPr>
         <p:spPr>
           <a:xfrm>
-            <a:off x="838080" y="1825560"/>
-            <a:ext cx="5131080" cy="4350960"/>
+            <a:off x="609480" y="1604520"/>
+            <a:ext cx="5354280" cy="3977280"/>
           </a:xfrm>
           <a:prstGeom prst="rect">
             <a:avLst/>
@@ -2826,18 +2655,15 @@
             <a:normAutofit/>
           </a:bodyPr>
           <a:p>
-            <a:endParaRPr b="0" lang="de-DE" sz="2800" spc="-1" strike="noStrike">
-              <a:solidFill>
-                <a:srgbClr val="000000"/>
-              </a:solidFill>
-              <a:latin typeface="Calibri"/>
-            </a:endParaRPr>
-          </a:p>
-        </p:txBody>
-      </p:sp>
-      <p:sp>
-        <p:nvSpPr>
-          <p:cNvPr id="102" name="PlaceHolder 3"/>
+            <a:endParaRPr b="0" lang="en-US" sz="3200" spc="-1" strike="noStrike">
+              <a:latin typeface="Arial"/>
+            </a:endParaRPr>
+          </a:p>
+        </p:txBody>
+      </p:sp>
+      <p:sp>
+        <p:nvSpPr>
+          <p:cNvPr id="93" name="PlaceHolder 3"/>
           <p:cNvSpPr>
             <a:spLocks noGrp="1"/>
           </p:cNvSpPr>
@@ -2847,8 +2673,8 @@
         </p:nvSpPr>
         <p:spPr>
           <a:xfrm>
-            <a:off x="6226200" y="1825560"/>
-            <a:ext cx="5131080" cy="2075040"/>
+            <a:off x="6231960" y="1604520"/>
+            <a:ext cx="5354280" cy="1896840"/>
           </a:xfrm>
           <a:prstGeom prst="rect">
             <a:avLst/>
@@ -2859,18 +2685,15 @@
             <a:normAutofit/>
           </a:bodyPr>
           <a:p>
-            <a:endParaRPr b="0" lang="de-DE" sz="2800" spc="-1" strike="noStrike">
-              <a:solidFill>
-                <a:srgbClr val="000000"/>
-              </a:solidFill>
-              <a:latin typeface="Calibri"/>
-            </a:endParaRPr>
-          </a:p>
-        </p:txBody>
-      </p:sp>
-      <p:sp>
-        <p:nvSpPr>
-          <p:cNvPr id="103" name="PlaceHolder 4"/>
+            <a:endParaRPr b="0" lang="en-US" sz="3200" spc="-1" strike="noStrike">
+              <a:latin typeface="Arial"/>
+            </a:endParaRPr>
+          </a:p>
+        </p:txBody>
+      </p:sp>
+      <p:sp>
+        <p:nvSpPr>
+          <p:cNvPr id="94" name="PlaceHolder 4"/>
           <p:cNvSpPr>
             <a:spLocks noGrp="1"/>
           </p:cNvSpPr>
@@ -2880,8 +2703,8 @@
         </p:nvSpPr>
         <p:spPr>
           <a:xfrm>
-            <a:off x="6226200" y="4098240"/>
-            <a:ext cx="5131080" cy="2075040"/>
+            <a:off x="6231960" y="3682080"/>
+            <a:ext cx="5354280" cy="1896840"/>
           </a:xfrm>
           <a:prstGeom prst="rect">
             <a:avLst/>
@@ -2892,11 +2715,8 @@
             <a:normAutofit/>
           </a:bodyPr>
           <a:p>
-            <a:endParaRPr b="0" lang="de-DE" sz="2800" spc="-1" strike="noStrike">
-              <a:solidFill>
-                <a:srgbClr val="000000"/>
-              </a:solidFill>
-              <a:latin typeface="Calibri"/>
+            <a:endParaRPr b="0" lang="en-US" sz="3200" spc="-1" strike="noStrike">
+              <a:latin typeface="Arial"/>
             </a:endParaRPr>
           </a:p>
         </p:txBody>
@@ -2925,7 +2745,7 @@
       </p:grpSpPr>
       <p:sp>
         <p:nvSpPr>
-          <p:cNvPr id="104" name="PlaceHolder 1"/>
+          <p:cNvPr id="95" name="PlaceHolder 1"/>
           <p:cNvSpPr>
             <a:spLocks noGrp="1"/>
           </p:cNvSpPr>
@@ -2935,8 +2755,8 @@
         </p:nvSpPr>
         <p:spPr>
           <a:xfrm>
-            <a:off x="838080" y="365040"/>
-            <a:ext cx="10515240" cy="1325160"/>
+            <a:off x="609480" y="273600"/>
+            <a:ext cx="10972440" cy="1144800"/>
           </a:xfrm>
           <a:prstGeom prst="rect">
             <a:avLst/>
@@ -2945,18 +2765,16 @@
         <p:txBody>
           <a:bodyPr lIns="0" rIns="0" tIns="0" bIns="0" anchor="ctr"/>
           <a:p>
-            <a:endParaRPr b="0" lang="de-DE" sz="1800" spc="-1" strike="noStrike">
-              <a:solidFill>
-                <a:srgbClr val="000000"/>
-              </a:solidFill>
-              <a:latin typeface="Calibri"/>
-            </a:endParaRPr>
-          </a:p>
-        </p:txBody>
-      </p:sp>
-      <p:sp>
-        <p:nvSpPr>
-          <p:cNvPr id="105" name="PlaceHolder 2"/>
+            <a:pPr algn="ctr"/>
+            <a:endParaRPr b="0" lang="en-US" sz="4400" spc="-1" strike="noStrike">
+              <a:latin typeface="Arial"/>
+            </a:endParaRPr>
+          </a:p>
+        </p:txBody>
+      </p:sp>
+      <p:sp>
+        <p:nvSpPr>
+          <p:cNvPr id="96" name="PlaceHolder 2"/>
           <p:cNvSpPr>
             <a:spLocks noGrp="1"/>
           </p:cNvSpPr>
@@ -2966,8 +2784,8 @@
         </p:nvSpPr>
         <p:spPr>
           <a:xfrm>
-            <a:off x="838080" y="1825560"/>
-            <a:ext cx="5131080" cy="2075040"/>
+            <a:off x="609480" y="1604520"/>
+            <a:ext cx="5354280" cy="1896840"/>
           </a:xfrm>
           <a:prstGeom prst="rect">
             <a:avLst/>
@@ -2978,18 +2796,15 @@
             <a:normAutofit/>
           </a:bodyPr>
           <a:p>
-            <a:endParaRPr b="0" lang="de-DE" sz="2800" spc="-1" strike="noStrike">
-              <a:solidFill>
-                <a:srgbClr val="000000"/>
-              </a:solidFill>
-              <a:latin typeface="Calibri"/>
-            </a:endParaRPr>
-          </a:p>
-        </p:txBody>
-      </p:sp>
-      <p:sp>
-        <p:nvSpPr>
-          <p:cNvPr id="106" name="PlaceHolder 3"/>
+            <a:endParaRPr b="0" lang="en-US" sz="3200" spc="-1" strike="noStrike">
+              <a:latin typeface="Arial"/>
+            </a:endParaRPr>
+          </a:p>
+        </p:txBody>
+      </p:sp>
+      <p:sp>
+        <p:nvSpPr>
+          <p:cNvPr id="97" name="PlaceHolder 3"/>
           <p:cNvSpPr>
             <a:spLocks noGrp="1"/>
           </p:cNvSpPr>
@@ -2999,8 +2814,8 @@
         </p:nvSpPr>
         <p:spPr>
           <a:xfrm>
-            <a:off x="6226200" y="1825560"/>
-            <a:ext cx="5131080" cy="2075040"/>
+            <a:off x="6231960" y="1604520"/>
+            <a:ext cx="5354280" cy="1896840"/>
           </a:xfrm>
           <a:prstGeom prst="rect">
             <a:avLst/>
@@ -3011,18 +2826,15 @@
             <a:normAutofit/>
           </a:bodyPr>
           <a:p>
-            <a:endParaRPr b="0" lang="de-DE" sz="2800" spc="-1" strike="noStrike">
-              <a:solidFill>
-                <a:srgbClr val="000000"/>
-              </a:solidFill>
-              <a:latin typeface="Calibri"/>
-            </a:endParaRPr>
-          </a:p>
-        </p:txBody>
-      </p:sp>
-      <p:sp>
-        <p:nvSpPr>
-          <p:cNvPr id="107" name="PlaceHolder 4"/>
+            <a:endParaRPr b="0" lang="en-US" sz="3200" spc="-1" strike="noStrike">
+              <a:latin typeface="Arial"/>
+            </a:endParaRPr>
+          </a:p>
+        </p:txBody>
+      </p:sp>
+      <p:sp>
+        <p:nvSpPr>
+          <p:cNvPr id="98" name="PlaceHolder 4"/>
           <p:cNvSpPr>
             <a:spLocks noGrp="1"/>
           </p:cNvSpPr>
@@ -3032,8 +2844,8 @@
         </p:nvSpPr>
         <p:spPr>
           <a:xfrm>
-            <a:off x="838080" y="4098240"/>
-            <a:ext cx="10515240" cy="2075040"/>
+            <a:off x="609480" y="3682080"/>
+            <a:ext cx="10972440" cy="1896840"/>
           </a:xfrm>
           <a:prstGeom prst="rect">
             <a:avLst/>
@@ -3044,11 +2856,8 @@
             <a:normAutofit/>
           </a:bodyPr>
           <a:p>
-            <a:endParaRPr b="0" lang="de-DE" sz="2800" spc="-1" strike="noStrike">
-              <a:solidFill>
-                <a:srgbClr val="000000"/>
-              </a:solidFill>
-              <a:latin typeface="Calibri"/>
+            <a:endParaRPr b="0" lang="en-US" sz="3200" spc="-1" strike="noStrike">
+              <a:latin typeface="Arial"/>
             </a:endParaRPr>
           </a:p>
         </p:txBody>
@@ -3077,7 +2886,7 @@
       </p:grpSpPr>
       <p:sp>
         <p:nvSpPr>
-          <p:cNvPr id="108" name="PlaceHolder 1"/>
+          <p:cNvPr id="99" name="PlaceHolder 1"/>
           <p:cNvSpPr>
             <a:spLocks noGrp="1"/>
           </p:cNvSpPr>
@@ -3087,8 +2896,8 @@
         </p:nvSpPr>
         <p:spPr>
           <a:xfrm>
-            <a:off x="838080" y="365040"/>
-            <a:ext cx="10515240" cy="1325160"/>
+            <a:off x="609480" y="273600"/>
+            <a:ext cx="10972440" cy="1144800"/>
           </a:xfrm>
           <a:prstGeom prst="rect">
             <a:avLst/>
@@ -3097,18 +2906,16 @@
         <p:txBody>
           <a:bodyPr lIns="0" rIns="0" tIns="0" bIns="0" anchor="ctr"/>
           <a:p>
-            <a:endParaRPr b="0" lang="de-DE" sz="1800" spc="-1" strike="noStrike">
-              <a:solidFill>
-                <a:srgbClr val="000000"/>
-              </a:solidFill>
-              <a:latin typeface="Calibri"/>
-            </a:endParaRPr>
-          </a:p>
-        </p:txBody>
-      </p:sp>
-      <p:sp>
-        <p:nvSpPr>
-          <p:cNvPr id="109" name="PlaceHolder 2"/>
+            <a:pPr algn="ctr"/>
+            <a:endParaRPr b="0" lang="en-US" sz="4400" spc="-1" strike="noStrike">
+              <a:latin typeface="Arial"/>
+            </a:endParaRPr>
+          </a:p>
+        </p:txBody>
+      </p:sp>
+      <p:sp>
+        <p:nvSpPr>
+          <p:cNvPr id="100" name="PlaceHolder 2"/>
           <p:cNvSpPr>
             <a:spLocks noGrp="1"/>
           </p:cNvSpPr>
@@ -3118,8 +2925,8 @@
         </p:nvSpPr>
         <p:spPr>
           <a:xfrm>
-            <a:off x="838080" y="1825560"/>
-            <a:ext cx="10515240" cy="2075040"/>
+            <a:off x="609480" y="1604520"/>
+            <a:ext cx="10972440" cy="1896840"/>
           </a:xfrm>
           <a:prstGeom prst="rect">
             <a:avLst/>
@@ -3130,18 +2937,15 @@
             <a:normAutofit/>
           </a:bodyPr>
           <a:p>
-            <a:endParaRPr b="0" lang="de-DE" sz="2800" spc="-1" strike="noStrike">
-              <a:solidFill>
-                <a:srgbClr val="000000"/>
-              </a:solidFill>
-              <a:latin typeface="Calibri"/>
-            </a:endParaRPr>
-          </a:p>
-        </p:txBody>
-      </p:sp>
-      <p:sp>
-        <p:nvSpPr>
-          <p:cNvPr id="110" name="PlaceHolder 3"/>
+            <a:endParaRPr b="0" lang="en-US" sz="3200" spc="-1" strike="noStrike">
+              <a:latin typeface="Arial"/>
+            </a:endParaRPr>
+          </a:p>
+        </p:txBody>
+      </p:sp>
+      <p:sp>
+        <p:nvSpPr>
+          <p:cNvPr id="101" name="PlaceHolder 3"/>
           <p:cNvSpPr>
             <a:spLocks noGrp="1"/>
           </p:cNvSpPr>
@@ -3151,8 +2955,8 @@
         </p:nvSpPr>
         <p:spPr>
           <a:xfrm>
-            <a:off x="838080" y="4098240"/>
-            <a:ext cx="10515240" cy="2075040"/>
+            <a:off x="609480" y="3682080"/>
+            <a:ext cx="10972440" cy="1896840"/>
           </a:xfrm>
           <a:prstGeom prst="rect">
             <a:avLst/>
@@ -3163,11 +2967,8 @@
             <a:normAutofit/>
           </a:bodyPr>
           <a:p>
-            <a:endParaRPr b="0" lang="de-DE" sz="2800" spc="-1" strike="noStrike">
-              <a:solidFill>
-                <a:srgbClr val="000000"/>
-              </a:solidFill>
-              <a:latin typeface="Calibri"/>
+            <a:endParaRPr b="0" lang="en-US" sz="3200" spc="-1" strike="noStrike">
+              <a:latin typeface="Arial"/>
             </a:endParaRPr>
           </a:p>
         </p:txBody>
@@ -3196,7 +2997,7 @@
       </p:grpSpPr>
       <p:sp>
         <p:nvSpPr>
-          <p:cNvPr id="111" name="PlaceHolder 1"/>
+          <p:cNvPr id="102" name="PlaceHolder 1"/>
           <p:cNvSpPr>
             <a:spLocks noGrp="1"/>
           </p:cNvSpPr>
@@ -3206,8 +3007,8 @@
         </p:nvSpPr>
         <p:spPr>
           <a:xfrm>
-            <a:off x="838080" y="365040"/>
-            <a:ext cx="10515240" cy="1325160"/>
+            <a:off x="609480" y="273600"/>
+            <a:ext cx="10972440" cy="1144800"/>
           </a:xfrm>
           <a:prstGeom prst="rect">
             <a:avLst/>
@@ -3216,18 +3017,16 @@
         <p:txBody>
           <a:bodyPr lIns="0" rIns="0" tIns="0" bIns="0" anchor="ctr"/>
           <a:p>
-            <a:endParaRPr b="0" lang="de-DE" sz="1800" spc="-1" strike="noStrike">
-              <a:solidFill>
-                <a:srgbClr val="000000"/>
-              </a:solidFill>
-              <a:latin typeface="Calibri"/>
-            </a:endParaRPr>
-          </a:p>
-        </p:txBody>
-      </p:sp>
-      <p:sp>
-        <p:nvSpPr>
-          <p:cNvPr id="112" name="PlaceHolder 2"/>
+            <a:pPr algn="ctr"/>
+            <a:endParaRPr b="0" lang="en-US" sz="4400" spc="-1" strike="noStrike">
+              <a:latin typeface="Arial"/>
+            </a:endParaRPr>
+          </a:p>
+        </p:txBody>
+      </p:sp>
+      <p:sp>
+        <p:nvSpPr>
+          <p:cNvPr id="103" name="PlaceHolder 2"/>
           <p:cNvSpPr>
             <a:spLocks noGrp="1"/>
           </p:cNvSpPr>
@@ -3237,8 +3036,8 @@
         </p:nvSpPr>
         <p:spPr>
           <a:xfrm>
-            <a:off x="838080" y="1825560"/>
-            <a:ext cx="5131080" cy="2075040"/>
+            <a:off x="609480" y="1604520"/>
+            <a:ext cx="5354280" cy="1896840"/>
           </a:xfrm>
           <a:prstGeom prst="rect">
             <a:avLst/>
@@ -3249,18 +3048,15 @@
             <a:normAutofit/>
           </a:bodyPr>
           <a:p>
-            <a:endParaRPr b="0" lang="de-DE" sz="2800" spc="-1" strike="noStrike">
-              <a:solidFill>
-                <a:srgbClr val="000000"/>
-              </a:solidFill>
-              <a:latin typeface="Calibri"/>
-            </a:endParaRPr>
-          </a:p>
-        </p:txBody>
-      </p:sp>
-      <p:sp>
-        <p:nvSpPr>
-          <p:cNvPr id="113" name="PlaceHolder 3"/>
+            <a:endParaRPr b="0" lang="en-US" sz="3200" spc="-1" strike="noStrike">
+              <a:latin typeface="Arial"/>
+            </a:endParaRPr>
+          </a:p>
+        </p:txBody>
+      </p:sp>
+      <p:sp>
+        <p:nvSpPr>
+          <p:cNvPr id="104" name="PlaceHolder 3"/>
           <p:cNvSpPr>
             <a:spLocks noGrp="1"/>
           </p:cNvSpPr>
@@ -3270,8 +3066,8 @@
         </p:nvSpPr>
         <p:spPr>
           <a:xfrm>
-            <a:off x="6226200" y="1825560"/>
-            <a:ext cx="5131080" cy="2075040"/>
+            <a:off x="6231960" y="1604520"/>
+            <a:ext cx="5354280" cy="1896840"/>
           </a:xfrm>
           <a:prstGeom prst="rect">
             <a:avLst/>
@@ -3282,18 +3078,15 @@
             <a:normAutofit/>
           </a:bodyPr>
           <a:p>
-            <a:endParaRPr b="0" lang="de-DE" sz="2800" spc="-1" strike="noStrike">
-              <a:solidFill>
-                <a:srgbClr val="000000"/>
-              </a:solidFill>
-              <a:latin typeface="Calibri"/>
-            </a:endParaRPr>
-          </a:p>
-        </p:txBody>
-      </p:sp>
-      <p:sp>
-        <p:nvSpPr>
-          <p:cNvPr id="114" name="PlaceHolder 4"/>
+            <a:endParaRPr b="0" lang="en-US" sz="3200" spc="-1" strike="noStrike">
+              <a:latin typeface="Arial"/>
+            </a:endParaRPr>
+          </a:p>
+        </p:txBody>
+      </p:sp>
+      <p:sp>
+        <p:nvSpPr>
+          <p:cNvPr id="105" name="PlaceHolder 4"/>
           <p:cNvSpPr>
             <a:spLocks noGrp="1"/>
           </p:cNvSpPr>
@@ -3303,8 +3096,8 @@
         </p:nvSpPr>
         <p:spPr>
           <a:xfrm>
-            <a:off x="838080" y="4098240"/>
-            <a:ext cx="5131080" cy="2075040"/>
+            <a:off x="609480" y="3682080"/>
+            <a:ext cx="5354280" cy="1896840"/>
           </a:xfrm>
           <a:prstGeom prst="rect">
             <a:avLst/>
@@ -3315,18 +3108,15 @@
             <a:normAutofit/>
           </a:bodyPr>
           <a:p>
-            <a:endParaRPr b="0" lang="de-DE" sz="2800" spc="-1" strike="noStrike">
-              <a:solidFill>
-                <a:srgbClr val="000000"/>
-              </a:solidFill>
-              <a:latin typeface="Calibri"/>
-            </a:endParaRPr>
-          </a:p>
-        </p:txBody>
-      </p:sp>
-      <p:sp>
-        <p:nvSpPr>
-          <p:cNvPr id="115" name="PlaceHolder 5"/>
+            <a:endParaRPr b="0" lang="en-US" sz="3200" spc="-1" strike="noStrike">
+              <a:latin typeface="Arial"/>
+            </a:endParaRPr>
+          </a:p>
+        </p:txBody>
+      </p:sp>
+      <p:sp>
+        <p:nvSpPr>
+          <p:cNvPr id="106" name="PlaceHolder 5"/>
           <p:cNvSpPr>
             <a:spLocks noGrp="1"/>
           </p:cNvSpPr>
@@ -3336,8 +3126,8 @@
         </p:nvSpPr>
         <p:spPr>
           <a:xfrm>
-            <a:off x="6226200" y="4098240"/>
-            <a:ext cx="5131080" cy="2075040"/>
+            <a:off x="6231960" y="3682080"/>
+            <a:ext cx="5354280" cy="1896840"/>
           </a:xfrm>
           <a:prstGeom prst="rect">
             <a:avLst/>
@@ -3348,11 +3138,8 @@
             <a:normAutofit/>
           </a:bodyPr>
           <a:p>
-            <a:endParaRPr b="0" lang="de-DE" sz="2800" spc="-1" strike="noStrike">
-              <a:solidFill>
-                <a:srgbClr val="000000"/>
-              </a:solidFill>
-              <a:latin typeface="Calibri"/>
+            <a:endParaRPr b="0" lang="en-US" sz="3200" spc="-1" strike="noStrike">
+              <a:latin typeface="Arial"/>
             </a:endParaRPr>
           </a:p>
         </p:txBody>
@@ -3381,7 +3168,7 @@
       </p:grpSpPr>
       <p:sp>
         <p:nvSpPr>
-          <p:cNvPr id="116" name="PlaceHolder 1"/>
+          <p:cNvPr id="107" name="PlaceHolder 1"/>
           <p:cNvSpPr>
             <a:spLocks noGrp="1"/>
           </p:cNvSpPr>
@@ -3391,8 +3178,8 @@
         </p:nvSpPr>
         <p:spPr>
           <a:xfrm>
-            <a:off x="838080" y="365040"/>
-            <a:ext cx="10515240" cy="1325160"/>
+            <a:off x="609480" y="273600"/>
+            <a:ext cx="10972440" cy="1144800"/>
           </a:xfrm>
           <a:prstGeom prst="rect">
             <a:avLst/>
@@ -3401,18 +3188,16 @@
         <p:txBody>
           <a:bodyPr lIns="0" rIns="0" tIns="0" bIns="0" anchor="ctr"/>
           <a:p>
-            <a:endParaRPr b="0" lang="de-DE" sz="1800" spc="-1" strike="noStrike">
-              <a:solidFill>
-                <a:srgbClr val="000000"/>
-              </a:solidFill>
-              <a:latin typeface="Calibri"/>
-            </a:endParaRPr>
-          </a:p>
-        </p:txBody>
-      </p:sp>
-      <p:sp>
-        <p:nvSpPr>
-          <p:cNvPr id="117" name="PlaceHolder 2"/>
+            <a:pPr algn="ctr"/>
+            <a:endParaRPr b="0" lang="en-US" sz="4400" spc="-1" strike="noStrike">
+              <a:latin typeface="Arial"/>
+            </a:endParaRPr>
+          </a:p>
+        </p:txBody>
+      </p:sp>
+      <p:sp>
+        <p:nvSpPr>
+          <p:cNvPr id="108" name="PlaceHolder 2"/>
           <p:cNvSpPr>
             <a:spLocks noGrp="1"/>
           </p:cNvSpPr>
@@ -3422,8 +3207,8 @@
         </p:nvSpPr>
         <p:spPr>
           <a:xfrm>
-            <a:off x="838080" y="1825560"/>
-            <a:ext cx="3385800" cy="2075040"/>
+            <a:off x="609480" y="1604520"/>
+            <a:ext cx="3533040" cy="1896840"/>
           </a:xfrm>
           <a:prstGeom prst="rect">
             <a:avLst/>
@@ -3434,18 +3219,15 @@
             <a:normAutofit/>
           </a:bodyPr>
           <a:p>
-            <a:endParaRPr b="0" lang="de-DE" sz="2800" spc="-1" strike="noStrike">
-              <a:solidFill>
-                <a:srgbClr val="000000"/>
-              </a:solidFill>
-              <a:latin typeface="Calibri"/>
-            </a:endParaRPr>
-          </a:p>
-        </p:txBody>
-      </p:sp>
-      <p:sp>
-        <p:nvSpPr>
-          <p:cNvPr id="118" name="PlaceHolder 3"/>
+            <a:endParaRPr b="0" lang="en-US" sz="3200" spc="-1" strike="noStrike">
+              <a:latin typeface="Arial"/>
+            </a:endParaRPr>
+          </a:p>
+        </p:txBody>
+      </p:sp>
+      <p:sp>
+        <p:nvSpPr>
+          <p:cNvPr id="109" name="PlaceHolder 3"/>
           <p:cNvSpPr>
             <a:spLocks noGrp="1"/>
           </p:cNvSpPr>
@@ -3455,8 +3237,8 @@
         </p:nvSpPr>
         <p:spPr>
           <a:xfrm>
-            <a:off x="4393440" y="1825560"/>
-            <a:ext cx="3385800" cy="2075040"/>
+            <a:off x="4319640" y="1604520"/>
+            <a:ext cx="3533040" cy="1896840"/>
           </a:xfrm>
           <a:prstGeom prst="rect">
             <a:avLst/>
@@ -3467,18 +3249,15 @@
             <a:normAutofit/>
           </a:bodyPr>
           <a:p>
-            <a:endParaRPr b="0" lang="de-DE" sz="2800" spc="-1" strike="noStrike">
-              <a:solidFill>
-                <a:srgbClr val="000000"/>
-              </a:solidFill>
-              <a:latin typeface="Calibri"/>
-            </a:endParaRPr>
-          </a:p>
-        </p:txBody>
-      </p:sp>
-      <p:sp>
-        <p:nvSpPr>
-          <p:cNvPr id="119" name="PlaceHolder 4"/>
+            <a:endParaRPr b="0" lang="en-US" sz="3200" spc="-1" strike="noStrike">
+              <a:latin typeface="Arial"/>
+            </a:endParaRPr>
+          </a:p>
+        </p:txBody>
+      </p:sp>
+      <p:sp>
+        <p:nvSpPr>
+          <p:cNvPr id="110" name="PlaceHolder 4"/>
           <p:cNvSpPr>
             <a:spLocks noGrp="1"/>
           </p:cNvSpPr>
@@ -3488,8 +3267,8 @@
         </p:nvSpPr>
         <p:spPr>
           <a:xfrm>
-            <a:off x="7949160" y="1825560"/>
-            <a:ext cx="3385800" cy="2075040"/>
+            <a:off x="8029800" y="1604520"/>
+            <a:ext cx="3533040" cy="1896840"/>
           </a:xfrm>
           <a:prstGeom prst="rect">
             <a:avLst/>
@@ -3500,18 +3279,15 @@
             <a:normAutofit/>
           </a:bodyPr>
           <a:p>
-            <a:endParaRPr b="0" lang="de-DE" sz="2800" spc="-1" strike="noStrike">
-              <a:solidFill>
-                <a:srgbClr val="000000"/>
-              </a:solidFill>
-              <a:latin typeface="Calibri"/>
-            </a:endParaRPr>
-          </a:p>
-        </p:txBody>
-      </p:sp>
-      <p:sp>
-        <p:nvSpPr>
-          <p:cNvPr id="120" name="PlaceHolder 5"/>
+            <a:endParaRPr b="0" lang="en-US" sz="3200" spc="-1" strike="noStrike">
+              <a:latin typeface="Arial"/>
+            </a:endParaRPr>
+          </a:p>
+        </p:txBody>
+      </p:sp>
+      <p:sp>
+        <p:nvSpPr>
+          <p:cNvPr id="111" name="PlaceHolder 5"/>
           <p:cNvSpPr>
             <a:spLocks noGrp="1"/>
           </p:cNvSpPr>
@@ -3521,8 +3297,8 @@
         </p:nvSpPr>
         <p:spPr>
           <a:xfrm>
-            <a:off x="838080" y="4098240"/>
-            <a:ext cx="3385800" cy="2075040"/>
+            <a:off x="609480" y="3682080"/>
+            <a:ext cx="3533040" cy="1896840"/>
           </a:xfrm>
           <a:prstGeom prst="rect">
             <a:avLst/>
@@ -3533,18 +3309,15 @@
             <a:normAutofit/>
           </a:bodyPr>
           <a:p>
-            <a:endParaRPr b="0" lang="de-DE" sz="2800" spc="-1" strike="noStrike">
-              <a:solidFill>
-                <a:srgbClr val="000000"/>
-              </a:solidFill>
-              <a:latin typeface="Calibri"/>
-            </a:endParaRPr>
-          </a:p>
-        </p:txBody>
-      </p:sp>
-      <p:sp>
-        <p:nvSpPr>
-          <p:cNvPr id="121" name="PlaceHolder 6"/>
+            <a:endParaRPr b="0" lang="en-US" sz="3200" spc="-1" strike="noStrike">
+              <a:latin typeface="Arial"/>
+            </a:endParaRPr>
+          </a:p>
+        </p:txBody>
+      </p:sp>
+      <p:sp>
+        <p:nvSpPr>
+          <p:cNvPr id="112" name="PlaceHolder 6"/>
           <p:cNvSpPr>
             <a:spLocks noGrp="1"/>
           </p:cNvSpPr>
@@ -3554,8 +3327,8 @@
         </p:nvSpPr>
         <p:spPr>
           <a:xfrm>
-            <a:off x="4393440" y="4098240"/>
-            <a:ext cx="3385800" cy="2075040"/>
+            <a:off x="4319640" y="3682080"/>
+            <a:ext cx="3533040" cy="1896840"/>
           </a:xfrm>
           <a:prstGeom prst="rect">
             <a:avLst/>
@@ -3566,18 +3339,15 @@
             <a:normAutofit/>
           </a:bodyPr>
           <a:p>
-            <a:endParaRPr b="0" lang="de-DE" sz="2800" spc="-1" strike="noStrike">
-              <a:solidFill>
-                <a:srgbClr val="000000"/>
-              </a:solidFill>
-              <a:latin typeface="Calibri"/>
-            </a:endParaRPr>
-          </a:p>
-        </p:txBody>
-      </p:sp>
-      <p:sp>
-        <p:nvSpPr>
-          <p:cNvPr id="122" name="PlaceHolder 7"/>
+            <a:endParaRPr b="0" lang="en-US" sz="3200" spc="-1" strike="noStrike">
+              <a:latin typeface="Arial"/>
+            </a:endParaRPr>
+          </a:p>
+        </p:txBody>
+      </p:sp>
+      <p:sp>
+        <p:nvSpPr>
+          <p:cNvPr id="113" name="PlaceHolder 7"/>
           <p:cNvSpPr>
             <a:spLocks noGrp="1"/>
           </p:cNvSpPr>
@@ -3587,8 +3357,8 @@
         </p:nvSpPr>
         <p:spPr>
           <a:xfrm>
-            <a:off x="7949160" y="4098240"/>
-            <a:ext cx="3385800" cy="2075040"/>
+            <a:off x="8029800" y="3682080"/>
+            <a:ext cx="3533040" cy="1896840"/>
           </a:xfrm>
           <a:prstGeom prst="rect">
             <a:avLst/>
@@ -3599,11 +3369,8 @@
             <a:normAutofit/>
           </a:bodyPr>
           <a:p>
-            <a:endParaRPr b="0" lang="de-DE" sz="2800" spc="-1" strike="noStrike">
-              <a:solidFill>
-                <a:srgbClr val="000000"/>
-              </a:solidFill>
-              <a:latin typeface="Calibri"/>
+            <a:endParaRPr b="0" lang="en-US" sz="3200" spc="-1" strike="noStrike">
+              <a:latin typeface="Arial"/>
             </a:endParaRPr>
           </a:p>
         </p:txBody>
@@ -3632,7 +3399,7 @@
       </p:grpSpPr>
       <p:sp>
         <p:nvSpPr>
-          <p:cNvPr id="9" name="PlaceHolder 1"/>
+          <p:cNvPr id="6" name="PlaceHolder 1"/>
           <p:cNvSpPr>
             <a:spLocks noGrp="1"/>
           </p:cNvSpPr>
@@ -3642,8 +3409,8 @@
         </p:nvSpPr>
         <p:spPr>
           <a:xfrm>
-            <a:off x="838080" y="365040"/>
-            <a:ext cx="10515240" cy="1325160"/>
+            <a:off x="609480" y="273600"/>
+            <a:ext cx="10972440" cy="1144800"/>
           </a:xfrm>
           <a:prstGeom prst="rect">
             <a:avLst/>
@@ -3652,18 +3419,16 @@
         <p:txBody>
           <a:bodyPr lIns="0" rIns="0" tIns="0" bIns="0" anchor="ctr"/>
           <a:p>
-            <a:endParaRPr b="0" lang="de-DE" sz="1800" spc="-1" strike="noStrike">
-              <a:solidFill>
-                <a:srgbClr val="000000"/>
-              </a:solidFill>
-              <a:latin typeface="Calibri"/>
-            </a:endParaRPr>
-          </a:p>
-        </p:txBody>
-      </p:sp>
-      <p:sp>
-        <p:nvSpPr>
-          <p:cNvPr id="10" name="PlaceHolder 2"/>
+            <a:pPr algn="ctr"/>
+            <a:endParaRPr b="0" lang="en-US" sz="4400" spc="-1" strike="noStrike">
+              <a:latin typeface="Arial"/>
+            </a:endParaRPr>
+          </a:p>
+        </p:txBody>
+      </p:sp>
+      <p:sp>
+        <p:nvSpPr>
+          <p:cNvPr id="7" name="PlaceHolder 2"/>
           <p:cNvSpPr>
             <a:spLocks noGrp="1"/>
           </p:cNvSpPr>
@@ -3673,8 +3438,8 @@
         </p:nvSpPr>
         <p:spPr>
           <a:xfrm>
-            <a:off x="838080" y="1825560"/>
-            <a:ext cx="5131080" cy="4350960"/>
+            <a:off x="609480" y="1604520"/>
+            <a:ext cx="5354280" cy="3977280"/>
           </a:xfrm>
           <a:prstGeom prst="rect">
             <a:avLst/>
@@ -3685,18 +3450,15 @@
             <a:normAutofit/>
           </a:bodyPr>
           <a:p>
-            <a:endParaRPr b="0" lang="de-DE" sz="2800" spc="-1" strike="noStrike">
-              <a:solidFill>
-                <a:srgbClr val="000000"/>
-              </a:solidFill>
-              <a:latin typeface="Calibri"/>
-            </a:endParaRPr>
-          </a:p>
-        </p:txBody>
-      </p:sp>
-      <p:sp>
-        <p:nvSpPr>
-          <p:cNvPr id="11" name="PlaceHolder 3"/>
+            <a:endParaRPr b="0" lang="en-US" sz="3200" spc="-1" strike="noStrike">
+              <a:latin typeface="Arial"/>
+            </a:endParaRPr>
+          </a:p>
+        </p:txBody>
+      </p:sp>
+      <p:sp>
+        <p:nvSpPr>
+          <p:cNvPr id="8" name="PlaceHolder 3"/>
           <p:cNvSpPr>
             <a:spLocks noGrp="1"/>
           </p:cNvSpPr>
@@ -3706,8 +3468,8 @@
         </p:nvSpPr>
         <p:spPr>
           <a:xfrm>
-            <a:off x="6226200" y="1825560"/>
-            <a:ext cx="5131080" cy="4350960"/>
+            <a:off x="6231960" y="1604520"/>
+            <a:ext cx="5354280" cy="3977280"/>
           </a:xfrm>
           <a:prstGeom prst="rect">
             <a:avLst/>
@@ -3718,11 +3480,8 @@
             <a:normAutofit/>
           </a:bodyPr>
           <a:p>
-            <a:endParaRPr b="0" lang="de-DE" sz="2800" spc="-1" strike="noStrike">
-              <a:solidFill>
-                <a:srgbClr val="000000"/>
-              </a:solidFill>
-              <a:latin typeface="Calibri"/>
+            <a:endParaRPr b="0" lang="en-US" sz="3200" spc="-1" strike="noStrike">
+              <a:latin typeface="Arial"/>
             </a:endParaRPr>
           </a:p>
         </p:txBody>
@@ -3751,7 +3510,7 @@
       </p:grpSpPr>
       <p:sp>
         <p:nvSpPr>
-          <p:cNvPr id="12" name="PlaceHolder 1"/>
+          <p:cNvPr id="9" name="PlaceHolder 1"/>
           <p:cNvSpPr>
             <a:spLocks noGrp="1"/>
           </p:cNvSpPr>
@@ -3761,8 +3520,8 @@
         </p:nvSpPr>
         <p:spPr>
           <a:xfrm>
-            <a:off x="838080" y="365040"/>
-            <a:ext cx="10515240" cy="1325160"/>
+            <a:off x="609480" y="273600"/>
+            <a:ext cx="10972440" cy="1144800"/>
           </a:xfrm>
           <a:prstGeom prst="rect">
             <a:avLst/>
@@ -3771,11 +3530,9 @@
         <p:txBody>
           <a:bodyPr lIns="0" rIns="0" tIns="0" bIns="0" anchor="ctr"/>
           <a:p>
-            <a:endParaRPr b="0" lang="de-DE" sz="1800" spc="-1" strike="noStrike">
-              <a:solidFill>
-                <a:srgbClr val="000000"/>
-              </a:solidFill>
-              <a:latin typeface="Calibri"/>
+            <a:pPr algn="ctr"/>
+            <a:endParaRPr b="0" lang="en-US" sz="4400" spc="-1" strike="noStrike">
+              <a:latin typeface="Arial"/>
             </a:endParaRPr>
           </a:p>
         </p:txBody>
@@ -3804,7 +3561,7 @@
       </p:grpSpPr>
       <p:sp>
         <p:nvSpPr>
-          <p:cNvPr id="13" name="PlaceHolder 1"/>
+          <p:cNvPr id="10" name="PlaceHolder 1"/>
           <p:cNvSpPr>
             <a:spLocks noGrp="1"/>
           </p:cNvSpPr>
@@ -3814,8 +3571,8 @@
         </p:nvSpPr>
         <p:spPr>
           <a:xfrm>
-            <a:off x="838080" y="365040"/>
-            <a:ext cx="10515240" cy="6144120"/>
+            <a:off x="609480" y="273600"/>
+            <a:ext cx="10972440" cy="5307840"/>
           </a:xfrm>
           <a:prstGeom prst="rect">
             <a:avLst/>
@@ -3855,7 +3612,7 @@
       </p:grpSpPr>
       <p:sp>
         <p:nvSpPr>
-          <p:cNvPr id="14" name="PlaceHolder 1"/>
+          <p:cNvPr id="11" name="PlaceHolder 1"/>
           <p:cNvSpPr>
             <a:spLocks noGrp="1"/>
           </p:cNvSpPr>
@@ -3865,8 +3622,8 @@
         </p:nvSpPr>
         <p:spPr>
           <a:xfrm>
-            <a:off x="838080" y="365040"/>
-            <a:ext cx="10515240" cy="1325160"/>
+            <a:off x="609480" y="273600"/>
+            <a:ext cx="10972440" cy="1144800"/>
           </a:xfrm>
           <a:prstGeom prst="rect">
             <a:avLst/>
@@ -3875,18 +3632,16 @@
         <p:txBody>
           <a:bodyPr lIns="0" rIns="0" tIns="0" bIns="0" anchor="ctr"/>
           <a:p>
-            <a:endParaRPr b="0" lang="de-DE" sz="1800" spc="-1" strike="noStrike">
-              <a:solidFill>
-                <a:srgbClr val="000000"/>
-              </a:solidFill>
-              <a:latin typeface="Calibri"/>
-            </a:endParaRPr>
-          </a:p>
-        </p:txBody>
-      </p:sp>
-      <p:sp>
-        <p:nvSpPr>
-          <p:cNvPr id="15" name="PlaceHolder 2"/>
+            <a:pPr algn="ctr"/>
+            <a:endParaRPr b="0" lang="en-US" sz="4400" spc="-1" strike="noStrike">
+              <a:latin typeface="Arial"/>
+            </a:endParaRPr>
+          </a:p>
+        </p:txBody>
+      </p:sp>
+      <p:sp>
+        <p:nvSpPr>
+          <p:cNvPr id="12" name="PlaceHolder 2"/>
           <p:cNvSpPr>
             <a:spLocks noGrp="1"/>
           </p:cNvSpPr>
@@ -3896,8 +3651,8 @@
         </p:nvSpPr>
         <p:spPr>
           <a:xfrm>
-            <a:off x="838080" y="1825560"/>
-            <a:ext cx="5131080" cy="2075040"/>
+            <a:off x="609480" y="1604520"/>
+            <a:ext cx="5354280" cy="1896840"/>
           </a:xfrm>
           <a:prstGeom prst="rect">
             <a:avLst/>
@@ -3908,18 +3663,15 @@
             <a:normAutofit/>
           </a:bodyPr>
           <a:p>
-            <a:endParaRPr b="0" lang="de-DE" sz="2800" spc="-1" strike="noStrike">
-              <a:solidFill>
-                <a:srgbClr val="000000"/>
-              </a:solidFill>
-              <a:latin typeface="Calibri"/>
-            </a:endParaRPr>
-          </a:p>
-        </p:txBody>
-      </p:sp>
-      <p:sp>
-        <p:nvSpPr>
-          <p:cNvPr id="16" name="PlaceHolder 3"/>
+            <a:endParaRPr b="0" lang="en-US" sz="3200" spc="-1" strike="noStrike">
+              <a:latin typeface="Arial"/>
+            </a:endParaRPr>
+          </a:p>
+        </p:txBody>
+      </p:sp>
+      <p:sp>
+        <p:nvSpPr>
+          <p:cNvPr id="13" name="PlaceHolder 3"/>
           <p:cNvSpPr>
             <a:spLocks noGrp="1"/>
           </p:cNvSpPr>
@@ -3929,8 +3681,8 @@
         </p:nvSpPr>
         <p:spPr>
           <a:xfrm>
-            <a:off x="6226200" y="1825560"/>
-            <a:ext cx="5131080" cy="4350960"/>
+            <a:off x="6231960" y="1604520"/>
+            <a:ext cx="5354280" cy="3977280"/>
           </a:xfrm>
           <a:prstGeom prst="rect">
             <a:avLst/>
@@ -3941,18 +3693,15 @@
             <a:normAutofit/>
           </a:bodyPr>
           <a:p>
-            <a:endParaRPr b="0" lang="de-DE" sz="2800" spc="-1" strike="noStrike">
-              <a:solidFill>
-                <a:srgbClr val="000000"/>
-              </a:solidFill>
-              <a:latin typeface="Calibri"/>
-            </a:endParaRPr>
-          </a:p>
-        </p:txBody>
-      </p:sp>
-      <p:sp>
-        <p:nvSpPr>
-          <p:cNvPr id="17" name="PlaceHolder 4"/>
+            <a:endParaRPr b="0" lang="en-US" sz="3200" spc="-1" strike="noStrike">
+              <a:latin typeface="Arial"/>
+            </a:endParaRPr>
+          </a:p>
+        </p:txBody>
+      </p:sp>
+      <p:sp>
+        <p:nvSpPr>
+          <p:cNvPr id="14" name="PlaceHolder 4"/>
           <p:cNvSpPr>
             <a:spLocks noGrp="1"/>
           </p:cNvSpPr>
@@ -3962,8 +3711,8 @@
         </p:nvSpPr>
         <p:spPr>
           <a:xfrm>
-            <a:off x="838080" y="4098240"/>
-            <a:ext cx="5131080" cy="2075040"/>
+            <a:off x="609480" y="3682080"/>
+            <a:ext cx="5354280" cy="1896840"/>
           </a:xfrm>
           <a:prstGeom prst="rect">
             <a:avLst/>
@@ -3974,11 +3723,8 @@
             <a:normAutofit/>
           </a:bodyPr>
           <a:p>
-            <a:endParaRPr b="0" lang="de-DE" sz="2800" spc="-1" strike="noStrike">
-              <a:solidFill>
-                <a:srgbClr val="000000"/>
-              </a:solidFill>
-              <a:latin typeface="Calibri"/>
+            <a:endParaRPr b="0" lang="en-US" sz="3200" spc="-1" strike="noStrike">
+              <a:latin typeface="Arial"/>
             </a:endParaRPr>
           </a:p>
         </p:txBody>
@@ -4007,7 +3753,7 @@
       </p:grpSpPr>
       <p:sp>
         <p:nvSpPr>
-          <p:cNvPr id="18" name="PlaceHolder 1"/>
+          <p:cNvPr id="15" name="PlaceHolder 1"/>
           <p:cNvSpPr>
             <a:spLocks noGrp="1"/>
           </p:cNvSpPr>
@@ -4017,8 +3763,8 @@
         </p:nvSpPr>
         <p:spPr>
           <a:xfrm>
-            <a:off x="838080" y="365040"/>
-            <a:ext cx="10515240" cy="1325160"/>
+            <a:off x="609480" y="273600"/>
+            <a:ext cx="10972440" cy="1144800"/>
           </a:xfrm>
           <a:prstGeom prst="rect">
             <a:avLst/>
@@ -4027,18 +3773,16 @@
         <p:txBody>
           <a:bodyPr lIns="0" rIns="0" tIns="0" bIns="0" anchor="ctr"/>
           <a:p>
-            <a:endParaRPr b="0" lang="de-DE" sz="1800" spc="-1" strike="noStrike">
-              <a:solidFill>
-                <a:srgbClr val="000000"/>
-              </a:solidFill>
-              <a:latin typeface="Calibri"/>
-            </a:endParaRPr>
-          </a:p>
-        </p:txBody>
-      </p:sp>
-      <p:sp>
-        <p:nvSpPr>
-          <p:cNvPr id="19" name="PlaceHolder 2"/>
+            <a:pPr algn="ctr"/>
+            <a:endParaRPr b="0" lang="en-US" sz="4400" spc="-1" strike="noStrike">
+              <a:latin typeface="Arial"/>
+            </a:endParaRPr>
+          </a:p>
+        </p:txBody>
+      </p:sp>
+      <p:sp>
+        <p:nvSpPr>
+          <p:cNvPr id="16" name="PlaceHolder 2"/>
           <p:cNvSpPr>
             <a:spLocks noGrp="1"/>
           </p:cNvSpPr>
@@ -4048,8 +3792,8 @@
         </p:nvSpPr>
         <p:spPr>
           <a:xfrm>
-            <a:off x="838080" y="1825560"/>
-            <a:ext cx="5131080" cy="4350960"/>
+            <a:off x="609480" y="1604520"/>
+            <a:ext cx="5354280" cy="3977280"/>
           </a:xfrm>
           <a:prstGeom prst="rect">
             <a:avLst/>
@@ -4060,18 +3804,15 @@
             <a:normAutofit/>
           </a:bodyPr>
           <a:p>
-            <a:endParaRPr b="0" lang="de-DE" sz="2800" spc="-1" strike="noStrike">
-              <a:solidFill>
-                <a:srgbClr val="000000"/>
-              </a:solidFill>
-              <a:latin typeface="Calibri"/>
-            </a:endParaRPr>
-          </a:p>
-        </p:txBody>
-      </p:sp>
-      <p:sp>
-        <p:nvSpPr>
-          <p:cNvPr id="20" name="PlaceHolder 3"/>
+            <a:endParaRPr b="0" lang="en-US" sz="3200" spc="-1" strike="noStrike">
+              <a:latin typeface="Arial"/>
+            </a:endParaRPr>
+          </a:p>
+        </p:txBody>
+      </p:sp>
+      <p:sp>
+        <p:nvSpPr>
+          <p:cNvPr id="17" name="PlaceHolder 3"/>
           <p:cNvSpPr>
             <a:spLocks noGrp="1"/>
           </p:cNvSpPr>
@@ -4081,8 +3822,8 @@
         </p:nvSpPr>
         <p:spPr>
           <a:xfrm>
-            <a:off x="6226200" y="1825560"/>
-            <a:ext cx="5131080" cy="2075040"/>
+            <a:off x="6231960" y="1604520"/>
+            <a:ext cx="5354280" cy="1896840"/>
           </a:xfrm>
           <a:prstGeom prst="rect">
             <a:avLst/>
@@ -4093,18 +3834,15 @@
             <a:normAutofit/>
           </a:bodyPr>
           <a:p>
-            <a:endParaRPr b="0" lang="de-DE" sz="2800" spc="-1" strike="noStrike">
-              <a:solidFill>
-                <a:srgbClr val="000000"/>
-              </a:solidFill>
-              <a:latin typeface="Calibri"/>
-            </a:endParaRPr>
-          </a:p>
-        </p:txBody>
-      </p:sp>
-      <p:sp>
-        <p:nvSpPr>
-          <p:cNvPr id="21" name="PlaceHolder 4"/>
+            <a:endParaRPr b="0" lang="en-US" sz="3200" spc="-1" strike="noStrike">
+              <a:latin typeface="Arial"/>
+            </a:endParaRPr>
+          </a:p>
+        </p:txBody>
+      </p:sp>
+      <p:sp>
+        <p:nvSpPr>
+          <p:cNvPr id="18" name="PlaceHolder 4"/>
           <p:cNvSpPr>
             <a:spLocks noGrp="1"/>
           </p:cNvSpPr>
@@ -4114,8 +3852,8 @@
         </p:nvSpPr>
         <p:spPr>
           <a:xfrm>
-            <a:off x="6226200" y="4098240"/>
-            <a:ext cx="5131080" cy="2075040"/>
+            <a:off x="6231960" y="3682080"/>
+            <a:ext cx="5354280" cy="1896840"/>
           </a:xfrm>
           <a:prstGeom prst="rect">
             <a:avLst/>
@@ -4126,11 +3864,8 @@
             <a:normAutofit/>
           </a:bodyPr>
           <a:p>
-            <a:endParaRPr b="0" lang="de-DE" sz="2800" spc="-1" strike="noStrike">
-              <a:solidFill>
-                <a:srgbClr val="000000"/>
-              </a:solidFill>
-              <a:latin typeface="Calibri"/>
+            <a:endParaRPr b="0" lang="en-US" sz="3200" spc="-1" strike="noStrike">
+              <a:latin typeface="Arial"/>
             </a:endParaRPr>
           </a:p>
         </p:txBody>
@@ -4159,7 +3894,7 @@
       </p:grpSpPr>
       <p:sp>
         <p:nvSpPr>
-          <p:cNvPr id="22" name="PlaceHolder 1"/>
+          <p:cNvPr id="19" name="PlaceHolder 1"/>
           <p:cNvSpPr>
             <a:spLocks noGrp="1"/>
           </p:cNvSpPr>
@@ -4169,8 +3904,8 @@
         </p:nvSpPr>
         <p:spPr>
           <a:xfrm>
-            <a:off x="838080" y="365040"/>
-            <a:ext cx="10515240" cy="1325160"/>
+            <a:off x="609480" y="273600"/>
+            <a:ext cx="10972440" cy="1144800"/>
           </a:xfrm>
           <a:prstGeom prst="rect">
             <a:avLst/>
@@ -4179,18 +3914,16 @@
         <p:txBody>
           <a:bodyPr lIns="0" rIns="0" tIns="0" bIns="0" anchor="ctr"/>
           <a:p>
-            <a:endParaRPr b="0" lang="de-DE" sz="1800" spc="-1" strike="noStrike">
-              <a:solidFill>
-                <a:srgbClr val="000000"/>
-              </a:solidFill>
-              <a:latin typeface="Calibri"/>
-            </a:endParaRPr>
-          </a:p>
-        </p:txBody>
-      </p:sp>
-      <p:sp>
-        <p:nvSpPr>
-          <p:cNvPr id="23" name="PlaceHolder 2"/>
+            <a:pPr algn="ctr"/>
+            <a:endParaRPr b="0" lang="en-US" sz="4400" spc="-1" strike="noStrike">
+              <a:latin typeface="Arial"/>
+            </a:endParaRPr>
+          </a:p>
+        </p:txBody>
+      </p:sp>
+      <p:sp>
+        <p:nvSpPr>
+          <p:cNvPr id="20" name="PlaceHolder 2"/>
           <p:cNvSpPr>
             <a:spLocks noGrp="1"/>
           </p:cNvSpPr>
@@ -4200,8 +3933,8 @@
         </p:nvSpPr>
         <p:spPr>
           <a:xfrm>
-            <a:off x="838080" y="1825560"/>
-            <a:ext cx="5131080" cy="2075040"/>
+            <a:off x="609480" y="1604520"/>
+            <a:ext cx="5354280" cy="1896840"/>
           </a:xfrm>
           <a:prstGeom prst="rect">
             <a:avLst/>
@@ -4212,18 +3945,15 @@
             <a:normAutofit/>
           </a:bodyPr>
           <a:p>
-            <a:endParaRPr b="0" lang="de-DE" sz="2800" spc="-1" strike="noStrike">
-              <a:solidFill>
-                <a:srgbClr val="000000"/>
-              </a:solidFill>
-              <a:latin typeface="Calibri"/>
-            </a:endParaRPr>
-          </a:p>
-        </p:txBody>
-      </p:sp>
-      <p:sp>
-        <p:nvSpPr>
-          <p:cNvPr id="24" name="PlaceHolder 3"/>
+            <a:endParaRPr b="0" lang="en-US" sz="3200" spc="-1" strike="noStrike">
+              <a:latin typeface="Arial"/>
+            </a:endParaRPr>
+          </a:p>
+        </p:txBody>
+      </p:sp>
+      <p:sp>
+        <p:nvSpPr>
+          <p:cNvPr id="21" name="PlaceHolder 3"/>
           <p:cNvSpPr>
             <a:spLocks noGrp="1"/>
           </p:cNvSpPr>
@@ -4233,8 +3963,8 @@
         </p:nvSpPr>
         <p:spPr>
           <a:xfrm>
-            <a:off x="6226200" y="1825560"/>
-            <a:ext cx="5131080" cy="2075040"/>
+            <a:off x="6231960" y="1604520"/>
+            <a:ext cx="5354280" cy="1896840"/>
           </a:xfrm>
           <a:prstGeom prst="rect">
             <a:avLst/>
@@ -4245,18 +3975,15 @@
             <a:normAutofit/>
           </a:bodyPr>
           <a:p>
-            <a:endParaRPr b="0" lang="de-DE" sz="2800" spc="-1" strike="noStrike">
-              <a:solidFill>
-                <a:srgbClr val="000000"/>
-              </a:solidFill>
-              <a:latin typeface="Calibri"/>
-            </a:endParaRPr>
-          </a:p>
-        </p:txBody>
-      </p:sp>
-      <p:sp>
-        <p:nvSpPr>
-          <p:cNvPr id="25" name="PlaceHolder 4"/>
+            <a:endParaRPr b="0" lang="en-US" sz="3200" spc="-1" strike="noStrike">
+              <a:latin typeface="Arial"/>
+            </a:endParaRPr>
+          </a:p>
+        </p:txBody>
+      </p:sp>
+      <p:sp>
+        <p:nvSpPr>
+          <p:cNvPr id="22" name="PlaceHolder 4"/>
           <p:cNvSpPr>
             <a:spLocks noGrp="1"/>
           </p:cNvSpPr>
@@ -4266,8 +3993,8 @@
         </p:nvSpPr>
         <p:spPr>
           <a:xfrm>
-            <a:off x="838080" y="4098240"/>
-            <a:ext cx="10515240" cy="2075040"/>
+            <a:off x="609480" y="3682080"/>
+            <a:ext cx="10972440" cy="1896840"/>
           </a:xfrm>
           <a:prstGeom prst="rect">
             <a:avLst/>
@@ -4278,11 +4005,8 @@
             <a:normAutofit/>
           </a:bodyPr>
           <a:p>
-            <a:endParaRPr b="0" lang="de-DE" sz="2800" spc="-1" strike="noStrike">
-              <a:solidFill>
-                <a:srgbClr val="000000"/>
-              </a:solidFill>
-              <a:latin typeface="Calibri"/>
+            <a:endParaRPr b="0" lang="en-US" sz="3200" spc="-1" strike="noStrike">
+              <a:latin typeface="Arial"/>
             </a:endParaRPr>
           </a:p>
         </p:txBody>
@@ -4328,116 +4052,24 @@
         </p:nvSpPr>
         <p:spPr>
           <a:xfrm>
-            <a:off x="1523880" y="1122480"/>
-            <a:ext cx="9143640" cy="2387160"/>
-          </a:xfrm>
-          <a:prstGeom prst="rect">
-            <a:avLst/>
-          </a:prstGeom>
-        </p:spPr>
-        <p:txBody>
-          <a:bodyPr anchor="b"/>
-          <a:p>
-            <a:pPr algn="ctr">
-              <a:lnSpc>
-                <a:spcPct val="90000"/>
-              </a:lnSpc>
-            </a:pPr>
+            <a:off x="838080" y="365040"/>
+            <a:ext cx="10514880" cy="1324800"/>
+          </a:xfrm>
+          <a:prstGeom prst="rect">
+            <a:avLst/>
+          </a:prstGeom>
+        </p:spPr>
+        <p:txBody>
+          <a:bodyPr lIns="0" rIns="0" tIns="0" bIns="0" anchor="ctr"/>
+          <a:p>
             <a:r>
-              <a:rPr b="0" lang="de-DE" sz="6000" spc="-1" strike="noStrike">
-                <a:solidFill>
-                  <a:srgbClr val="000000"/>
-                </a:solidFill>
-                <a:latin typeface="Calibri Light"/>
+              <a:rPr b="0" lang="en-US" sz="1800" spc="-1" strike="noStrike">
+                <a:latin typeface="Arial"/>
               </a:rPr>
-              <a:t>Ma</a:t>
+              <a:t>Click to edit the title text format</a:t>
             </a:r>
-            <a:r>
-              <a:rPr b="0" lang="de-DE" sz="6000" spc="-1" strike="noStrike">
-                <a:solidFill>
-                  <a:srgbClr val="000000"/>
-                </a:solidFill>
-                <a:latin typeface="Calibri Light"/>
-              </a:rPr>
-              <a:t>ste</a:t>
-            </a:r>
-            <a:r>
-              <a:rPr b="0" lang="de-DE" sz="6000" spc="-1" strike="noStrike">
-                <a:solidFill>
-                  <a:srgbClr val="000000"/>
-                </a:solidFill>
-                <a:latin typeface="Calibri Light"/>
-              </a:rPr>
-              <a:t>rtit</a:t>
-            </a:r>
-            <a:r>
-              <a:rPr b="0" lang="de-DE" sz="6000" spc="-1" strike="noStrike">
-                <a:solidFill>
-                  <a:srgbClr val="000000"/>
-                </a:solidFill>
-                <a:latin typeface="Calibri Light"/>
-              </a:rPr>
-              <a:t>elfo</a:t>
-            </a:r>
-            <a:r>
-              <a:rPr b="0" lang="de-DE" sz="6000" spc="-1" strike="noStrike">
-                <a:solidFill>
-                  <a:srgbClr val="000000"/>
-                </a:solidFill>
-                <a:latin typeface="Calibri Light"/>
-              </a:rPr>
-              <a:t>rm</a:t>
-            </a:r>
-            <a:r>
-              <a:rPr b="0" lang="de-DE" sz="6000" spc="-1" strike="noStrike">
-                <a:solidFill>
-                  <a:srgbClr val="000000"/>
-                </a:solidFill>
-                <a:latin typeface="Calibri Light"/>
-              </a:rPr>
-              <a:t>at </a:t>
-            </a:r>
-            <a:r>
-              <a:rPr b="0" lang="de-DE" sz="6000" spc="-1" strike="noStrike">
-                <a:solidFill>
-                  <a:srgbClr val="000000"/>
-                </a:solidFill>
-                <a:latin typeface="Calibri Light"/>
-              </a:rPr>
-              <a:t>be</a:t>
-            </a:r>
-            <a:r>
-              <a:rPr b="0" lang="de-DE" sz="6000" spc="-1" strike="noStrike">
-                <a:solidFill>
-                  <a:srgbClr val="000000"/>
-                </a:solidFill>
-                <a:latin typeface="Calibri Light"/>
-              </a:rPr>
-              <a:t>arb</a:t>
-            </a:r>
-            <a:r>
-              <a:rPr b="0" lang="de-DE" sz="6000" spc="-1" strike="noStrike">
-                <a:solidFill>
-                  <a:srgbClr val="000000"/>
-                </a:solidFill>
-                <a:latin typeface="Calibri Light"/>
-              </a:rPr>
-              <a:t>eit</a:t>
-            </a:r>
-            <a:r>
-              <a:rPr b="0" lang="de-DE" sz="6000" spc="-1" strike="noStrike">
-                <a:solidFill>
-                  <a:srgbClr val="000000"/>
-                </a:solidFill>
-                <a:latin typeface="Calibri Light"/>
-              </a:rPr>
-              <a:t>en</a:t>
-            </a:r>
-            <a:endParaRPr b="0" lang="de-DE" sz="6000" spc="-1" strike="noStrike">
-              <a:solidFill>
-                <a:srgbClr val="000000"/>
-              </a:solidFill>
-              <a:latin typeface="Calibri"/>
+            <a:endParaRPr b="0" lang="en-US" sz="1800" spc="-1" strike="noStrike">
+              <a:latin typeface="Arial"/>
             </a:endParaRPr>
           </a:p>
         </p:txBody>
@@ -4445,118 +4077,6 @@
       <p:sp>
         <p:nvSpPr>
           <p:cNvPr id="1" name="PlaceHolder 2"/>
-          <p:cNvSpPr>
-            <a:spLocks noGrp="1"/>
-          </p:cNvSpPr>
-          <p:nvPr>
-            <p:ph type="dt"/>
-          </p:nvPr>
-        </p:nvSpPr>
-        <p:spPr>
-          <a:xfrm>
-            <a:off x="838080" y="6356520"/>
-            <a:ext cx="2742840" cy="364680"/>
-          </a:xfrm>
-          <a:prstGeom prst="rect">
-            <a:avLst/>
-          </a:prstGeom>
-        </p:spPr>
-        <p:txBody>
-          <a:bodyPr anchor="ctr"/>
-          <a:p>
-            <a:pPr>
-              <a:lnSpc>
-                <a:spcPct val="100000"/>
-              </a:lnSpc>
-            </a:pPr>
-            <a:fld id="{DD365102-4BC4-444B-942A-A88FA782E2AC}" type="datetime">
-              <a:rPr b="0" lang="en-US" sz="1200" spc="-1" strike="noStrike">
-                <a:solidFill>
-                  <a:srgbClr val="8b8b8b"/>
-                </a:solidFill>
-                <a:latin typeface="Calibri"/>
-              </a:rPr>
-              <a:t>6/6/19</a:t>
-            </a:fld>
-            <a:endParaRPr b="0" lang="en-US" sz="1200" spc="-1" strike="noStrike">
-              <a:latin typeface="Times New Roman"/>
-            </a:endParaRPr>
-          </a:p>
-        </p:txBody>
-      </p:sp>
-      <p:sp>
-        <p:nvSpPr>
-          <p:cNvPr id="2" name="PlaceHolder 3"/>
-          <p:cNvSpPr>
-            <a:spLocks noGrp="1"/>
-          </p:cNvSpPr>
-          <p:nvPr>
-            <p:ph type="ftr"/>
-          </p:nvPr>
-        </p:nvSpPr>
-        <p:spPr>
-          <a:xfrm>
-            <a:off x="4038480" y="6356520"/>
-            <a:ext cx="4114440" cy="364680"/>
-          </a:xfrm>
-          <a:prstGeom prst="rect">
-            <a:avLst/>
-          </a:prstGeom>
-        </p:spPr>
-        <p:txBody>
-          <a:bodyPr anchor="ctr"/>
-          <a:p>
-            <a:endParaRPr b="0" lang="en-US" sz="2400" spc="-1" strike="noStrike">
-              <a:latin typeface="Times New Roman"/>
-            </a:endParaRPr>
-          </a:p>
-        </p:txBody>
-      </p:sp>
-      <p:sp>
-        <p:nvSpPr>
-          <p:cNvPr id="3" name="PlaceHolder 4"/>
-          <p:cNvSpPr>
-            <a:spLocks noGrp="1"/>
-          </p:cNvSpPr>
-          <p:nvPr>
-            <p:ph type="sldNum"/>
-          </p:nvPr>
-        </p:nvSpPr>
-        <p:spPr>
-          <a:xfrm>
-            <a:off x="8610480" y="6356520"/>
-            <a:ext cx="2742840" cy="364680"/>
-          </a:xfrm>
-          <a:prstGeom prst="rect">
-            <a:avLst/>
-          </a:prstGeom>
-        </p:spPr>
-        <p:txBody>
-          <a:bodyPr anchor="ctr"/>
-          <a:p>
-            <a:pPr algn="r">
-              <a:lnSpc>
-                <a:spcPct val="100000"/>
-              </a:lnSpc>
-            </a:pPr>
-            <a:fld id="{696BE2EF-530F-4104-8960-7095C3CDD686}" type="slidenum">
-              <a:rPr b="0" lang="en-US" sz="1200" spc="-1" strike="noStrike">
-                <a:solidFill>
-                  <a:srgbClr val="8b8b8b"/>
-                </a:solidFill>
-                <a:latin typeface="Calibri"/>
-              </a:rPr>
-              <a:t>&lt;number&gt;</a:t>
-            </a:fld>
-            <a:endParaRPr b="0" lang="en-US" sz="1200" spc="-1" strike="noStrike">
-              <a:latin typeface="Times New Roman"/>
-            </a:endParaRPr>
-          </a:p>
-        </p:txBody>
-      </p:sp>
-      <p:sp>
-        <p:nvSpPr>
-          <p:cNvPr id="4" name="PlaceHolder 5"/>
           <p:cNvSpPr>
             <a:spLocks noGrp="1"/>
           </p:cNvSpPr>
@@ -4590,19 +4110,13 @@
               <a:buChar char=""/>
             </a:pPr>
             <a:r>
-              <a:rPr b="0" lang="de-DE" sz="2800" spc="-1" strike="noStrike">
-                <a:solidFill>
-                  <a:srgbClr val="000000"/>
-                </a:solidFill>
-                <a:latin typeface="Calibri"/>
+              <a:rPr b="0" lang="en-US" sz="3200" spc="-1" strike="noStrike">
+                <a:latin typeface="Arial"/>
               </a:rPr>
               <a:t>Click to edit the outline text format</a:t>
             </a:r>
-            <a:endParaRPr b="0" lang="de-DE" sz="2800" spc="-1" strike="noStrike">
-              <a:solidFill>
-                <a:srgbClr val="000000"/>
-              </a:solidFill>
-              <a:latin typeface="Calibri"/>
+            <a:endParaRPr b="0" lang="en-US" sz="3200" spc="-1" strike="noStrike">
+              <a:latin typeface="Arial"/>
             </a:endParaRPr>
           </a:p>
           <a:p>
@@ -4618,19 +4132,13 @@
               <a:buChar char=""/>
             </a:pPr>
             <a:r>
-              <a:rPr b="0" lang="de-DE" sz="2000" spc="-1" strike="noStrike">
-                <a:solidFill>
-                  <a:srgbClr val="000000"/>
-                </a:solidFill>
-                <a:latin typeface="Calibri"/>
+              <a:rPr b="0" lang="en-US" sz="2800" spc="-1" strike="noStrike">
+                <a:latin typeface="Arial"/>
               </a:rPr>
               <a:t>Second Outline Level</a:t>
             </a:r>
-            <a:endParaRPr b="0" lang="de-DE" sz="2000" spc="-1" strike="noStrike">
-              <a:solidFill>
-                <a:srgbClr val="000000"/>
-              </a:solidFill>
-              <a:latin typeface="Calibri"/>
+            <a:endParaRPr b="0" lang="en-US" sz="2800" spc="-1" strike="noStrike">
+              <a:latin typeface="Arial"/>
             </a:endParaRPr>
           </a:p>
           <a:p>
@@ -4646,19 +4154,13 @@
               <a:buChar char=""/>
             </a:pPr>
             <a:r>
-              <a:rPr b="0" lang="de-DE" sz="1800" spc="-1" strike="noStrike">
-                <a:solidFill>
-                  <a:srgbClr val="000000"/>
-                </a:solidFill>
-                <a:latin typeface="Calibri"/>
+              <a:rPr b="0" lang="en-US" sz="2400" spc="-1" strike="noStrike">
+                <a:latin typeface="Arial"/>
               </a:rPr>
               <a:t>Third Outline Level</a:t>
             </a:r>
-            <a:endParaRPr b="0" lang="de-DE" sz="1800" spc="-1" strike="noStrike">
-              <a:solidFill>
-                <a:srgbClr val="000000"/>
-              </a:solidFill>
-              <a:latin typeface="Calibri"/>
+            <a:endParaRPr b="0" lang="en-US" sz="2400" spc="-1" strike="noStrike">
+              <a:latin typeface="Arial"/>
             </a:endParaRPr>
           </a:p>
           <a:p>
@@ -4674,19 +4176,13 @@
               <a:buChar char=""/>
             </a:pPr>
             <a:r>
-              <a:rPr b="0" lang="de-DE" sz="1800" spc="-1" strike="noStrike">
-                <a:solidFill>
-                  <a:srgbClr val="000000"/>
-                </a:solidFill>
-                <a:latin typeface="Calibri"/>
+              <a:rPr b="0" lang="en-US" sz="2000" spc="-1" strike="noStrike">
+                <a:latin typeface="Arial"/>
               </a:rPr>
               <a:t>Fourth Outline Level</a:t>
             </a:r>
-            <a:endParaRPr b="0" lang="de-DE" sz="1800" spc="-1" strike="noStrike">
-              <a:solidFill>
-                <a:srgbClr val="000000"/>
-              </a:solidFill>
-              <a:latin typeface="Calibri"/>
+            <a:endParaRPr b="0" lang="en-US" sz="2000" spc="-1" strike="noStrike">
+              <a:latin typeface="Arial"/>
             </a:endParaRPr>
           </a:p>
           <a:p>
@@ -4702,19 +4198,13 @@
               <a:buChar char=""/>
             </a:pPr>
             <a:r>
-              <a:rPr b="0" lang="de-DE" sz="2000" spc="-1" strike="noStrike">
-                <a:solidFill>
-                  <a:srgbClr val="000000"/>
-                </a:solidFill>
-                <a:latin typeface="Calibri"/>
+              <a:rPr b="0" lang="en-US" sz="2000" spc="-1" strike="noStrike">
+                <a:latin typeface="Arial"/>
               </a:rPr>
               <a:t>Fifth Outline Level</a:t>
             </a:r>
-            <a:endParaRPr b="0" lang="de-DE" sz="2000" spc="-1" strike="noStrike">
-              <a:solidFill>
-                <a:srgbClr val="000000"/>
-              </a:solidFill>
-              <a:latin typeface="Calibri"/>
+            <a:endParaRPr b="0" lang="en-US" sz="2000" spc="-1" strike="noStrike">
+              <a:latin typeface="Arial"/>
             </a:endParaRPr>
           </a:p>
           <a:p>
@@ -4730,19 +4220,13 @@
               <a:buChar char=""/>
             </a:pPr>
             <a:r>
-              <a:rPr b="0" lang="de-DE" sz="2000" spc="-1" strike="noStrike">
-                <a:solidFill>
-                  <a:srgbClr val="000000"/>
-                </a:solidFill>
-                <a:latin typeface="Calibri"/>
+              <a:rPr b="0" lang="en-US" sz="2000" spc="-1" strike="noStrike">
+                <a:latin typeface="Arial"/>
               </a:rPr>
               <a:t>Sixth Outline Level</a:t>
             </a:r>
-            <a:endParaRPr b="0" lang="de-DE" sz="2000" spc="-1" strike="noStrike">
-              <a:solidFill>
-                <a:srgbClr val="000000"/>
-              </a:solidFill>
-              <a:latin typeface="Calibri"/>
+            <a:endParaRPr b="0" lang="en-US" sz="2000" spc="-1" strike="noStrike">
+              <a:latin typeface="Arial"/>
             </a:endParaRPr>
           </a:p>
           <a:p>
@@ -4758,19 +4242,13 @@
               <a:buChar char=""/>
             </a:pPr>
             <a:r>
-              <a:rPr b="0" lang="de-DE" sz="2000" spc="-1" strike="noStrike">
-                <a:solidFill>
-                  <a:srgbClr val="000000"/>
-                </a:solidFill>
-                <a:latin typeface="Calibri"/>
+              <a:rPr b="0" lang="en-US" sz="2000" spc="-1" strike="noStrike">
+                <a:latin typeface="Arial"/>
               </a:rPr>
               <a:t>Seventh Outline Level</a:t>
             </a:r>
-            <a:endParaRPr b="0" lang="de-DE" sz="2000" spc="-1" strike="noStrike">
-              <a:solidFill>
-                <a:srgbClr val="000000"/>
-              </a:solidFill>
-              <a:latin typeface="Calibri"/>
+            <a:endParaRPr b="0" lang="en-US" sz="2000" spc="-1" strike="noStrike">
+              <a:latin typeface="Arial"/>
             </a:endParaRPr>
           </a:p>
         </p:txBody>
@@ -4821,119 +4299,7 @@
       </p:grpSpPr>
       <p:sp>
         <p:nvSpPr>
-          <p:cNvPr id="41" name="PlaceHolder 1"/>
-          <p:cNvSpPr>
-            <a:spLocks noGrp="1"/>
-          </p:cNvSpPr>
-          <p:nvPr>
-            <p:ph type="dt"/>
-          </p:nvPr>
-        </p:nvSpPr>
-        <p:spPr>
-          <a:xfrm>
-            <a:off x="838080" y="6356520"/>
-            <a:ext cx="2742840" cy="364680"/>
-          </a:xfrm>
-          <a:prstGeom prst="rect">
-            <a:avLst/>
-          </a:prstGeom>
-        </p:spPr>
-        <p:txBody>
-          <a:bodyPr anchor="ctr"/>
-          <a:p>
-            <a:pPr>
-              <a:lnSpc>
-                <a:spcPct val="100000"/>
-              </a:lnSpc>
-            </a:pPr>
-            <a:fld id="{7C2FF19B-6B0E-4508-BA29-E559D52F0DB4}" type="datetime">
-              <a:rPr b="0" lang="en-US" sz="1200" spc="-1" strike="noStrike">
-                <a:solidFill>
-                  <a:srgbClr val="8b8b8b"/>
-                </a:solidFill>
-                <a:latin typeface="Calibri"/>
-              </a:rPr>
-              <a:t>6/6/19</a:t>
-            </a:fld>
-            <a:endParaRPr b="0" lang="en-US" sz="1200" spc="-1" strike="noStrike">
-              <a:latin typeface="Times New Roman"/>
-            </a:endParaRPr>
-          </a:p>
-        </p:txBody>
-      </p:sp>
-      <p:sp>
-        <p:nvSpPr>
-          <p:cNvPr id="42" name="PlaceHolder 2"/>
-          <p:cNvSpPr>
-            <a:spLocks noGrp="1"/>
-          </p:cNvSpPr>
-          <p:nvPr>
-            <p:ph type="ftr"/>
-          </p:nvPr>
-        </p:nvSpPr>
-        <p:spPr>
-          <a:xfrm>
-            <a:off x="4038480" y="6356520"/>
-            <a:ext cx="4114440" cy="364680"/>
-          </a:xfrm>
-          <a:prstGeom prst="rect">
-            <a:avLst/>
-          </a:prstGeom>
-        </p:spPr>
-        <p:txBody>
-          <a:bodyPr anchor="ctr"/>
-          <a:p>
-            <a:endParaRPr b="0" lang="en-US" sz="2400" spc="-1" strike="noStrike">
-              <a:latin typeface="Times New Roman"/>
-            </a:endParaRPr>
-          </a:p>
-        </p:txBody>
-      </p:sp>
-      <p:sp>
-        <p:nvSpPr>
-          <p:cNvPr id="43" name="PlaceHolder 3"/>
-          <p:cNvSpPr>
-            <a:spLocks noGrp="1"/>
-          </p:cNvSpPr>
-          <p:nvPr>
-            <p:ph type="sldNum"/>
-          </p:nvPr>
-        </p:nvSpPr>
-        <p:spPr>
-          <a:xfrm>
-            <a:off x="8610480" y="6356520"/>
-            <a:ext cx="2742840" cy="364680"/>
-          </a:xfrm>
-          <a:prstGeom prst="rect">
-            <a:avLst/>
-          </a:prstGeom>
-        </p:spPr>
-        <p:txBody>
-          <a:bodyPr anchor="ctr"/>
-          <a:p>
-            <a:pPr algn="r">
-              <a:lnSpc>
-                <a:spcPct val="100000"/>
-              </a:lnSpc>
-            </a:pPr>
-            <a:fld id="{701A117E-5B7F-4C8E-8376-88DC98E72858}" type="slidenum">
-              <a:rPr b="0" lang="en-US" sz="1200" spc="-1" strike="noStrike">
-                <a:solidFill>
-                  <a:srgbClr val="8b8b8b"/>
-                </a:solidFill>
-                <a:latin typeface="Calibri"/>
-              </a:rPr>
-              <a:t>1</a:t>
-            </a:fld>
-            <a:endParaRPr b="0" lang="en-US" sz="1200" spc="-1" strike="noStrike">
-              <a:latin typeface="Times New Roman"/>
-            </a:endParaRPr>
-          </a:p>
-        </p:txBody>
-      </p:sp>
-      <p:sp>
-        <p:nvSpPr>
-          <p:cNvPr id="44" name="PlaceHolder 4"/>
+          <p:cNvPr id="38" name="PlaceHolder 1"/>
           <p:cNvSpPr>
             <a:spLocks noGrp="1"/>
           </p:cNvSpPr>
@@ -4953,45 +4319,64 @@
         <p:txBody>
           <a:bodyPr lIns="0" rIns="0" tIns="0" bIns="0" anchor="ctr"/>
           <a:p>
+            <a:pPr algn="ctr"/>
             <a:r>
-              <a:rPr b="0" lang="de-DE" sz="1800" spc="-1" strike="noStrike">
-                <a:solidFill>
-                  <a:srgbClr val="000000"/>
-                </a:solidFill>
-                <a:latin typeface="Calibri"/>
+              <a:rPr b="0" lang="en-US" sz="4400" spc="-1" strike="noStrike">
+                <a:latin typeface="Arial"/>
               </a:rPr>
-              <a:t>Click to edit </a:t>
+              <a:t>Click </a:t>
             </a:r>
             <a:r>
-              <a:rPr b="0" lang="de-DE" sz="1800" spc="-1" strike="noStrike">
-                <a:solidFill>
-                  <a:srgbClr val="000000"/>
-                </a:solidFill>
-                <a:latin typeface="Calibri"/>
+              <a:rPr b="0" lang="en-US" sz="4400" spc="-1" strike="noStrike">
+                <a:latin typeface="Arial"/>
               </a:rPr>
-              <a:t>the title text </a:t>
+              <a:t>to </a:t>
             </a:r>
             <a:r>
-              <a:rPr b="0" lang="de-DE" sz="1800" spc="-1" strike="noStrike">
-                <a:solidFill>
-                  <a:srgbClr val="000000"/>
-                </a:solidFill>
-                <a:latin typeface="Calibri"/>
+              <a:rPr b="0" lang="en-US" sz="4400" spc="-1" strike="noStrike">
+                <a:latin typeface="Arial"/>
               </a:rPr>
-              <a:t>format</a:t>
+              <a:t>edit </a:t>
             </a:r>
-            <a:endParaRPr b="0" lang="de-DE" sz="1800" spc="-1" strike="noStrike">
-              <a:solidFill>
-                <a:srgbClr val="000000"/>
-              </a:solidFill>
-              <a:latin typeface="Calibri"/>
-            </a:endParaRPr>
-          </a:p>
-        </p:txBody>
-      </p:sp>
-      <p:sp>
-        <p:nvSpPr>
-          <p:cNvPr id="45" name="PlaceHolder 5"/>
+            <a:r>
+              <a:rPr b="0" lang="en-US" sz="4400" spc="-1" strike="noStrike">
+                <a:latin typeface="Arial"/>
+              </a:rPr>
+              <a:t>the </a:t>
+            </a:r>
+            <a:r>
+              <a:rPr b="0" lang="en-US" sz="4400" spc="-1" strike="noStrike">
+                <a:latin typeface="Arial"/>
+              </a:rPr>
+              <a:t>title </a:t>
+            </a:r>
+            <a:r>
+              <a:rPr b="0" lang="en-US" sz="4400" spc="-1" strike="noStrike">
+                <a:latin typeface="Arial"/>
+              </a:rPr>
+              <a:t>text </a:t>
+            </a:r>
+            <a:r>
+              <a:rPr b="0" lang="en-US" sz="4400" spc="-1" strike="noStrike">
+                <a:latin typeface="Arial"/>
+              </a:rPr>
+              <a:t>form</a:t>
+            </a:r>
+            <a:r>
+              <a:rPr b="0" lang="en-US" sz="4400" spc="-1" strike="noStrike">
+                <a:latin typeface="Arial"/>
+              </a:rPr>
+              <a:t>at</a:t>
+            </a:r>
+            <a:endParaRPr b="0" lang="en-US" sz="4400" spc="-1" strike="noStrike">
+              <a:latin typeface="Arial"/>
+            </a:endParaRPr>
+          </a:p>
+        </p:txBody>
+      </p:sp>
+      <p:sp>
+        <p:nvSpPr>
+          <p:cNvPr id="39" name="PlaceHolder 2"/>
           <p:cNvSpPr>
             <a:spLocks noGrp="1"/>
           </p:cNvSpPr>
@@ -5025,19 +4410,13 @@
               <a:buChar char=""/>
             </a:pPr>
             <a:r>
-              <a:rPr b="0" lang="de-DE" sz="2800" spc="-1" strike="noStrike">
-                <a:solidFill>
-                  <a:srgbClr val="000000"/>
-                </a:solidFill>
-                <a:latin typeface="Calibri"/>
+              <a:rPr b="0" lang="en-US" sz="3200" spc="-1" strike="noStrike">
+                <a:latin typeface="Arial"/>
               </a:rPr>
               <a:t>Click to edit the outline text format</a:t>
             </a:r>
-            <a:endParaRPr b="0" lang="de-DE" sz="2800" spc="-1" strike="noStrike">
-              <a:solidFill>
-                <a:srgbClr val="000000"/>
-              </a:solidFill>
-              <a:latin typeface="Calibri"/>
+            <a:endParaRPr b="0" lang="en-US" sz="3200" spc="-1" strike="noStrike">
+              <a:latin typeface="Arial"/>
             </a:endParaRPr>
           </a:p>
           <a:p>
@@ -5053,19 +4432,13 @@
               <a:buChar char=""/>
             </a:pPr>
             <a:r>
-              <a:rPr b="0" lang="de-DE" sz="2000" spc="-1" strike="noStrike">
-                <a:solidFill>
-                  <a:srgbClr val="000000"/>
-                </a:solidFill>
-                <a:latin typeface="Calibri"/>
+              <a:rPr b="0" lang="en-US" sz="2800" spc="-1" strike="noStrike">
+                <a:latin typeface="Arial"/>
               </a:rPr>
               <a:t>Second Outline Level</a:t>
             </a:r>
-            <a:endParaRPr b="0" lang="de-DE" sz="2000" spc="-1" strike="noStrike">
-              <a:solidFill>
-                <a:srgbClr val="000000"/>
-              </a:solidFill>
-              <a:latin typeface="Calibri"/>
+            <a:endParaRPr b="0" lang="en-US" sz="2800" spc="-1" strike="noStrike">
+              <a:latin typeface="Arial"/>
             </a:endParaRPr>
           </a:p>
           <a:p>
@@ -5081,19 +4454,13 @@
               <a:buChar char=""/>
             </a:pPr>
             <a:r>
-              <a:rPr b="0" lang="de-DE" sz="1800" spc="-1" strike="noStrike">
-                <a:solidFill>
-                  <a:srgbClr val="000000"/>
-                </a:solidFill>
-                <a:latin typeface="Calibri"/>
+              <a:rPr b="0" lang="en-US" sz="2400" spc="-1" strike="noStrike">
+                <a:latin typeface="Arial"/>
               </a:rPr>
               <a:t>Third Outline Level</a:t>
             </a:r>
-            <a:endParaRPr b="0" lang="de-DE" sz="1800" spc="-1" strike="noStrike">
-              <a:solidFill>
-                <a:srgbClr val="000000"/>
-              </a:solidFill>
-              <a:latin typeface="Calibri"/>
+            <a:endParaRPr b="0" lang="en-US" sz="2400" spc="-1" strike="noStrike">
+              <a:latin typeface="Arial"/>
             </a:endParaRPr>
           </a:p>
           <a:p>
@@ -5109,19 +4476,13 @@
               <a:buChar char=""/>
             </a:pPr>
             <a:r>
-              <a:rPr b="0" lang="de-DE" sz="1800" spc="-1" strike="noStrike">
-                <a:solidFill>
-                  <a:srgbClr val="000000"/>
-                </a:solidFill>
-                <a:latin typeface="Calibri"/>
+              <a:rPr b="0" lang="en-US" sz="2000" spc="-1" strike="noStrike">
+                <a:latin typeface="Arial"/>
               </a:rPr>
               <a:t>Fourth Outline Level</a:t>
             </a:r>
-            <a:endParaRPr b="0" lang="de-DE" sz="1800" spc="-1" strike="noStrike">
-              <a:solidFill>
-                <a:srgbClr val="000000"/>
-              </a:solidFill>
-              <a:latin typeface="Calibri"/>
+            <a:endParaRPr b="0" lang="en-US" sz="2000" spc="-1" strike="noStrike">
+              <a:latin typeface="Arial"/>
             </a:endParaRPr>
           </a:p>
           <a:p>
@@ -5137,19 +4498,13 @@
               <a:buChar char=""/>
             </a:pPr>
             <a:r>
-              <a:rPr b="0" lang="de-DE" sz="2000" spc="-1" strike="noStrike">
-                <a:solidFill>
-                  <a:srgbClr val="000000"/>
-                </a:solidFill>
-                <a:latin typeface="Calibri"/>
+              <a:rPr b="0" lang="en-US" sz="2000" spc="-1" strike="noStrike">
+                <a:latin typeface="Arial"/>
               </a:rPr>
               <a:t>Fifth Outline Level</a:t>
             </a:r>
-            <a:endParaRPr b="0" lang="de-DE" sz="2000" spc="-1" strike="noStrike">
-              <a:solidFill>
-                <a:srgbClr val="000000"/>
-              </a:solidFill>
-              <a:latin typeface="Calibri"/>
+            <a:endParaRPr b="0" lang="en-US" sz="2000" spc="-1" strike="noStrike">
+              <a:latin typeface="Arial"/>
             </a:endParaRPr>
           </a:p>
           <a:p>
@@ -5165,19 +4520,13 @@
               <a:buChar char=""/>
             </a:pPr>
             <a:r>
-              <a:rPr b="0" lang="de-DE" sz="2000" spc="-1" strike="noStrike">
-                <a:solidFill>
-                  <a:srgbClr val="000000"/>
-                </a:solidFill>
-                <a:latin typeface="Calibri"/>
+              <a:rPr b="0" lang="en-US" sz="2000" spc="-1" strike="noStrike">
+                <a:latin typeface="Arial"/>
               </a:rPr>
               <a:t>Sixth Outline Level</a:t>
             </a:r>
-            <a:endParaRPr b="0" lang="de-DE" sz="2000" spc="-1" strike="noStrike">
-              <a:solidFill>
-                <a:srgbClr val="000000"/>
-              </a:solidFill>
-              <a:latin typeface="Calibri"/>
+            <a:endParaRPr b="0" lang="en-US" sz="2000" spc="-1" strike="noStrike">
+              <a:latin typeface="Arial"/>
             </a:endParaRPr>
           </a:p>
           <a:p>
@@ -5193,19 +4542,13 @@
               <a:buChar char=""/>
             </a:pPr>
             <a:r>
-              <a:rPr b="0" lang="de-DE" sz="2000" spc="-1" strike="noStrike">
-                <a:solidFill>
-                  <a:srgbClr val="000000"/>
-                </a:solidFill>
-                <a:latin typeface="Calibri"/>
+              <a:rPr b="0" lang="en-US" sz="2000" spc="-1" strike="noStrike">
+                <a:latin typeface="Arial"/>
               </a:rPr>
               <a:t>Seventh Outline Level</a:t>
             </a:r>
-            <a:endParaRPr b="0" lang="de-DE" sz="2000" spc="-1" strike="noStrike">
-              <a:solidFill>
-                <a:srgbClr val="000000"/>
-              </a:solidFill>
-              <a:latin typeface="Calibri"/>
+            <a:endParaRPr b="0" lang="en-US" sz="2000" spc="-1" strike="noStrike">
+              <a:latin typeface="Arial"/>
             </a:endParaRPr>
           </a:p>
         </p:txBody>
@@ -5256,7 +4599,7 @@
       </p:grpSpPr>
       <p:sp>
         <p:nvSpPr>
-          <p:cNvPr id="82" name="PlaceHolder 1"/>
+          <p:cNvPr id="76" name="PlaceHolder 1"/>
           <p:cNvSpPr>
             <a:spLocks noGrp="1"/>
           </p:cNvSpPr>
@@ -5266,96 +4609,74 @@
         </p:nvSpPr>
         <p:spPr>
           <a:xfrm>
-            <a:off x="838080" y="365040"/>
-            <a:ext cx="10515240" cy="1325160"/>
-          </a:xfrm>
-          <a:prstGeom prst="rect">
-            <a:avLst/>
-          </a:prstGeom>
-        </p:spPr>
-        <p:txBody>
-          <a:bodyPr anchor="ctr"/>
-          <a:p>
-            <a:pPr>
-              <a:lnSpc>
-                <a:spcPct val="90000"/>
-              </a:lnSpc>
-            </a:pPr>
+            <a:off x="609480" y="273600"/>
+            <a:ext cx="10972440" cy="1144800"/>
+          </a:xfrm>
+          <a:prstGeom prst="rect">
+            <a:avLst/>
+          </a:prstGeom>
+        </p:spPr>
+        <p:txBody>
+          <a:bodyPr lIns="0" rIns="0" tIns="0" bIns="0" anchor="ctr"/>
+          <a:p>
+            <a:pPr algn="ctr"/>
             <a:r>
-              <a:rPr b="0" lang="de-DE" sz="4400" spc="-1" strike="noStrike">
-                <a:solidFill>
-                  <a:srgbClr val="000000"/>
-                </a:solidFill>
-                <a:latin typeface="Calibri Light"/>
+              <a:rPr b="0" lang="en-US" sz="4400" spc="-1" strike="noStrike">
+                <a:latin typeface="Arial"/>
               </a:rPr>
-              <a:t>Mast</a:t>
+              <a:t>Click </a:t>
             </a:r>
             <a:r>
-              <a:rPr b="0" lang="de-DE" sz="4400" spc="-1" strike="noStrike">
-                <a:solidFill>
-                  <a:srgbClr val="000000"/>
-                </a:solidFill>
-                <a:latin typeface="Calibri Light"/>
+              <a:rPr b="0" lang="en-US" sz="4400" spc="-1" strike="noStrike">
+                <a:latin typeface="Arial"/>
               </a:rPr>
-              <a:t>ertit</a:t>
+              <a:t>to </a:t>
             </a:r>
             <a:r>
-              <a:rPr b="0" lang="de-DE" sz="4400" spc="-1" strike="noStrike">
-                <a:solidFill>
-                  <a:srgbClr val="000000"/>
-                </a:solidFill>
-                <a:latin typeface="Calibri Light"/>
+              <a:rPr b="0" lang="en-US" sz="4400" spc="-1" strike="noStrike">
+                <a:latin typeface="Arial"/>
               </a:rPr>
-              <a:t>elfor</a:t>
+              <a:t>edit </a:t>
             </a:r>
             <a:r>
-              <a:rPr b="0" lang="de-DE" sz="4400" spc="-1" strike="noStrike">
-                <a:solidFill>
-                  <a:srgbClr val="000000"/>
-                </a:solidFill>
-                <a:latin typeface="Calibri Light"/>
+              <a:rPr b="0" lang="en-US" sz="4400" spc="-1" strike="noStrike">
+                <a:latin typeface="Arial"/>
               </a:rPr>
-              <a:t>mat </a:t>
+              <a:t>the </a:t>
             </a:r>
             <a:r>
-              <a:rPr b="0" lang="de-DE" sz="4400" spc="-1" strike="noStrike">
-                <a:solidFill>
-                  <a:srgbClr val="000000"/>
-                </a:solidFill>
-                <a:latin typeface="Calibri Light"/>
+              <a:rPr b="0" lang="en-US" sz="4400" spc="-1" strike="noStrike">
+                <a:latin typeface="Arial"/>
               </a:rPr>
-              <a:t>bear</a:t>
+              <a:t>title </a:t>
             </a:r>
             <a:r>
-              <a:rPr b="0" lang="de-DE" sz="4400" spc="-1" strike="noStrike">
-                <a:solidFill>
-                  <a:srgbClr val="000000"/>
-                </a:solidFill>
-                <a:latin typeface="Calibri Light"/>
+              <a:rPr b="0" lang="en-US" sz="4400" spc="-1" strike="noStrike">
+                <a:latin typeface="Arial"/>
               </a:rPr>
-              <a:t>beite</a:t>
+              <a:t>text </a:t>
             </a:r>
             <a:r>
-              <a:rPr b="0" lang="de-DE" sz="4400" spc="-1" strike="noStrike">
-                <a:solidFill>
-                  <a:srgbClr val="000000"/>
-                </a:solidFill>
-                <a:latin typeface="Calibri Light"/>
+              <a:rPr b="0" lang="en-US" sz="4400" spc="-1" strike="noStrike">
+                <a:latin typeface="Arial"/>
               </a:rPr>
-              <a:t>n</a:t>
+              <a:t>form</a:t>
             </a:r>
-            <a:endParaRPr b="0" lang="de-DE" sz="4400" spc="-1" strike="noStrike">
-              <a:solidFill>
-                <a:srgbClr val="000000"/>
-              </a:solidFill>
-              <a:latin typeface="Calibri"/>
-            </a:endParaRPr>
-          </a:p>
-        </p:txBody>
-      </p:sp>
-      <p:sp>
-        <p:nvSpPr>
-          <p:cNvPr id="83" name="PlaceHolder 2"/>
+            <a:r>
+              <a:rPr b="0" lang="en-US" sz="4400" spc="-1" strike="noStrike">
+                <a:latin typeface="Arial"/>
+              </a:rPr>
+              <a:t>at</a:t>
+            </a:r>
+            <a:endParaRPr b="0" lang="en-US" sz="4400" spc="-1" strike="noStrike">
+              <a:latin typeface="Arial"/>
+            </a:endParaRPr>
+          </a:p>
+        </p:txBody>
+      </p:sp>
+      <p:sp>
+        <p:nvSpPr>
+          <p:cNvPr id="77" name="PlaceHolder 2"/>
           <p:cNvSpPr>
             <a:spLocks noGrp="1"/>
           </p:cNvSpPr>
@@ -5365,275 +4686,169 @@
         </p:nvSpPr>
         <p:spPr>
           <a:xfrm>
-            <a:off x="838080" y="1825560"/>
-            <a:ext cx="10515240" cy="4350960"/>
-          </a:xfrm>
-          <a:prstGeom prst="rect">
-            <a:avLst/>
-          </a:prstGeom>
-        </p:spPr>
-        <p:txBody>
-          <a:bodyPr/>
-          <a:p>
-            <a:pPr marL="228600" indent="-228240">
-              <a:lnSpc>
-                <a:spcPct val="90000"/>
-              </a:lnSpc>
+            <a:off x="609480" y="1604520"/>
+            <a:ext cx="10972440" cy="3977280"/>
+          </a:xfrm>
+          <a:prstGeom prst="rect">
+            <a:avLst/>
+          </a:prstGeom>
+        </p:spPr>
+        <p:txBody>
+          <a:bodyPr lIns="0" rIns="0" tIns="0" bIns="0">
+            <a:normAutofit/>
+          </a:bodyPr>
+          <a:p>
+            <a:pPr marL="432000" indent="-324000">
               <a:spcBef>
-                <a:spcPts val="1001"/>
+                <a:spcPts val="1417"/>
               </a:spcBef>
               <a:buClr>
                 <a:srgbClr val="000000"/>
               </a:buClr>
-              <a:buFont typeface="Arial"/>
-              <a:buChar char="•"/>
+              <a:buSzPct val="45000"/>
+              <a:buFont typeface="Wingdings" charset="2"/>
+              <a:buChar char=""/>
             </a:pPr>
             <a:r>
-              <a:rPr b="0" lang="de-DE" sz="2800" spc="-1" strike="noStrike">
-                <a:solidFill>
-                  <a:srgbClr val="000000"/>
-                </a:solidFill>
-                <a:latin typeface="Calibri"/>
+              <a:rPr b="0" lang="en-US" sz="3200" spc="-1" strike="noStrike">
+                <a:latin typeface="Arial"/>
               </a:rPr>
-              <a:t>Mastertextformat bearbeiten</a:t>
+              <a:t>Click to edit the outline text format</a:t>
             </a:r>
-            <a:endParaRPr b="0" lang="de-DE" sz="2800" spc="-1" strike="noStrike">
-              <a:solidFill>
-                <a:srgbClr val="000000"/>
-              </a:solidFill>
-              <a:latin typeface="Calibri"/>
-            </a:endParaRPr>
-          </a:p>
-          <a:p>
-            <a:pPr lvl="1" marL="685800" indent="-228240">
-              <a:lnSpc>
-                <a:spcPct val="90000"/>
-              </a:lnSpc>
+            <a:endParaRPr b="0" lang="en-US" sz="3200" spc="-1" strike="noStrike">
+              <a:latin typeface="Arial"/>
+            </a:endParaRPr>
+          </a:p>
+          <a:p>
+            <a:pPr lvl="1" marL="864000" indent="-324000">
               <a:spcBef>
-                <a:spcPts val="499"/>
+                <a:spcPts val="1134"/>
               </a:spcBef>
               <a:buClr>
                 <a:srgbClr val="000000"/>
               </a:buClr>
-              <a:buFont typeface="Arial"/>
-              <a:buChar char="•"/>
+              <a:buSzPct val="75000"/>
+              <a:buFont typeface="Symbol" charset="2"/>
+              <a:buChar char=""/>
             </a:pPr>
             <a:r>
-              <a:rPr b="0" lang="de-DE" sz="2400" spc="-1" strike="noStrike">
-                <a:solidFill>
-                  <a:srgbClr val="000000"/>
-                </a:solidFill>
-                <a:latin typeface="Calibri"/>
+              <a:rPr b="0" lang="en-US" sz="2800" spc="-1" strike="noStrike">
+                <a:latin typeface="Arial"/>
               </a:rPr>
-              <a:t>Zweite Ebene</a:t>
+              <a:t>Second Outline Level</a:t>
             </a:r>
-            <a:endParaRPr b="0" lang="de-DE" sz="2400" spc="-1" strike="noStrike">
-              <a:solidFill>
-                <a:srgbClr val="000000"/>
-              </a:solidFill>
-              <a:latin typeface="Calibri"/>
-            </a:endParaRPr>
-          </a:p>
-          <a:p>
-            <a:pPr lvl="2" marL="1143000" indent="-228240">
-              <a:lnSpc>
-                <a:spcPct val="90000"/>
-              </a:lnSpc>
+            <a:endParaRPr b="0" lang="en-US" sz="2800" spc="-1" strike="noStrike">
+              <a:latin typeface="Arial"/>
+            </a:endParaRPr>
+          </a:p>
+          <a:p>
+            <a:pPr lvl="2" marL="1296000" indent="-288000">
               <a:spcBef>
-                <a:spcPts val="499"/>
+                <a:spcPts val="850"/>
               </a:spcBef>
               <a:buClr>
                 <a:srgbClr val="000000"/>
               </a:buClr>
-              <a:buFont typeface="Arial"/>
-              <a:buChar char="•"/>
+              <a:buSzPct val="45000"/>
+              <a:buFont typeface="Wingdings" charset="2"/>
+              <a:buChar char=""/>
             </a:pPr>
             <a:r>
-              <a:rPr b="0" lang="de-DE" sz="2000" spc="-1" strike="noStrike">
-                <a:solidFill>
-                  <a:srgbClr val="000000"/>
-                </a:solidFill>
-                <a:latin typeface="Calibri"/>
+              <a:rPr b="0" lang="en-US" sz="2400" spc="-1" strike="noStrike">
+                <a:latin typeface="Arial"/>
               </a:rPr>
-              <a:t>Dritte Ebene</a:t>
+              <a:t>Third Outline Level</a:t>
             </a:r>
-            <a:endParaRPr b="0" lang="de-DE" sz="2000" spc="-1" strike="noStrike">
-              <a:solidFill>
-                <a:srgbClr val="000000"/>
-              </a:solidFill>
-              <a:latin typeface="Calibri"/>
-            </a:endParaRPr>
-          </a:p>
-          <a:p>
-            <a:pPr lvl="3" marL="1600200" indent="-228240">
-              <a:lnSpc>
-                <a:spcPct val="90000"/>
-              </a:lnSpc>
+            <a:endParaRPr b="0" lang="en-US" sz="2400" spc="-1" strike="noStrike">
+              <a:latin typeface="Arial"/>
+            </a:endParaRPr>
+          </a:p>
+          <a:p>
+            <a:pPr lvl="3" marL="1728000" indent="-216000">
               <a:spcBef>
-                <a:spcPts val="499"/>
+                <a:spcPts val="567"/>
               </a:spcBef>
               <a:buClr>
                 <a:srgbClr val="000000"/>
               </a:buClr>
-              <a:buFont typeface="Arial"/>
-              <a:buChar char="•"/>
+              <a:buSzPct val="75000"/>
+              <a:buFont typeface="Symbol" charset="2"/>
+              <a:buChar char=""/>
             </a:pPr>
             <a:r>
-              <a:rPr b="0" lang="de-DE" sz="1800" spc="-1" strike="noStrike">
-                <a:solidFill>
-                  <a:srgbClr val="000000"/>
-                </a:solidFill>
-                <a:latin typeface="Calibri"/>
+              <a:rPr b="0" lang="en-US" sz="2000" spc="-1" strike="noStrike">
+                <a:latin typeface="Arial"/>
               </a:rPr>
-              <a:t>Vierte Ebene</a:t>
+              <a:t>Fourth Outline Level</a:t>
             </a:r>
-            <a:endParaRPr b="0" lang="de-DE" sz="1800" spc="-1" strike="noStrike">
-              <a:solidFill>
-                <a:srgbClr val="000000"/>
-              </a:solidFill>
-              <a:latin typeface="Calibri"/>
-            </a:endParaRPr>
-          </a:p>
-          <a:p>
-            <a:pPr lvl="4" marL="2057400" indent="-228240">
-              <a:lnSpc>
-                <a:spcPct val="90000"/>
-              </a:lnSpc>
+            <a:endParaRPr b="0" lang="en-US" sz="2000" spc="-1" strike="noStrike">
+              <a:latin typeface="Arial"/>
+            </a:endParaRPr>
+          </a:p>
+          <a:p>
+            <a:pPr lvl="4" marL="2160000" indent="-216000">
               <a:spcBef>
-                <a:spcPts val="499"/>
+                <a:spcPts val="283"/>
               </a:spcBef>
               <a:buClr>
                 <a:srgbClr val="000000"/>
               </a:buClr>
-              <a:buFont typeface="Arial"/>
-              <a:buChar char="•"/>
+              <a:buSzPct val="45000"/>
+              <a:buFont typeface="Wingdings" charset="2"/>
+              <a:buChar char=""/>
             </a:pPr>
             <a:r>
-              <a:rPr b="0" lang="de-DE" sz="1800" spc="-1" strike="noStrike">
-                <a:solidFill>
-                  <a:srgbClr val="000000"/>
-                </a:solidFill>
-                <a:latin typeface="Calibri"/>
+              <a:rPr b="0" lang="en-US" sz="2000" spc="-1" strike="noStrike">
+                <a:latin typeface="Arial"/>
               </a:rPr>
-              <a:t>Fünfte Ebene</a:t>
+              <a:t>Fifth Outline Level</a:t>
             </a:r>
-            <a:endParaRPr b="0" lang="de-DE" sz="1800" spc="-1" strike="noStrike">
-              <a:solidFill>
+            <a:endParaRPr b="0" lang="en-US" sz="2000" spc="-1" strike="noStrike">
+              <a:latin typeface="Arial"/>
+            </a:endParaRPr>
+          </a:p>
+          <a:p>
+            <a:pPr lvl="5" marL="2592000" indent="-216000">
+              <a:spcBef>
+                <a:spcPts val="283"/>
+              </a:spcBef>
+              <a:buClr>
                 <a:srgbClr val="000000"/>
-              </a:solidFill>
-              <a:latin typeface="Calibri"/>
-            </a:endParaRPr>
-          </a:p>
-        </p:txBody>
-      </p:sp>
-      <p:sp>
-        <p:nvSpPr>
-          <p:cNvPr id="84" name="PlaceHolder 3"/>
-          <p:cNvSpPr>
-            <a:spLocks noGrp="1"/>
-          </p:cNvSpPr>
-          <p:nvPr>
-            <p:ph type="dt"/>
-          </p:nvPr>
-        </p:nvSpPr>
-        <p:spPr>
-          <a:xfrm>
-            <a:off x="838080" y="6356520"/>
-            <a:ext cx="2742840" cy="364680"/>
-          </a:xfrm>
-          <a:prstGeom prst="rect">
-            <a:avLst/>
-          </a:prstGeom>
-        </p:spPr>
-        <p:txBody>
-          <a:bodyPr anchor="ctr"/>
-          <a:p>
-            <a:pPr>
-              <a:lnSpc>
-                <a:spcPct val="100000"/>
-              </a:lnSpc>
+              </a:buClr>
+              <a:buSzPct val="45000"/>
+              <a:buFont typeface="Wingdings" charset="2"/>
+              <a:buChar char=""/>
             </a:pPr>
-            <a:fld id="{842862ED-F95C-4AC6-9BA0-A9EAE72373AB}" type="datetime">
-              <a:rPr b="0" lang="en-US" sz="1200" spc="-1" strike="noStrike">
-                <a:solidFill>
-                  <a:srgbClr val="8b8b8b"/>
-                </a:solidFill>
-                <a:latin typeface="Calibri"/>
+            <a:r>
+              <a:rPr b="0" lang="en-US" sz="2000" spc="-1" strike="noStrike">
+                <a:latin typeface="Arial"/>
               </a:rPr>
-              <a:t>6/6/19</a:t>
-            </a:fld>
-            <a:endParaRPr b="0" lang="en-US" sz="1200" spc="-1" strike="noStrike">
-              <a:latin typeface="Times New Roman"/>
-            </a:endParaRPr>
-          </a:p>
-        </p:txBody>
-      </p:sp>
-      <p:sp>
-        <p:nvSpPr>
-          <p:cNvPr id="85" name="PlaceHolder 4"/>
-          <p:cNvSpPr>
-            <a:spLocks noGrp="1"/>
-          </p:cNvSpPr>
-          <p:nvPr>
-            <p:ph type="ftr"/>
-          </p:nvPr>
-        </p:nvSpPr>
-        <p:spPr>
-          <a:xfrm>
-            <a:off x="4038480" y="6356520"/>
-            <a:ext cx="4114440" cy="364680"/>
-          </a:xfrm>
-          <a:prstGeom prst="rect">
-            <a:avLst/>
-          </a:prstGeom>
-        </p:spPr>
-        <p:txBody>
-          <a:bodyPr anchor="ctr"/>
-          <a:p>
-            <a:endParaRPr b="0" lang="en-US" sz="2400" spc="-1" strike="noStrike">
-              <a:latin typeface="Times New Roman"/>
-            </a:endParaRPr>
-          </a:p>
-        </p:txBody>
-      </p:sp>
-      <p:sp>
-        <p:nvSpPr>
-          <p:cNvPr id="86" name="PlaceHolder 5"/>
-          <p:cNvSpPr>
-            <a:spLocks noGrp="1"/>
-          </p:cNvSpPr>
-          <p:nvPr>
-            <p:ph type="sldNum"/>
-          </p:nvPr>
-        </p:nvSpPr>
-        <p:spPr>
-          <a:xfrm>
-            <a:off x="8610480" y="6356520"/>
-            <a:ext cx="2742840" cy="364680"/>
-          </a:xfrm>
-          <a:prstGeom prst="rect">
-            <a:avLst/>
-          </a:prstGeom>
-        </p:spPr>
-        <p:txBody>
-          <a:bodyPr anchor="ctr"/>
-          <a:p>
-            <a:pPr algn="r">
-              <a:lnSpc>
-                <a:spcPct val="100000"/>
-              </a:lnSpc>
+              <a:t>Sixth Outline Level</a:t>
+            </a:r>
+            <a:endParaRPr b="0" lang="en-US" sz="2000" spc="-1" strike="noStrike">
+              <a:latin typeface="Arial"/>
+            </a:endParaRPr>
+          </a:p>
+          <a:p>
+            <a:pPr lvl="6" marL="3024000" indent="-216000">
+              <a:spcBef>
+                <a:spcPts val="283"/>
+              </a:spcBef>
+              <a:buClr>
+                <a:srgbClr val="000000"/>
+              </a:buClr>
+              <a:buSzPct val="45000"/>
+              <a:buFont typeface="Wingdings" charset="2"/>
+              <a:buChar char=""/>
             </a:pPr>
-            <a:fld id="{1E81B28A-5A0A-43BA-AF1A-29D8327FBBC2}" type="slidenum">
-              <a:rPr b="0" lang="en-US" sz="1200" spc="-1" strike="noStrike">
-                <a:solidFill>
-                  <a:srgbClr val="8b8b8b"/>
-                </a:solidFill>
-                <a:latin typeface="Calibri"/>
+            <a:r>
+              <a:rPr b="0" lang="en-US" sz="2000" spc="-1" strike="noStrike">
+                <a:latin typeface="Arial"/>
               </a:rPr>
-              <a:t>1</a:t>
-            </a:fld>
-            <a:endParaRPr b="0" lang="en-US" sz="1200" spc="-1" strike="noStrike">
-              <a:latin typeface="Times New Roman"/>
+              <a:t>Seventh Outline Level</a:t>
+            </a:r>
+            <a:endParaRPr b="0" lang="en-US" sz="2000" spc="-1" strike="noStrike">
+              <a:latin typeface="Arial"/>
             </a:endParaRPr>
           </a:p>
         </p:txBody>
@@ -5677,14 +4892,14 @@
       </p:grpSpPr>
       <p:sp>
         <p:nvSpPr>
-          <p:cNvPr id="123" name="TextShape 1"/>
-          <p:cNvSpPr txBox="1"/>
+          <p:cNvPr id="114" name="CustomShape 1"/>
+          <p:cNvSpPr/>
           <p:nvPr/>
         </p:nvSpPr>
         <p:spPr>
           <a:xfrm>
             <a:off x="1523880" y="1122480"/>
-            <a:ext cx="9143640" cy="2387160"/>
+            <a:ext cx="9143280" cy="2386800"/>
           </a:xfrm>
           <a:prstGeom prst="rect">
             <a:avLst/>
@@ -5694,8 +4909,14 @@
             <a:noFill/>
           </a:ln>
         </p:spPr>
-        <p:txBody>
-          <a:bodyPr anchor="b"/>
+        <p:style>
+          <a:lnRef idx="0"/>
+          <a:fillRef idx="0"/>
+          <a:effectRef idx="0"/>
+          <a:fontRef idx="minor"/>
+        </p:style>
+        <p:txBody>
+          <a:bodyPr lIns="90000" rIns="90000" tIns="45000" bIns="45000" anchor="b"/>
           <a:p>
             <a:pPr algn="ctr">
               <a:lnSpc>
@@ -5703,150 +4924,30 @@
               </a:lnSpc>
             </a:pPr>
             <a:r>
-              <a:rPr b="0" lang="de-DE" sz="6000" spc="-1" strike="noStrike">
+              <a:rPr b="0" lang="en-US" sz="6000" spc="-1" strike="noStrike">
                 <a:solidFill>
                   <a:srgbClr val="000000"/>
                 </a:solidFill>
                 <a:latin typeface="Calibri Light"/>
               </a:rPr>
-              <a:t>Tex</a:t>
+              <a:t>Text classification for Digital Humanities</a:t>
             </a:r>
-            <a:r>
-              <a:rPr b="0" lang="de-DE" sz="6000" spc="-1" strike="noStrike">
-                <a:solidFill>
-                  <a:srgbClr val="000000"/>
-                </a:solidFill>
-                <a:latin typeface="Calibri Light"/>
-              </a:rPr>
-              <a:t>t </a:t>
-            </a:r>
-            <a:r>
-              <a:rPr b="0" lang="de-DE" sz="6000" spc="-1" strike="noStrike">
-                <a:solidFill>
-                  <a:srgbClr val="000000"/>
-                </a:solidFill>
-                <a:latin typeface="Calibri Light"/>
-              </a:rPr>
-              <a:t>cla</a:t>
-            </a:r>
-            <a:r>
-              <a:rPr b="0" lang="de-DE" sz="6000" spc="-1" strike="noStrike">
-                <a:solidFill>
-                  <a:srgbClr val="000000"/>
-                </a:solidFill>
-                <a:latin typeface="Calibri Light"/>
-              </a:rPr>
-              <a:t>ssi</a:t>
-            </a:r>
-            <a:r>
-              <a:rPr b="0" lang="de-DE" sz="6000" spc="-1" strike="noStrike">
-                <a:solidFill>
-                  <a:srgbClr val="000000"/>
-                </a:solidFill>
-                <a:latin typeface="Calibri Light"/>
-              </a:rPr>
-              <a:t>fica</a:t>
-            </a:r>
-            <a:r>
-              <a:rPr b="0" lang="de-DE" sz="6000" spc="-1" strike="noStrike">
-                <a:solidFill>
-                  <a:srgbClr val="000000"/>
-                </a:solidFill>
-                <a:latin typeface="Calibri Light"/>
-              </a:rPr>
-              <a:t>tio</a:t>
-            </a:r>
-            <a:r>
-              <a:rPr b="0" lang="de-DE" sz="6000" spc="-1" strike="noStrike">
-                <a:solidFill>
-                  <a:srgbClr val="000000"/>
-                </a:solidFill>
-                <a:latin typeface="Calibri Light"/>
-              </a:rPr>
-              <a:t>n </a:t>
-            </a:r>
-            <a:r>
-              <a:rPr b="0" lang="de-DE" sz="6000" spc="-1" strike="noStrike">
-                <a:solidFill>
-                  <a:srgbClr val="000000"/>
-                </a:solidFill>
-                <a:latin typeface="Calibri Light"/>
-              </a:rPr>
-              <a:t>for </a:t>
-            </a:r>
-            <a:r>
-              <a:rPr b="0" lang="de-DE" sz="6000" spc="-1" strike="noStrike">
-                <a:solidFill>
-                  <a:srgbClr val="000000"/>
-                </a:solidFill>
-                <a:latin typeface="Calibri Light"/>
-              </a:rPr>
-              <a:t>Dig</a:t>
-            </a:r>
-            <a:r>
-              <a:rPr b="0" lang="de-DE" sz="6000" spc="-1" strike="noStrike">
-                <a:solidFill>
-                  <a:srgbClr val="000000"/>
-                </a:solidFill>
-                <a:latin typeface="Calibri Light"/>
-              </a:rPr>
-              <a:t>ital </a:t>
-            </a:r>
-            <a:r>
-              <a:rPr b="0" lang="de-DE" sz="6000" spc="-1" strike="noStrike">
-                <a:solidFill>
-                  <a:srgbClr val="000000"/>
-                </a:solidFill>
-                <a:latin typeface="Calibri Light"/>
-              </a:rPr>
-              <a:t>Hu</a:t>
-            </a:r>
-            <a:r>
-              <a:rPr b="0" lang="de-DE" sz="6000" spc="-1" strike="noStrike">
-                <a:solidFill>
-                  <a:srgbClr val="000000"/>
-                </a:solidFill>
-                <a:latin typeface="Calibri Light"/>
-              </a:rPr>
-              <a:t>ma</a:t>
-            </a:r>
-            <a:r>
-              <a:rPr b="0" lang="de-DE" sz="6000" spc="-1" strike="noStrike">
-                <a:solidFill>
-                  <a:srgbClr val="000000"/>
-                </a:solidFill>
-                <a:latin typeface="Calibri Light"/>
-              </a:rPr>
-              <a:t>niti</a:t>
-            </a:r>
-            <a:r>
-              <a:rPr b="0" lang="de-DE" sz="6000" spc="-1" strike="noStrike">
-                <a:solidFill>
-                  <a:srgbClr val="000000"/>
-                </a:solidFill>
-                <a:latin typeface="Calibri Light"/>
-              </a:rPr>
-              <a:t>es</a:t>
-            </a:r>
-            <a:endParaRPr b="0" lang="de-DE" sz="6000" spc="-1" strike="noStrike">
-              <a:solidFill>
-                <a:srgbClr val="000000"/>
-              </a:solidFill>
-              <a:latin typeface="Calibri"/>
-            </a:endParaRPr>
-          </a:p>
-        </p:txBody>
-      </p:sp>
-      <p:sp>
-        <p:nvSpPr>
-          <p:cNvPr id="124" name="TextShape 2"/>
-          <p:cNvSpPr txBox="1"/>
+            <a:endParaRPr b="0" lang="en-US" sz="6000" spc="-1" strike="noStrike">
+              <a:latin typeface="Arial"/>
+            </a:endParaRPr>
+          </a:p>
+        </p:txBody>
+      </p:sp>
+      <p:sp>
+        <p:nvSpPr>
+          <p:cNvPr id="115" name="CustomShape 2"/>
+          <p:cNvSpPr/>
           <p:nvPr/>
         </p:nvSpPr>
         <p:spPr>
           <a:xfrm>
             <a:off x="1523880" y="3602160"/>
-            <a:ext cx="9143640" cy="1655280"/>
+            <a:ext cx="9143280" cy="1654920"/>
           </a:xfrm>
           <a:prstGeom prst="rect">
             <a:avLst/>
@@ -5856,15 +4957,12 @@
             <a:noFill/>
           </a:ln>
         </p:spPr>
-        <p:txBody>
-          <a:bodyPr/>
-          <a:p>
-            <a:pPr algn="ctr"/>
-            <a:endParaRPr b="0" lang="en-US" sz="3200" spc="-1" strike="noStrike">
-              <a:latin typeface="Arial"/>
-            </a:endParaRPr>
-          </a:p>
-        </p:txBody>
+        <p:style>
+          <a:lnRef idx="0"/>
+          <a:fillRef idx="0"/>
+          <a:effectRef idx="0"/>
+          <a:fontRef idx="minor"/>
+        </p:style>
       </p:sp>
     </p:spTree>
   </p:cSld>
@@ -5924,7 +5022,7 @@
       </p:grpSpPr>
       <p:pic>
         <p:nvPicPr>
-          <p:cNvPr id="125" name="Grafik 3" descr=""/>
+          <p:cNvPr id="116" name="Grafik 3" descr=""/>
           <p:cNvPicPr/>
           <p:nvPr/>
         </p:nvPicPr>
@@ -5935,7 +5033,7 @@
         <p:spPr>
           <a:xfrm>
             <a:off x="1666800" y="111600"/>
-            <a:ext cx="8008920" cy="6746040"/>
+            <a:ext cx="8008560" cy="6745680"/>
           </a:xfrm>
           <a:prstGeom prst="rect">
             <a:avLst/>
@@ -5947,14 +5045,14 @@
       </p:pic>
       <p:sp>
         <p:nvSpPr>
-          <p:cNvPr id="126" name="CustomShape 1"/>
+          <p:cNvPr id="117" name="CustomShape 1"/>
           <p:cNvSpPr/>
           <p:nvPr/>
         </p:nvSpPr>
         <p:spPr>
           <a:xfrm>
             <a:off x="3758400" y="5058720"/>
-            <a:ext cx="259560" cy="318600"/>
+            <a:ext cx="259200" cy="318240"/>
           </a:xfrm>
           <a:prstGeom prst="ellipse">
             <a:avLst/>
@@ -5964,6 +5062,7 @@
             <a:solidFill>
               <a:srgbClr val="ff0000"/>
             </a:solidFill>
+            <a:round/>
           </a:ln>
         </p:spPr>
         <p:style>
@@ -5983,14 +5082,14 @@
       </p:sp>
       <p:sp>
         <p:nvSpPr>
-          <p:cNvPr id="127" name="CustomShape 2"/>
+          <p:cNvPr id="118" name="CustomShape 2"/>
           <p:cNvSpPr/>
           <p:nvPr/>
         </p:nvSpPr>
         <p:spPr>
           <a:xfrm>
             <a:off x="4102200" y="1226160"/>
-            <a:ext cx="235800" cy="249840"/>
+            <a:ext cx="235440" cy="249480"/>
           </a:xfrm>
           <a:prstGeom prst="ellipse">
             <a:avLst/>
@@ -6000,6 +5099,7 @@
             <a:solidFill>
               <a:srgbClr val="ff0000"/>
             </a:solidFill>
+            <a:round/>
           </a:ln>
         </p:spPr>
         <p:style>
@@ -6019,14 +5119,14 @@
       </p:sp>
       <p:sp>
         <p:nvSpPr>
-          <p:cNvPr id="128" name="CustomShape 3"/>
+          <p:cNvPr id="119" name="CustomShape 3"/>
           <p:cNvSpPr/>
           <p:nvPr/>
         </p:nvSpPr>
         <p:spPr>
           <a:xfrm>
             <a:off x="8137440" y="729720"/>
-            <a:ext cx="210600" cy="234360"/>
+            <a:ext cx="210240" cy="234000"/>
           </a:xfrm>
           <a:prstGeom prst="ellipse">
             <a:avLst/>
@@ -6036,6 +5136,7 @@
             <a:solidFill>
               <a:srgbClr val="ff0000"/>
             </a:solidFill>
+            <a:round/>
           </a:ln>
         </p:spPr>
         <p:style>
@@ -6055,14 +5156,14 @@
       </p:sp>
       <p:sp>
         <p:nvSpPr>
-          <p:cNvPr id="129" name="CustomShape 4"/>
+          <p:cNvPr id="120" name="CustomShape 4"/>
           <p:cNvSpPr/>
           <p:nvPr/>
         </p:nvSpPr>
         <p:spPr>
           <a:xfrm>
             <a:off x="4338360" y="1099080"/>
-            <a:ext cx="157680" cy="160560"/>
+            <a:ext cx="157320" cy="160200"/>
           </a:xfrm>
           <a:prstGeom prst="ellipse">
             <a:avLst/>
@@ -6072,6 +5173,7 @@
             <a:solidFill>
               <a:srgbClr val="ff0000"/>
             </a:solidFill>
+            <a:round/>
           </a:ln>
         </p:spPr>
         <p:style>
@@ -6125,7 +5227,7 @@
                                           </p:stCondLst>
                                         </p:cTn>
                                         <p:tgtEl>
-                                          <p:spTgt spid="128"/>
+                                          <p:spTgt spid="119"/>
                                         </p:tgtEl>
                                         <p:attrNameLst>
                                           <p:attrName>style.visibility</p:attrName>
@@ -6152,7 +5254,7 @@
                                           </p:stCondLst>
                                         </p:cTn>
                                         <p:tgtEl>
-                                          <p:spTgt spid="127"/>
+                                          <p:spTgt spid="118"/>
                                         </p:tgtEl>
                                         <p:attrNameLst>
                                           <p:attrName>style.visibility</p:attrName>
@@ -6179,7 +5281,7 @@
                                           </p:stCondLst>
                                         </p:cTn>
                                         <p:tgtEl>
-                                          <p:spTgt spid="126"/>
+                                          <p:spTgt spid="117"/>
                                         </p:tgtEl>
                                         <p:attrNameLst>
                                           <p:attrName>style.visibility</p:attrName>
@@ -6206,7 +5308,7 @@
                                           </p:stCondLst>
                                         </p:cTn>
                                         <p:tgtEl>
-                                          <p:spTgt spid="129"/>
+                                          <p:spTgt spid="120"/>
                                         </p:tgtEl>
                                         <p:attrNameLst>
                                           <p:attrName>style.visibility</p:attrName>
@@ -6269,14 +5371,14 @@
       </p:grpSpPr>
       <p:sp>
         <p:nvSpPr>
-          <p:cNvPr id="130" name="TextShape 1"/>
-          <p:cNvSpPr txBox="1"/>
+          <p:cNvPr id="121" name="CustomShape 1"/>
+          <p:cNvSpPr/>
           <p:nvPr/>
         </p:nvSpPr>
         <p:spPr>
           <a:xfrm>
             <a:off x="838080" y="365040"/>
-            <a:ext cx="10515240" cy="1325160"/>
+            <a:ext cx="10514880" cy="1324800"/>
           </a:xfrm>
           <a:prstGeom prst="rect">
             <a:avLst/>
@@ -6286,8 +5388,14 @@
             <a:noFill/>
           </a:ln>
         </p:spPr>
-        <p:txBody>
-          <a:bodyPr anchor="ctr"/>
+        <p:style>
+          <a:lnRef idx="0"/>
+          <a:fillRef idx="0"/>
+          <a:effectRef idx="0"/>
+          <a:fontRef idx="minor"/>
+        </p:style>
+        <p:txBody>
+          <a:bodyPr lIns="90000" rIns="90000" tIns="45000" bIns="45000" anchor="ctr"/>
           <a:p>
             <a:pPr>
               <a:lnSpc>
@@ -6295,7 +5403,7 @@
               </a:lnSpc>
             </a:pPr>
             <a:r>
-              <a:rPr b="0" lang="de-DE" sz="4400" spc="-1" strike="noStrike">
+              <a:rPr b="0" lang="en-US" sz="4400" spc="-1" strike="noStrike">
                 <a:solidFill>
                   <a:srgbClr val="000000"/>
                 </a:solidFill>
@@ -6303,25 +5411,22 @@
               </a:rPr>
               <a:t>Wie Datensatz verbessern? Domänenwissen</a:t>
             </a:r>
-            <a:endParaRPr b="0" lang="de-DE" sz="4400" spc="-1" strike="noStrike">
-              <a:solidFill>
-                <a:srgbClr val="000000"/>
-              </a:solidFill>
-              <a:latin typeface="Calibri"/>
-            </a:endParaRPr>
-          </a:p>
-        </p:txBody>
-      </p:sp>
-      <p:sp>
-        <p:nvSpPr>
-          <p:cNvPr id="131" name="TextShape 2"/>
-          <p:cNvSpPr txBox="1"/>
+            <a:endParaRPr b="0" lang="en-US" sz="4400" spc="-1" strike="noStrike">
+              <a:latin typeface="Arial"/>
+            </a:endParaRPr>
+          </a:p>
+        </p:txBody>
+      </p:sp>
+      <p:sp>
+        <p:nvSpPr>
+          <p:cNvPr id="122" name="CustomShape 2"/>
+          <p:cNvSpPr/>
           <p:nvPr/>
         </p:nvSpPr>
         <p:spPr>
           <a:xfrm>
-            <a:off x="838080" y="1825560"/>
-            <a:ext cx="10515240" cy="4350960"/>
+            <a:off x="838080" y="1861560"/>
+            <a:ext cx="10514880" cy="4350600"/>
           </a:xfrm>
           <a:prstGeom prst="rect">
             <a:avLst/>
@@ -6331,12 +5436,18 @@
             <a:noFill/>
           </a:ln>
         </p:spPr>
-        <p:txBody>
-          <a:bodyPr>
+        <p:style>
+          <a:lnRef idx="0"/>
+          <a:fillRef idx="0"/>
+          <a:effectRef idx="0"/>
+          <a:fontRef idx="minor"/>
+        </p:style>
+        <p:txBody>
+          <a:bodyPr lIns="90000" rIns="90000" tIns="45000" bIns="45000">
             <a:normAutofit/>
           </a:bodyPr>
           <a:p>
-            <a:pPr marL="228600" indent="-228240">
+            <a:pPr marL="228600" indent="-227880">
               <a:lnSpc>
                 <a:spcPct val="90000"/>
               </a:lnSpc>
@@ -6350,7 +5461,7 @@
               <a:buChar char="-"/>
             </a:pPr>
             <a:r>
-              <a:rPr b="1" lang="de-DE" sz="3600" spc="-1" strike="noStrike">
+              <a:rPr b="1" lang="en-US" sz="3600" spc="-1" strike="noStrike">
                 <a:solidFill>
                   <a:srgbClr val="000000"/>
                 </a:solidFill>
@@ -6358,11 +5469,8 @@
               </a:rPr>
               <a:t>Entfernen &amp; Ersetzen</a:t>
             </a:r>
-            <a:endParaRPr b="0" lang="de-DE" sz="3600" spc="-1" strike="noStrike">
-              <a:solidFill>
-                <a:srgbClr val="000000"/>
-              </a:solidFill>
-              <a:latin typeface="Calibri"/>
+            <a:endParaRPr b="0" lang="en-US" sz="3600" spc="-1" strike="noStrike">
+              <a:latin typeface="Arial"/>
             </a:endParaRPr>
           </a:p>
           <a:p>
@@ -6375,7 +5483,7 @@
               </a:spcBef>
             </a:pPr>
             <a:r>
-              <a:rPr b="0" lang="de-DE" sz="2800" spc="-1" strike="noStrike">
+              <a:rPr b="0" lang="en-US" sz="2800" spc="-1" strike="noStrike">
                 <a:solidFill>
                   <a:srgbClr val="000000"/>
                 </a:solidFill>
@@ -6384,7 +5492,7 @@
               <a:t>→ </a:t>
             </a:r>
             <a:r>
-              <a:rPr b="0" lang="de-DE" sz="2800" spc="-1" strike="noStrike">
+              <a:rPr b="0" lang="en-US" sz="2800" spc="-1" strike="noStrike">
                 <a:solidFill>
                   <a:srgbClr val="000000"/>
                 </a:solidFill>
@@ -6393,7 +5501,7 @@
               <a:t> „</a:t>
             </a:r>
             <a:r>
-              <a:rPr b="0" lang="de-DE" sz="2800" spc="-1" strike="noStrike">
+              <a:rPr b="0" lang="en-US" sz="2800" spc="-1" strike="noStrike">
                 <a:solidFill>
                   <a:srgbClr val="000000"/>
                 </a:solidFill>
@@ -6401,15 +5509,53 @@
               </a:rPr>
               <a:t>Xbox-Spiel“, „Fantasy-Fernsehserie“</a:t>
             </a:r>
-            <a:endParaRPr b="0" lang="de-DE" sz="2800" spc="-1" strike="noStrike">
-              <a:solidFill>
-                <a:srgbClr val="000000"/>
-              </a:solidFill>
-              <a:latin typeface="Calibri"/>
-            </a:endParaRPr>
-          </a:p>
-          <a:p>
-            <a:pPr marL="228600" indent="-228240">
+            <a:endParaRPr b="0" lang="en-US" sz="2800" spc="-1" strike="noStrike">
+              <a:latin typeface="Arial"/>
+            </a:endParaRPr>
+          </a:p>
+          <a:p>
+            <a:pPr>
+              <a:lnSpc>
+                <a:spcPct val="90000"/>
+              </a:lnSpc>
+              <a:spcBef>
+                <a:spcPts val="1001"/>
+              </a:spcBef>
+            </a:pPr>
+            <a:r>
+              <a:rPr b="0" lang="en-US" sz="2800" spc="-1" strike="noStrike">
+                <a:solidFill>
+                  <a:srgbClr val="000000"/>
+                </a:solidFill>
+                <a:latin typeface="Calibri"/>
+                <a:ea typeface="Noto Sans CJK SC Regular"/>
+              </a:rPr>
+              <a:t>→  </a:t>
+            </a:r>
+            <a:r>
+              <a:rPr b="0" lang="en-US" sz="2800" spc="-1" strike="noStrike">
+                <a:solidFill>
+                  <a:srgbClr val="000000"/>
+                </a:solidFill>
+                <a:latin typeface="Calibri"/>
+              </a:rPr>
+              <a:t>„</a:t>
+            </a:r>
+            <a:r>
+              <a:rPr b="0" lang="en-US" sz="2800" spc="-1" strike="noStrike">
+                <a:solidFill>
+                  <a:srgbClr val="000000"/>
+                </a:solidFill>
+                <a:latin typeface="Calibri"/>
+              </a:rPr>
+              <a:t>Wald”, “Oper” </a:t>
+            </a:r>
+            <a:endParaRPr b="0" lang="en-US" sz="2800" spc="-1" strike="noStrike">
+              <a:latin typeface="Arial"/>
+            </a:endParaRPr>
+          </a:p>
+          <a:p>
+            <a:pPr marL="228600" indent="-227880">
               <a:lnSpc>
                 <a:spcPct val="90000"/>
               </a:lnSpc>
@@ -6423,7 +5569,7 @@
               <a:buChar char="-"/>
             </a:pPr>
             <a:r>
-              <a:rPr b="1" lang="de-DE" sz="3600" spc="-1" strike="noStrike">
+              <a:rPr b="1" lang="en-US" sz="3600" spc="-1" strike="noStrike">
                 <a:solidFill>
                   <a:srgbClr val="000000"/>
                 </a:solidFill>
@@ -6431,11 +5577,8 @@
               </a:rPr>
               <a:t>Konkretisierung</a:t>
             </a:r>
-            <a:endParaRPr b="0" lang="de-DE" sz="3600" spc="-1" strike="noStrike">
-              <a:solidFill>
-                <a:srgbClr val="000000"/>
-              </a:solidFill>
-              <a:latin typeface="Calibri"/>
+            <a:endParaRPr b="0" lang="en-US" sz="3600" spc="-1" strike="noStrike">
+              <a:latin typeface="Arial"/>
             </a:endParaRPr>
           </a:p>
           <a:p>
@@ -6448,7 +5591,7 @@
               </a:spcBef>
             </a:pPr>
             <a:r>
-              <a:rPr b="0" lang="de-DE" sz="3200" spc="-1" strike="noStrike">
+              <a:rPr b="0" lang="en-US" sz="3200" spc="-1" strike="noStrike">
                 <a:solidFill>
                   <a:srgbClr val="000000"/>
                 </a:solidFill>
@@ -6457,16 +5600,16 @@
               <a:t>→</a:t>
             </a:r>
             <a:r>
-              <a:rPr b="0" lang="de-DE" sz="2800" spc="-1" strike="noStrike">
+              <a:rPr b="0" lang="en-US" sz="2800" spc="-1" strike="noStrike">
                 <a:solidFill>
                   <a:srgbClr val="000000"/>
                 </a:solidFill>
                 <a:latin typeface="Calibri"/>
               </a:rPr>
-              <a:t> „</a:t>
+              <a:t>  „</a:t>
             </a:r>
             <a:r>
-              <a:rPr b="0" lang="de-DE" sz="2800" spc="-1" strike="noStrike">
+              <a:rPr b="0" lang="en-US" sz="2800" spc="-1" strike="noStrike">
                 <a:solidFill>
                   <a:srgbClr val="000000"/>
                 </a:solidFill>
@@ -6474,11 +5617,8 @@
               </a:rPr>
               <a:t>Fernsehserie“ -&gt; „Deutsche Fernsehserie“</a:t>
             </a:r>
-            <a:endParaRPr b="0" lang="de-DE" sz="2800" spc="-1" strike="noStrike">
-              <a:solidFill>
-                <a:srgbClr val="000000"/>
-              </a:solidFill>
-              <a:latin typeface="Calibri"/>
+            <a:endParaRPr b="0" lang="en-US" sz="2800" spc="-1" strike="noStrike">
+              <a:latin typeface="Arial"/>
             </a:endParaRPr>
           </a:p>
           <a:p>
@@ -6491,7 +5631,7 @@
               </a:spcBef>
             </a:pPr>
             <a:r>
-              <a:rPr b="0" lang="de-DE" sz="3200" spc="-1" strike="noStrike">
+              <a:rPr b="0" lang="en-US" sz="3200" spc="-1" strike="noStrike">
                 <a:solidFill>
                   <a:srgbClr val="000000"/>
                 </a:solidFill>
@@ -6500,7 +5640,7 @@
               <a:t>→ </a:t>
             </a:r>
             <a:r>
-              <a:rPr b="0" lang="de-DE" sz="3200" spc="-1" strike="noStrike">
+              <a:rPr b="0" lang="en-US" sz="3200" spc="-1" strike="noStrike">
                 <a:solidFill>
                   <a:srgbClr val="000000"/>
                 </a:solidFill>
@@ -6509,7 +5649,7 @@
               <a:t> </a:t>
             </a:r>
             <a:r>
-              <a:rPr b="0" lang="de-DE" sz="2800" spc="-1" strike="noStrike">
+              <a:rPr b="0" lang="en-US" sz="2800" spc="-1" strike="noStrike">
                 <a:solidFill>
                   <a:srgbClr val="000000"/>
                 </a:solidFill>
@@ -6518,7 +5658,7 @@
               <a:t>„</a:t>
             </a:r>
             <a:r>
-              <a:rPr b="0" lang="de-DE" sz="2800" spc="-1" strike="noStrike">
+              <a:rPr b="0" lang="en-US" sz="2800" spc="-1" strike="noStrike">
                 <a:solidFill>
                   <a:srgbClr val="000000"/>
                 </a:solidFill>
@@ -6526,15 +5666,12 @@
               </a:rPr>
               <a:t>Krieg“ -&gt; „Krieg nach Typ“</a:t>
             </a:r>
-            <a:endParaRPr b="0" lang="de-DE" sz="2800" spc="-1" strike="noStrike">
-              <a:solidFill>
-                <a:srgbClr val="000000"/>
-              </a:solidFill>
-              <a:latin typeface="Calibri"/>
-            </a:endParaRPr>
-          </a:p>
-          <a:p>
-            <a:pPr marL="228600" indent="-228240">
+            <a:endParaRPr b="0" lang="en-US" sz="2800" spc="-1" strike="noStrike">
+              <a:latin typeface="Arial"/>
+            </a:endParaRPr>
+          </a:p>
+          <a:p>
+            <a:pPr marL="228600" indent="-227880">
               <a:lnSpc>
                 <a:spcPct val="90000"/>
               </a:lnSpc>
@@ -6548,7 +5685,7 @@
               <a:buChar char="-"/>
             </a:pPr>
             <a:r>
-              <a:rPr b="1" lang="de-DE" sz="3600" spc="-1" strike="noStrike">
+              <a:rPr b="1" lang="en-US" sz="3600" spc="-1" strike="noStrike">
                 <a:solidFill>
                   <a:srgbClr val="000000"/>
                 </a:solidFill>
@@ -6556,11 +5693,8 @@
               </a:rPr>
               <a:t>Abstraktion</a:t>
             </a:r>
-            <a:endParaRPr b="0" lang="de-DE" sz="3600" spc="-1" strike="noStrike">
-              <a:solidFill>
-                <a:srgbClr val="000000"/>
-              </a:solidFill>
-              <a:latin typeface="Calibri"/>
+            <a:endParaRPr b="0" lang="en-US" sz="3600" spc="-1" strike="noStrike">
+              <a:latin typeface="Arial"/>
             </a:endParaRPr>
           </a:p>
           <a:p>
@@ -6573,7 +5707,7 @@
               </a:spcBef>
             </a:pPr>
             <a:r>
-              <a:rPr b="0" lang="de-DE" sz="2800" spc="-1" strike="noStrike">
+              <a:rPr b="0" lang="en-US" sz="2800" spc="-1" strike="noStrike">
                 <a:solidFill>
                   <a:srgbClr val="000000"/>
                 </a:solidFill>
@@ -6582,7 +5716,7 @@
               <a:t>→ </a:t>
             </a:r>
             <a:r>
-              <a:rPr b="0" lang="de-DE" sz="2800" spc="-1" strike="noStrike">
+              <a:rPr b="0" lang="en-US" sz="2800" spc="-1" strike="noStrike">
                 <a:solidFill>
                   <a:srgbClr val="000000"/>
                 </a:solidFill>
@@ -6591,7 +5725,7 @@
               <a:t> „</a:t>
             </a:r>
             <a:r>
-              <a:rPr b="0" lang="de-DE" sz="2800" spc="-1" strike="noStrike">
+              <a:rPr b="0" lang="en-US" sz="2800" spc="-1" strike="noStrike">
                 <a:solidFill>
                   <a:srgbClr val="000000"/>
                 </a:solidFill>
@@ -6599,11 +5733,8 @@
               </a:rPr>
               <a:t>See in Bayern“ -&gt; „See in Deutschland“</a:t>
             </a:r>
-            <a:endParaRPr b="0" lang="de-DE" sz="2800" spc="-1" strike="noStrike">
-              <a:solidFill>
-                <a:srgbClr val="000000"/>
-              </a:solidFill>
-              <a:latin typeface="Calibri"/>
+            <a:endParaRPr b="0" lang="en-US" sz="2800" spc="-1" strike="noStrike">
+              <a:latin typeface="Arial"/>
             </a:endParaRPr>
           </a:p>
         </p:txBody>
@@ -6659,7 +5790,7 @@
       </p:grpSpPr>
       <p:pic>
         <p:nvPicPr>
-          <p:cNvPr id="132" name="Grafik 6" descr=""/>
+          <p:cNvPr id="123" name="Grafik 6" descr=""/>
           <p:cNvPicPr/>
           <p:nvPr/>
         </p:nvPicPr>
@@ -6670,7 +5801,7 @@
         <p:spPr>
           <a:xfrm>
             <a:off x="2262960" y="0"/>
-            <a:ext cx="7665840" cy="6857640"/>
+            <a:ext cx="7665480" cy="6857280"/>
           </a:xfrm>
           <a:prstGeom prst="rect">
             <a:avLst/>
@@ -6731,13 +5862,13 @@
       </p:grpSpPr>
       <p:graphicFrame>
         <p:nvGraphicFramePr>
-          <p:cNvPr id="133" name="Table 1"/>
+          <p:cNvPr id="124" name="Table 1"/>
           <p:cNvGraphicFramePr/>
           <p:nvPr/>
         </p:nvGraphicFramePr>
         <p:xfrm>
           <a:off x="1175760" y="220680"/>
-          <a:ext cx="9839880" cy="6416280"/>
+          <a:ext cx="9839520" cy="6415920"/>
         </p:xfrm>
         <a:graphic>
           <a:graphicData uri="http://schemas.openxmlformats.org/drawingml/2006/table">
@@ -6753,7 +5884,7 @@
               <a:tr h="708480">
                 <a:tc>
                   <a:txBody>
-                    <a:bodyPr lIns="68400" rIns="68400" tIns="0" bIns="0"/>
+                    <a:bodyPr lIns="68400" rIns="68400"/>
                     <a:p>
                       <a:pPr algn="just">
                         <a:lnSpc>
@@ -6805,7 +5936,7 @@
                 </a:tc>
                 <a:tc>
                   <a:txBody>
-                    <a:bodyPr lIns="68400" rIns="68400" tIns="0" bIns="0"/>
+                    <a:bodyPr lIns="68400" rIns="68400"/>
                     <a:p>
                       <a:pPr algn="just">
                         <a:lnSpc>
@@ -6857,7 +5988,7 @@
                 </a:tc>
                 <a:tc>
                   <a:txBody>
-                    <a:bodyPr lIns="68400" rIns="68400" tIns="0" bIns="0"/>
+                    <a:bodyPr lIns="68400" rIns="68400"/>
                     <a:p>
                       <a:pPr algn="just">
                         <a:lnSpc>
@@ -6909,7 +6040,7 @@
                 </a:tc>
                 <a:tc>
                   <a:txBody>
-                    <a:bodyPr lIns="68400" rIns="68400" tIns="0" bIns="0"/>
+                    <a:bodyPr lIns="68400" rIns="68400"/>
                     <a:p>
                       <a:pPr algn="just">
                         <a:lnSpc>
@@ -6961,7 +6092,7 @@
                 </a:tc>
                 <a:tc>
                   <a:txBody>
-                    <a:bodyPr lIns="68400" rIns="68400" tIns="0" bIns="0"/>
+                    <a:bodyPr lIns="68400" rIns="68400"/>
                     <a:p>
                       <a:pPr algn="just">
                         <a:lnSpc>
@@ -7015,7 +6146,7 @@
               <a:tr h="708480">
                 <a:tc>
                   <a:txBody>
-                    <a:bodyPr lIns="68400" rIns="68400" tIns="0" bIns="0"/>
+                    <a:bodyPr lIns="68400" rIns="68400"/>
                     <a:p>
                       <a:pPr algn="just">
                         <a:lnSpc>
@@ -7067,7 +6198,7 @@
                 </a:tc>
                 <a:tc>
                   <a:txBody>
-                    <a:bodyPr lIns="68400" rIns="68400" tIns="0" bIns="0" anchor="ctr"/>
+                    <a:bodyPr lIns="68400" rIns="68400"/>
                     <a:p>
                       <a:pPr algn="ctr">
                         <a:lnSpc>
@@ -7116,7 +6247,7 @@
                 </a:tc>
                 <a:tc>
                   <a:txBody>
-                    <a:bodyPr lIns="68400" rIns="68400" tIns="0" bIns="0" anchor="ctr"/>
+                    <a:bodyPr lIns="68400" rIns="68400"/>
                     <a:p>
                       <a:pPr algn="ctr">
                         <a:lnSpc>
@@ -7165,7 +6296,7 @@
                 </a:tc>
                 <a:tc>
                   <a:txBody>
-                    <a:bodyPr lIns="68400" rIns="68400" tIns="0" bIns="0" anchor="ctr"/>
+                    <a:bodyPr lIns="68400" rIns="68400"/>
                     <a:p>
                       <a:pPr algn="ctr">
                         <a:lnSpc>
@@ -7214,7 +6345,7 @@
                 </a:tc>
                 <a:tc>
                   <a:txBody>
-                    <a:bodyPr lIns="68400" rIns="68400" tIns="0" bIns="0" anchor="ctr"/>
+                    <a:bodyPr lIns="68400" rIns="68400"/>
                     <a:p>
                       <a:pPr algn="ctr">
                         <a:lnSpc>
@@ -7266,7 +6397,7 @@
               <a:tr h="1082520">
                 <a:tc>
                   <a:txBody>
-                    <a:bodyPr lIns="68400" rIns="68400" tIns="0" bIns="0"/>
+                    <a:bodyPr lIns="68400" rIns="68400"/>
                     <a:p>
                       <a:pPr algn="just">
                         <a:lnSpc>
@@ -7318,7 +6449,7 @@
                 </a:tc>
                 <a:tc>
                   <a:txBody>
-                    <a:bodyPr lIns="68400" rIns="68400" tIns="0" bIns="0" anchor="ctr"/>
+                    <a:bodyPr lIns="68400" rIns="68400"/>
                     <a:p>
                       <a:pPr algn="ctr">
                         <a:lnSpc>
@@ -7370,7 +6501,7 @@
                 </a:tc>
                 <a:tc>
                   <a:txBody>
-                    <a:bodyPr lIns="68400" rIns="68400" tIns="0" bIns="0" anchor="ctr"/>
+                    <a:bodyPr lIns="68400" rIns="68400"/>
                     <a:p>
                       <a:pPr algn="ctr">
                         <a:lnSpc>
@@ -7422,7 +6553,7 @@
                 </a:tc>
                 <a:tc>
                   <a:txBody>
-                    <a:bodyPr lIns="68400" rIns="68400" tIns="0" bIns="0" anchor="ctr"/>
+                    <a:bodyPr lIns="68400" rIns="68400"/>
                     <a:p>
                       <a:pPr algn="ctr">
                         <a:lnSpc>
@@ -7474,7 +6605,7 @@
                 </a:tc>
                 <a:tc>
                   <a:txBody>
-                    <a:bodyPr lIns="68400" rIns="68400" tIns="0" bIns="0" anchor="ctr"/>
+                    <a:bodyPr lIns="68400" rIns="68400"/>
                     <a:p>
                       <a:pPr algn="ctr">
                         <a:lnSpc>
@@ -7528,7 +6659,7 @@
               <a:tr h="708480">
                 <a:tc>
                   <a:txBody>
-                    <a:bodyPr lIns="68400" rIns="68400" tIns="0" bIns="0"/>
+                    <a:bodyPr lIns="68400" rIns="68400"/>
                     <a:p>
                       <a:pPr algn="just">
                         <a:lnSpc>
@@ -7580,7 +6711,7 @@
                 </a:tc>
                 <a:tc>
                   <a:txBody>
-                    <a:bodyPr lIns="68400" rIns="68400" tIns="0" bIns="0" anchor="ctr"/>
+                    <a:bodyPr lIns="68400" rIns="68400"/>
                     <a:p>
                       <a:pPr algn="ctr">
                         <a:lnSpc>
@@ -7632,7 +6763,7 @@
                 </a:tc>
                 <a:tc>
                   <a:txBody>
-                    <a:bodyPr lIns="68400" rIns="68400" tIns="0" bIns="0" anchor="ctr"/>
+                    <a:bodyPr lIns="68400" rIns="68400"/>
                     <a:p>
                       <a:pPr algn="ctr">
                         <a:lnSpc>
@@ -7684,7 +6815,7 @@
                 </a:tc>
                 <a:tc>
                   <a:txBody>
-                    <a:bodyPr lIns="68400" rIns="68400" tIns="0" bIns="0" anchor="ctr"/>
+                    <a:bodyPr lIns="68400" rIns="68400"/>
                     <a:p>
                       <a:pPr algn="ctr">
                         <a:lnSpc>
@@ -7736,7 +6867,7 @@
                 </a:tc>
                 <a:tc>
                   <a:txBody>
-                    <a:bodyPr lIns="68400" rIns="68400" tIns="0" bIns="0" anchor="ctr"/>
+                    <a:bodyPr lIns="68400" rIns="68400"/>
                     <a:p>
                       <a:pPr algn="ctr">
                         <a:lnSpc>
@@ -7790,7 +6921,7 @@
               <a:tr h="708480">
                 <a:tc>
                   <a:txBody>
-                    <a:bodyPr lIns="68400" rIns="68400" tIns="0" bIns="0"/>
+                    <a:bodyPr lIns="68400" rIns="68400"/>
                     <a:p>
                       <a:pPr algn="just">
                         <a:lnSpc>
@@ -7842,7 +6973,7 @@
                 </a:tc>
                 <a:tc>
                   <a:txBody>
-                    <a:bodyPr lIns="68400" rIns="68400" tIns="0" bIns="0" anchor="ctr"/>
+                    <a:bodyPr lIns="68400" rIns="68400"/>
                     <a:p>
                       <a:pPr algn="ctr">
                         <a:lnSpc>
@@ -7894,7 +7025,7 @@
                 </a:tc>
                 <a:tc>
                   <a:txBody>
-                    <a:bodyPr lIns="68400" rIns="68400" tIns="0" bIns="0" anchor="ctr"/>
+                    <a:bodyPr lIns="68400" rIns="68400"/>
                     <a:p>
                       <a:pPr algn="ctr">
                         <a:lnSpc>
@@ -7946,7 +7077,7 @@
                 </a:tc>
                 <a:tc>
                   <a:txBody>
-                    <a:bodyPr lIns="68400" rIns="68400" tIns="0" bIns="0" anchor="ctr"/>
+                    <a:bodyPr lIns="68400" rIns="68400"/>
                     <a:p>
                       <a:pPr algn="ctr">
                         <a:lnSpc>
@@ -7998,7 +7129,7 @@
                 </a:tc>
                 <a:tc>
                   <a:txBody>
-                    <a:bodyPr lIns="68400" rIns="68400" tIns="0" bIns="0" anchor="ctr"/>
+                    <a:bodyPr lIns="68400" rIns="68400"/>
                     <a:p>
                       <a:pPr algn="ctr">
                         <a:lnSpc>
@@ -8052,7 +7183,7 @@
               <a:tr h="708480">
                 <a:tc>
                   <a:txBody>
-                    <a:bodyPr lIns="68400" rIns="68400" tIns="0" bIns="0"/>
+                    <a:bodyPr lIns="68400" rIns="68400"/>
                     <a:p>
                       <a:pPr algn="just">
                         <a:lnSpc>
@@ -8104,7 +7235,7 @@
                 </a:tc>
                 <a:tc>
                   <a:txBody>
-                    <a:bodyPr lIns="68400" rIns="68400" tIns="0" bIns="0" anchor="ctr"/>
+                    <a:bodyPr lIns="68400" rIns="68400"/>
                     <a:p>
                       <a:pPr algn="ctr">
                         <a:lnSpc>
@@ -8156,7 +7287,7 @@
                 </a:tc>
                 <a:tc>
                   <a:txBody>
-                    <a:bodyPr lIns="68400" rIns="68400" tIns="0" bIns="0" anchor="ctr"/>
+                    <a:bodyPr lIns="68400" rIns="68400"/>
                     <a:p>
                       <a:pPr algn="ctr">
                         <a:lnSpc>
@@ -8208,7 +7339,7 @@
                 </a:tc>
                 <a:tc>
                   <a:txBody>
-                    <a:bodyPr lIns="68400" rIns="68400" tIns="0" bIns="0" anchor="ctr"/>
+                    <a:bodyPr lIns="68400" rIns="68400"/>
                     <a:p>
                       <a:pPr algn="ctr">
                         <a:lnSpc>
@@ -8260,7 +7391,7 @@
                 </a:tc>
                 <a:tc>
                   <a:txBody>
-                    <a:bodyPr lIns="68400" rIns="68400" tIns="0" bIns="0" anchor="ctr"/>
+                    <a:bodyPr lIns="68400" rIns="68400"/>
                     <a:p>
                       <a:pPr algn="ctr">
                         <a:lnSpc>
@@ -8314,7 +7445,7 @@
               <a:tr h="708480">
                 <a:tc>
                   <a:txBody>
-                    <a:bodyPr lIns="68400" rIns="68400" tIns="0" bIns="0"/>
+                    <a:bodyPr lIns="68400" rIns="68400"/>
                     <a:p>
                       <a:pPr algn="just">
                         <a:lnSpc>
@@ -8366,7 +7497,7 @@
                 </a:tc>
                 <a:tc>
                   <a:txBody>
-                    <a:bodyPr lIns="68400" rIns="68400" tIns="0" bIns="0" anchor="ctr"/>
+                    <a:bodyPr lIns="68400" rIns="68400"/>
                     <a:p>
                       <a:pPr algn="ctr">
                         <a:lnSpc>
@@ -8418,7 +7549,7 @@
                 </a:tc>
                 <a:tc>
                   <a:txBody>
-                    <a:bodyPr lIns="68400" rIns="68400" tIns="0" bIns="0" anchor="ctr"/>
+                    <a:bodyPr lIns="68400" rIns="68400"/>
                     <a:p>
                       <a:pPr algn="ctr">
                         <a:lnSpc>
@@ -8470,7 +7601,7 @@
                 </a:tc>
                 <a:tc>
                   <a:txBody>
-                    <a:bodyPr lIns="68400" rIns="68400" tIns="0" bIns="0" anchor="ctr"/>
+                    <a:bodyPr lIns="68400" rIns="68400"/>
                     <a:p>
                       <a:pPr algn="ctr">
                         <a:lnSpc>
@@ -8522,7 +7653,7 @@
                 </a:tc>
                 <a:tc>
                   <a:txBody>
-                    <a:bodyPr lIns="68400" rIns="68400" tIns="0" bIns="0" anchor="ctr"/>
+                    <a:bodyPr lIns="68400" rIns="68400"/>
                     <a:p>
                       <a:pPr algn="ctr">
                         <a:lnSpc>
@@ -8576,7 +7707,7 @@
               <a:tr h="1082880">
                 <a:tc>
                   <a:txBody>
-                    <a:bodyPr lIns="68400" rIns="68400" tIns="0" bIns="0"/>
+                    <a:bodyPr lIns="68400" rIns="68400"/>
                     <a:p>
                       <a:pPr algn="just">
                         <a:lnSpc>
@@ -8629,7 +7760,7 @@
                 </a:tc>
                 <a:tc>
                   <a:txBody>
-                    <a:bodyPr lIns="68400" rIns="68400" tIns="0" bIns="0" anchor="ctr"/>
+                    <a:bodyPr lIns="68400" rIns="68400"/>
                     <a:p>
                       <a:pPr algn="ctr">
                         <a:lnSpc>
@@ -8682,7 +7813,7 @@
                 </a:tc>
                 <a:tc>
                   <a:txBody>
-                    <a:bodyPr lIns="68400" rIns="68400" tIns="0" bIns="0" anchor="ctr"/>
+                    <a:bodyPr lIns="68400" rIns="68400"/>
                     <a:p>
                       <a:pPr algn="ctr">
                         <a:lnSpc>
@@ -8735,7 +7866,7 @@
                 </a:tc>
                 <a:tc>
                   <a:txBody>
-                    <a:bodyPr lIns="68400" rIns="68400" tIns="0" bIns="0" anchor="ctr"/>
+                    <a:bodyPr lIns="68400" rIns="68400"/>
                     <a:p>
                       <a:pPr algn="ctr">
                         <a:lnSpc>
@@ -8788,7 +7919,7 @@
                 </a:tc>
                 <a:tc>
                   <a:txBody>
-                    <a:bodyPr lIns="68400" rIns="68400" tIns="0" bIns="0" anchor="ctr"/>
+                    <a:bodyPr lIns="68400" rIns="68400"/>
                     <a:p>
                       <a:pPr algn="ctr">
                         <a:lnSpc>
@@ -8894,14 +8025,14 @@
       </p:grpSpPr>
       <p:sp>
         <p:nvSpPr>
-          <p:cNvPr id="134" name="TextShape 1"/>
-          <p:cNvSpPr txBox="1"/>
+          <p:cNvPr id="125" name="CustomShape 1"/>
+          <p:cNvSpPr/>
           <p:nvPr/>
         </p:nvSpPr>
         <p:spPr>
           <a:xfrm>
             <a:off x="838080" y="365040"/>
-            <a:ext cx="10515240" cy="1325160"/>
+            <a:ext cx="10514880" cy="1324800"/>
           </a:xfrm>
           <a:prstGeom prst="rect">
             <a:avLst/>
@@ -8911,8 +8042,14 @@
             <a:noFill/>
           </a:ln>
         </p:spPr>
-        <p:txBody>
-          <a:bodyPr anchor="ctr"/>
+        <p:style>
+          <a:lnRef idx="0"/>
+          <a:fillRef idx="0"/>
+          <a:effectRef idx="0"/>
+          <a:fontRef idx="minor"/>
+        </p:style>
+        <p:txBody>
+          <a:bodyPr lIns="90000" rIns="90000" tIns="45000" bIns="45000" anchor="ctr"/>
           <a:p>
             <a:pPr>
               <a:lnSpc>
@@ -8920,7 +8057,7 @@
               </a:lnSpc>
             </a:pPr>
             <a:r>
-              <a:rPr b="0" lang="de-DE" sz="4400" spc="-1" strike="noStrike">
+              <a:rPr b="0" lang="en-US" sz="4400" spc="-1" strike="noStrike">
                 <a:solidFill>
                   <a:srgbClr val="000000"/>
                 </a:solidFill>
@@ -8928,25 +8065,22 @@
               </a:rPr>
               <a:t>Verbesserungen an Artikeln (1)</a:t>
             </a:r>
-            <a:endParaRPr b="0" lang="de-DE" sz="4400" spc="-1" strike="noStrike">
-              <a:solidFill>
-                <a:srgbClr val="000000"/>
-              </a:solidFill>
-              <a:latin typeface="Calibri"/>
-            </a:endParaRPr>
-          </a:p>
-        </p:txBody>
-      </p:sp>
-      <p:sp>
-        <p:nvSpPr>
-          <p:cNvPr id="135" name="TextShape 2"/>
-          <p:cNvSpPr txBox="1"/>
+            <a:endParaRPr b="0" lang="en-US" sz="4400" spc="-1" strike="noStrike">
+              <a:latin typeface="Arial"/>
+            </a:endParaRPr>
+          </a:p>
+        </p:txBody>
+      </p:sp>
+      <p:sp>
+        <p:nvSpPr>
+          <p:cNvPr id="126" name="CustomShape 2"/>
+          <p:cNvSpPr/>
           <p:nvPr/>
         </p:nvSpPr>
         <p:spPr>
           <a:xfrm>
             <a:off x="838080" y="1825560"/>
-            <a:ext cx="10515240" cy="4943880"/>
+            <a:ext cx="10514880" cy="4943520"/>
           </a:xfrm>
           <a:prstGeom prst="rect">
             <a:avLst/>
@@ -8956,8 +8090,14 @@
             <a:noFill/>
           </a:ln>
         </p:spPr>
-        <p:txBody>
-          <a:bodyPr>
+        <p:style>
+          <a:lnRef idx="0"/>
+          <a:fillRef idx="0"/>
+          <a:effectRef idx="0"/>
+          <a:fontRef idx="minor"/>
+        </p:style>
+        <p:txBody>
+          <a:bodyPr lIns="90000" rIns="90000" tIns="45000" bIns="45000">
             <a:normAutofit/>
           </a:bodyPr>
           <a:p>
@@ -8970,7 +8110,7 @@
               </a:spcBef>
             </a:pPr>
             <a:r>
-              <a:rPr b="0" lang="de-DE" sz="3200" spc="-1" strike="noStrike">
+              <a:rPr b="0" lang="en-US" sz="3200" spc="-1" strike="noStrike">
                 <a:solidFill>
                   <a:srgbClr val="000000"/>
                 </a:solidFill>
@@ -8979,7 +8119,7 @@
               <a:t>„</a:t>
             </a:r>
             <a:r>
-              <a:rPr b="0" lang="de-DE" sz="3200" spc="-1" strike="noStrike">
+              <a:rPr b="0" lang="en-US" sz="3200" spc="-1" strike="noStrike">
                 <a:solidFill>
                   <a:srgbClr val="000000"/>
                 </a:solidFill>
@@ -8988,7 +8128,7 @@
               <a:t>An mehreren Stellen im Film ist der Satz </a:t>
             </a:r>
             <a:r>
-              <a:rPr b="1" lang="de-DE" sz="3200" spc="-1" strike="noStrike" u="sng">
+              <a:rPr b="1" lang="en-US" sz="3200" spc="-1" strike="noStrike" u="sng">
                 <a:solidFill>
                   <a:srgbClr val="000000"/>
                 </a:solidFill>
@@ -8998,7 +8138,7 @@
               <a:t>„Who watches the Watchmen?“ (</a:t>
             </a:r>
             <a:r>
-              <a:rPr b="1" i="1" lang="de-DE" sz="3200" spc="-1" strike="noStrike" u="sng">
+              <a:rPr b="1" i="1" lang="en-US" sz="3200" spc="-1" strike="noStrike" u="sng">
                 <a:solidFill>
                   <a:srgbClr val="000000"/>
                 </a:solidFill>
@@ -9008,7 +8148,7 @@
               <a:t>deutsch</a:t>
             </a:r>
             <a:r>
-              <a:rPr b="1" lang="de-DE" sz="3200" spc="-1" strike="noStrike" u="sng">
+              <a:rPr b="1" lang="en-US" sz="3200" spc="-1" strike="noStrike" u="sng">
                 <a:solidFill>
                   <a:srgbClr val="000000"/>
                 </a:solidFill>
@@ -9018,7 +8158,7 @@
               <a:t>: „Wer überwacht die Wächter?“) </a:t>
             </a:r>
             <a:r>
-              <a:rPr b="0" lang="de-DE" sz="3200" spc="-1" strike="noStrike">
+              <a:rPr b="0" lang="en-US" sz="3200" spc="-1" strike="noStrike">
                 <a:solidFill>
                   <a:srgbClr val="000000"/>
                 </a:solidFill>
@@ -9026,11 +8166,8 @@
               </a:rPr>
               <a:t>zu sehen, auf den sich auch der Titel des Comicromans bezieht.“</a:t>
             </a:r>
-            <a:endParaRPr b="0" lang="de-DE" sz="3200" spc="-1" strike="noStrike">
-              <a:solidFill>
-                <a:srgbClr val="000000"/>
-              </a:solidFill>
-              <a:latin typeface="Calibri"/>
+            <a:endParaRPr b="0" lang="en-US" sz="3200" spc="-1" strike="noStrike">
+              <a:latin typeface="Arial"/>
             </a:endParaRPr>
           </a:p>
           <a:p>
@@ -9042,11 +8179,8 @@
                 <a:spcPts val="1001"/>
               </a:spcBef>
             </a:pPr>
-            <a:endParaRPr b="0" lang="de-DE" sz="3200" spc="-1" strike="noStrike">
-              <a:solidFill>
-                <a:srgbClr val="000000"/>
-              </a:solidFill>
-              <a:latin typeface="Calibri"/>
+            <a:endParaRPr b="0" lang="en-US" sz="3200" spc="-1" strike="noStrike">
+              <a:latin typeface="Arial"/>
             </a:endParaRPr>
           </a:p>
           <a:p>
@@ -9059,7 +8193,7 @@
               </a:spcBef>
             </a:pPr>
             <a:r>
-              <a:rPr b="1" lang="de-DE" sz="4000" spc="-1" strike="noStrike">
+              <a:rPr b="1" lang="en-US" sz="4000" spc="-1" strike="noStrike">
                 <a:solidFill>
                   <a:srgbClr val="000000"/>
                 </a:solidFill>
@@ -9068,7 +8202,7 @@
               <a:t>→</a:t>
             </a:r>
             <a:r>
-              <a:rPr b="1" lang="de-DE" sz="3200" spc="-1" strike="noStrike">
+              <a:rPr b="1" lang="en-US" sz="3200" spc="-1" strike="noStrike">
                 <a:solidFill>
                   <a:srgbClr val="000000"/>
                 </a:solidFill>
@@ -9076,11 +8210,8 @@
               </a:rPr>
               <a:t> </a:t>
             </a:r>
-            <a:endParaRPr b="0" lang="de-DE" sz="3200" spc="-1" strike="noStrike">
-              <a:solidFill>
-                <a:srgbClr val="000000"/>
-              </a:solidFill>
-              <a:latin typeface="Calibri"/>
+            <a:endParaRPr b="0" lang="en-US" sz="3200" spc="-1" strike="noStrike">
+              <a:latin typeface="Arial"/>
             </a:endParaRPr>
           </a:p>
           <a:p>
@@ -9093,7 +8224,7 @@
               </a:spcBef>
             </a:pPr>
             <a:r>
-              <a:rPr b="0" lang="de-DE" sz="3200" spc="-1" strike="noStrike">
+              <a:rPr b="0" lang="en-US" sz="3200" spc="-1" strike="noStrike">
                 <a:solidFill>
                   <a:srgbClr val="000000"/>
                 </a:solidFill>
@@ -9102,7 +8233,7 @@
               <a:t>„</a:t>
             </a:r>
             <a:r>
-              <a:rPr b="0" lang="de-DE" sz="3200" spc="-1" strike="noStrike">
+              <a:rPr b="0" lang="en-US" sz="3200" spc="-1" strike="noStrike">
                 <a:solidFill>
                   <a:srgbClr val="000000"/>
                 </a:solidFill>
@@ -9111,7 +8242,7 @@
               <a:t>An mehreren Stellen im Film ist der Satz </a:t>
             </a:r>
             <a:r>
-              <a:rPr b="1" lang="de-DE" sz="3200" spc="-1" strike="noStrike">
+              <a:rPr b="1" lang="en-US" sz="3200" spc="-1" strike="noStrike">
                 <a:solidFill>
                   <a:srgbClr val="000000"/>
                 </a:solidFill>
@@ -9120,7 +8251,7 @@
               <a:t>„Wer überwacht die Wächter?“ </a:t>
             </a:r>
             <a:r>
-              <a:rPr b="0" lang="de-DE" sz="3200" spc="-1" strike="noStrike">
+              <a:rPr b="0" lang="en-US" sz="3200" spc="-1" strike="noStrike">
                 <a:solidFill>
                   <a:srgbClr val="000000"/>
                 </a:solidFill>
@@ -9128,11 +8259,8 @@
               </a:rPr>
               <a:t>zu sehen, auf den sich auch der Titel des Comicromans bezieht.“</a:t>
             </a:r>
-            <a:endParaRPr b="0" lang="de-DE" sz="3200" spc="-1" strike="noStrike">
-              <a:solidFill>
-                <a:srgbClr val="000000"/>
-              </a:solidFill>
-              <a:latin typeface="Calibri"/>
+            <a:endParaRPr b="0" lang="en-US" sz="3200" spc="-1" strike="noStrike">
+              <a:latin typeface="Arial"/>
             </a:endParaRPr>
           </a:p>
           <a:p>
@@ -9144,11 +8272,8 @@
                 <a:spcPts val="1001"/>
               </a:spcBef>
             </a:pPr>
-            <a:endParaRPr b="0" lang="de-DE" sz="3200" spc="-1" strike="noStrike">
-              <a:solidFill>
-                <a:srgbClr val="000000"/>
-              </a:solidFill>
-              <a:latin typeface="Calibri"/>
+            <a:endParaRPr b="0" lang="en-US" sz="3200" spc="-1" strike="noStrike">
+              <a:latin typeface="Arial"/>
             </a:endParaRPr>
           </a:p>
           <a:p>
@@ -9161,7 +8286,7 @@
               </a:spcBef>
             </a:pPr>
             <a:r>
-              <a:rPr b="0" lang="de-DE" sz="2400" spc="-1" strike="noStrike">
+              <a:rPr b="0" lang="en-US" sz="2400" spc="-1" strike="noStrike">
                 <a:solidFill>
                   <a:srgbClr val="000000"/>
                 </a:solidFill>
@@ -9169,11 +8294,8 @@
               </a:rPr>
               <a:t>To-Do: „zu deutsch“</a:t>
             </a:r>
-            <a:endParaRPr b="0" lang="de-DE" sz="2400" spc="-1" strike="noStrike">
-              <a:solidFill>
-                <a:srgbClr val="000000"/>
-              </a:solidFill>
-              <a:latin typeface="Calibri"/>
+            <a:endParaRPr b="0" lang="en-US" sz="2400" spc="-1" strike="noStrike">
+              <a:latin typeface="Arial"/>
             </a:endParaRPr>
           </a:p>
           <a:p>
@@ -9185,11 +8307,8 @@
                 <a:spcPts val="1001"/>
               </a:spcBef>
             </a:pPr>
-            <a:endParaRPr b="0" lang="de-DE" sz="2400" spc="-1" strike="noStrike">
-              <a:solidFill>
-                <a:srgbClr val="000000"/>
-              </a:solidFill>
-              <a:latin typeface="Calibri"/>
+            <a:endParaRPr b="0" lang="en-US" sz="2400" spc="-1" strike="noStrike">
+              <a:latin typeface="Arial"/>
             </a:endParaRPr>
           </a:p>
         </p:txBody>
@@ -9245,14 +8364,14 @@
       </p:grpSpPr>
       <p:sp>
         <p:nvSpPr>
-          <p:cNvPr id="136" name="TextShape 1"/>
-          <p:cNvSpPr txBox="1"/>
+          <p:cNvPr id="127" name="CustomShape 1"/>
+          <p:cNvSpPr/>
           <p:nvPr/>
         </p:nvSpPr>
         <p:spPr>
           <a:xfrm>
             <a:off x="838080" y="365040"/>
-            <a:ext cx="10515240" cy="1325160"/>
+            <a:ext cx="10514880" cy="1324800"/>
           </a:xfrm>
           <a:prstGeom prst="rect">
             <a:avLst/>
@@ -9262,8 +8381,14 @@
             <a:noFill/>
           </a:ln>
         </p:spPr>
-        <p:txBody>
-          <a:bodyPr anchor="ctr"/>
+        <p:style>
+          <a:lnRef idx="0"/>
+          <a:fillRef idx="0"/>
+          <a:effectRef idx="0"/>
+          <a:fontRef idx="minor"/>
+        </p:style>
+        <p:txBody>
+          <a:bodyPr lIns="90000" rIns="90000" tIns="45000" bIns="45000" anchor="ctr"/>
           <a:p>
             <a:pPr>
               <a:lnSpc>
@@ -9271,7 +8396,7 @@
               </a:lnSpc>
             </a:pPr>
             <a:r>
-              <a:rPr b="0" lang="de-DE" sz="4400" spc="-1" strike="noStrike">
+              <a:rPr b="0" lang="en-US" sz="4400" spc="-1" strike="noStrike">
                 <a:solidFill>
                   <a:srgbClr val="000000"/>
                 </a:solidFill>
@@ -9279,25 +8404,22 @@
               </a:rPr>
               <a:t>Verbesserungen an Artikeln (2)</a:t>
             </a:r>
-            <a:endParaRPr b="0" lang="de-DE" sz="4400" spc="-1" strike="noStrike">
-              <a:solidFill>
-                <a:srgbClr val="000000"/>
-              </a:solidFill>
-              <a:latin typeface="Calibri"/>
-            </a:endParaRPr>
-          </a:p>
-        </p:txBody>
-      </p:sp>
-      <p:sp>
-        <p:nvSpPr>
-          <p:cNvPr id="137" name="TextShape 2"/>
-          <p:cNvSpPr txBox="1"/>
+            <a:endParaRPr b="0" lang="en-US" sz="4400" spc="-1" strike="noStrike">
+              <a:latin typeface="Arial"/>
+            </a:endParaRPr>
+          </a:p>
+        </p:txBody>
+      </p:sp>
+      <p:sp>
+        <p:nvSpPr>
+          <p:cNvPr id="128" name="CustomShape 2"/>
+          <p:cNvSpPr/>
           <p:nvPr/>
         </p:nvSpPr>
         <p:spPr>
           <a:xfrm>
             <a:off x="838080" y="1825560"/>
-            <a:ext cx="10515240" cy="4943880"/>
+            <a:ext cx="10514880" cy="4943520"/>
           </a:xfrm>
           <a:prstGeom prst="rect">
             <a:avLst/>
@@ -9307,12 +8429,18 @@
             <a:noFill/>
           </a:ln>
         </p:spPr>
-        <p:txBody>
-          <a:bodyPr>
+        <p:style>
+          <a:lnRef idx="0"/>
+          <a:fillRef idx="0"/>
+          <a:effectRef idx="0"/>
+          <a:fontRef idx="minor"/>
+        </p:style>
+        <p:txBody>
+          <a:bodyPr lIns="90000" rIns="90000" tIns="45000" bIns="45000">
             <a:normAutofit/>
           </a:bodyPr>
           <a:p>
-            <a:pPr marL="228600" indent="-228240">
+            <a:pPr marL="228600" indent="-227880">
               <a:lnSpc>
                 <a:spcPct val="90000"/>
               </a:lnSpc>
@@ -9326,7 +8454,7 @@
               <a:buChar char="-"/>
             </a:pPr>
             <a:r>
-              <a:rPr b="0" lang="de-DE" sz="3200" spc="-1" strike="noStrike">
+              <a:rPr b="0" lang="en-US" sz="3200" spc="-1" strike="noStrike">
                 <a:solidFill>
                   <a:srgbClr val="000000"/>
                 </a:solidFill>
@@ -9334,15 +8462,12 @@
               </a:rPr>
               <a:t>Entfernung von nicht lateinischen Wörtern &amp; Zeichen</a:t>
             </a:r>
-            <a:endParaRPr b="0" lang="de-DE" sz="3200" spc="-1" strike="noStrike">
-              <a:solidFill>
-                <a:srgbClr val="000000"/>
-              </a:solidFill>
-              <a:latin typeface="Calibri"/>
-            </a:endParaRPr>
-          </a:p>
-          <a:p>
-            <a:pPr marL="228600" indent="-228240">
+            <a:endParaRPr b="0" lang="en-US" sz="3200" spc="-1" strike="noStrike">
+              <a:latin typeface="Arial"/>
+            </a:endParaRPr>
+          </a:p>
+          <a:p>
+            <a:pPr marL="228600" indent="-227880">
               <a:lnSpc>
                 <a:spcPct val="90000"/>
               </a:lnSpc>
@@ -9356,7 +8481,7 @@
               <a:buChar char="-"/>
             </a:pPr>
             <a:r>
-              <a:rPr b="0" lang="de-DE" sz="3200" spc="-1" strike="noStrike">
+              <a:rPr b="0" lang="en-US" sz="3200" spc="-1" strike="noStrike">
                 <a:solidFill>
                   <a:srgbClr val="000000"/>
                 </a:solidFill>
@@ -9364,15 +8489,12 @@
               </a:rPr>
               <a:t>Entfernung von doppelten Gleichheitszeichen (Wikipedia Sektion)</a:t>
             </a:r>
-            <a:endParaRPr b="0" lang="de-DE" sz="3200" spc="-1" strike="noStrike">
-              <a:solidFill>
-                <a:srgbClr val="000000"/>
-              </a:solidFill>
-              <a:latin typeface="Calibri"/>
-            </a:endParaRPr>
-          </a:p>
-          <a:p>
-            <a:pPr marL="228600" indent="-228240">
+            <a:endParaRPr b="0" lang="en-US" sz="3200" spc="-1" strike="noStrike">
+              <a:latin typeface="Arial"/>
+            </a:endParaRPr>
+          </a:p>
+          <a:p>
+            <a:pPr marL="228600" indent="-227880">
               <a:lnSpc>
                 <a:spcPct val="90000"/>
               </a:lnSpc>
@@ -9386,7 +8508,7 @@
               <a:buChar char="-"/>
             </a:pPr>
             <a:r>
-              <a:rPr b="0" lang="de-DE" sz="3200" spc="-1" strike="noStrike">
+              <a:rPr b="0" lang="en-US" sz="3200" spc="-1" strike="noStrike">
                 <a:solidFill>
                   <a:srgbClr val="000000"/>
                 </a:solidFill>
@@ -9394,15 +8516,12 @@
               </a:rPr>
               <a:t>Tokenisierung</a:t>
             </a:r>
-            <a:endParaRPr b="0" lang="de-DE" sz="3200" spc="-1" strike="noStrike">
-              <a:solidFill>
-                <a:srgbClr val="000000"/>
-              </a:solidFill>
-              <a:latin typeface="Calibri"/>
-            </a:endParaRPr>
-          </a:p>
-          <a:p>
-            <a:pPr marL="228600" indent="-228240">
+            <a:endParaRPr b="0" lang="en-US" sz="3200" spc="-1" strike="noStrike">
+              <a:latin typeface="Arial"/>
+            </a:endParaRPr>
+          </a:p>
+          <a:p>
+            <a:pPr marL="228600" indent="-227880">
               <a:lnSpc>
                 <a:spcPct val="90000"/>
               </a:lnSpc>
@@ -9416,7 +8535,7 @@
               <a:buChar char="-"/>
             </a:pPr>
             <a:r>
-              <a:rPr b="0" lang="de-DE" sz="3200" spc="-1" strike="noStrike">
+              <a:rPr b="0" lang="en-US" sz="3200" spc="-1" strike="noStrike">
                 <a:solidFill>
                   <a:srgbClr val="000000"/>
                 </a:solidFill>
@@ -9425,7 +8544,7 @@
               <a:t>„</a:t>
             </a:r>
             <a:r>
-              <a:rPr b="0" lang="de-DE" sz="3200" spc="-1" strike="noStrike">
+              <a:rPr b="0" lang="en-US" sz="3200" spc="-1" strike="noStrike">
                 <a:solidFill>
                   <a:srgbClr val="000000"/>
                 </a:solidFill>
@@ -9433,15 +8552,12 @@
               </a:rPr>
               <a:t>Beschneidung“ von Texten (100-2000 Wörter)</a:t>
             </a:r>
-            <a:endParaRPr b="0" lang="de-DE" sz="3200" spc="-1" strike="noStrike">
-              <a:solidFill>
-                <a:srgbClr val="000000"/>
-              </a:solidFill>
-              <a:latin typeface="Calibri"/>
-            </a:endParaRPr>
-          </a:p>
-          <a:p>
-            <a:pPr marL="228600" indent="-228240">
+            <a:endParaRPr b="0" lang="en-US" sz="3200" spc="-1" strike="noStrike">
+              <a:latin typeface="Arial"/>
+            </a:endParaRPr>
+          </a:p>
+          <a:p>
+            <a:pPr marL="228600" indent="-227880">
               <a:lnSpc>
                 <a:spcPct val="90000"/>
               </a:lnSpc>
@@ -9455,7 +8571,7 @@
               <a:buChar char="-"/>
             </a:pPr>
             <a:r>
-              <a:rPr b="0" lang="de-DE" sz="3200" spc="-1" strike="noStrike">
+              <a:rPr b="0" lang="en-US" sz="3200" spc="-1" strike="noStrike">
                 <a:solidFill>
                   <a:srgbClr val="000000"/>
                 </a:solidFill>
@@ -9463,15 +8579,12 @@
               </a:rPr>
               <a:t>alle Umlaute ersetzen (Idee)</a:t>
             </a:r>
-            <a:endParaRPr b="0" lang="de-DE" sz="3200" spc="-1" strike="noStrike">
-              <a:solidFill>
-                <a:srgbClr val="000000"/>
-              </a:solidFill>
-              <a:latin typeface="Calibri"/>
-            </a:endParaRPr>
-          </a:p>
-          <a:p>
-            <a:pPr marL="228600" indent="-228240">
+            <a:endParaRPr b="0" lang="en-US" sz="3200" spc="-1" strike="noStrike">
+              <a:latin typeface="Arial"/>
+            </a:endParaRPr>
+          </a:p>
+          <a:p>
+            <a:pPr marL="228600" indent="-227880">
               <a:lnSpc>
                 <a:spcPct val="90000"/>
               </a:lnSpc>
@@ -9485,7 +8598,7 @@
               <a:buChar char="-"/>
             </a:pPr>
             <a:r>
-              <a:rPr b="0" lang="de-DE" sz="3200" spc="-1" strike="noStrike">
+              <a:rPr b="0" lang="en-US" sz="3200" spc="-1" strike="noStrike">
                 <a:solidFill>
                   <a:srgbClr val="000000"/>
                 </a:solidFill>
@@ -9493,11 +8606,8 @@
               </a:rPr>
               <a:t>Geburts- und Todesdaten in Klammern löschen (Idee)</a:t>
             </a:r>
-            <a:endParaRPr b="0" lang="de-DE" sz="3200" spc="-1" strike="noStrike">
-              <a:solidFill>
-                <a:srgbClr val="000000"/>
-              </a:solidFill>
-              <a:latin typeface="Calibri"/>
+            <a:endParaRPr b="0" lang="en-US" sz="3200" spc="-1" strike="noStrike">
+              <a:latin typeface="Arial"/>
             </a:endParaRPr>
           </a:p>
           <a:p>
@@ -9509,11 +8619,8 @@
                 <a:spcPts val="1001"/>
               </a:spcBef>
             </a:pPr>
-            <a:endParaRPr b="0" lang="de-DE" sz="3200" spc="-1" strike="noStrike">
-              <a:solidFill>
-                <a:srgbClr val="000000"/>
-              </a:solidFill>
-              <a:latin typeface="Calibri"/>
+            <a:endParaRPr b="0" lang="en-US" sz="3200" spc="-1" strike="noStrike">
+              <a:latin typeface="Arial"/>
             </a:endParaRPr>
           </a:p>
           <a:p>
@@ -9525,11 +8632,8 @@
                 <a:spcPts val="1001"/>
               </a:spcBef>
             </a:pPr>
-            <a:endParaRPr b="0" lang="de-DE" sz="3200" spc="-1" strike="noStrike">
-              <a:solidFill>
-                <a:srgbClr val="000000"/>
-              </a:solidFill>
-              <a:latin typeface="Calibri"/>
+            <a:endParaRPr b="0" lang="en-US" sz="3200" spc="-1" strike="noStrike">
+              <a:latin typeface="Arial"/>
             </a:endParaRPr>
           </a:p>
           <a:p>
@@ -9541,11 +8645,8 @@
                 <a:spcPts val="1001"/>
               </a:spcBef>
             </a:pPr>
-            <a:endParaRPr b="0" lang="de-DE" sz="3200" spc="-1" strike="noStrike">
-              <a:solidFill>
-                <a:srgbClr val="000000"/>
-              </a:solidFill>
-              <a:latin typeface="Calibri"/>
+            <a:endParaRPr b="0" lang="en-US" sz="3200" spc="-1" strike="noStrike">
+              <a:latin typeface="Arial"/>
             </a:endParaRPr>
           </a:p>
           <a:p>
@@ -9557,11 +8658,8 @@
                 <a:spcPts val="1001"/>
               </a:spcBef>
             </a:pPr>
-            <a:endParaRPr b="0" lang="de-DE" sz="3200" spc="-1" strike="noStrike">
-              <a:solidFill>
-                <a:srgbClr val="000000"/>
-              </a:solidFill>
-              <a:latin typeface="Calibri"/>
+            <a:endParaRPr b="0" lang="en-US" sz="3200" spc="-1" strike="noStrike">
+              <a:latin typeface="Arial"/>
             </a:endParaRPr>
           </a:p>
         </p:txBody>
